--- a/GridFS.pptx
+++ b/GridFS.pptx
@@ -2,41 +2,21 @@
 <file path=ppt/presentation.xml><?xml version="1.0" encoding="utf-8"?>
 <p:presentation xmlns:a="http://schemas.openxmlformats.org/drawingml/2006/main" xmlns:r="http://schemas.openxmlformats.org/officeDocument/2006/relationships" xmlns:p="http://schemas.openxmlformats.org/presentationml/2006/main" saveSubsetFonts="1">
   <p:sldMasterIdLst>
-    <p:sldMasterId id="2147483648" r:id="rId1"/>
+    <p:sldMasterId id="2147483696" r:id="rId1"/>
   </p:sldMasterIdLst>
   <p:notesMasterIdLst>
-    <p:notesMasterId r:id="rId31"/>
+    <p:notesMasterId r:id="rId11"/>
   </p:notesMasterIdLst>
   <p:sldIdLst>
     <p:sldId id="256" r:id="rId2"/>
-    <p:sldId id="257" r:id="rId3"/>
-    <p:sldId id="258" r:id="rId4"/>
-    <p:sldId id="259" r:id="rId5"/>
-    <p:sldId id="260" r:id="rId6"/>
-    <p:sldId id="261" r:id="rId7"/>
-    <p:sldId id="262" r:id="rId8"/>
-    <p:sldId id="263" r:id="rId9"/>
-    <p:sldId id="264" r:id="rId10"/>
-    <p:sldId id="265" r:id="rId11"/>
-    <p:sldId id="266" r:id="rId12"/>
-    <p:sldId id="267" r:id="rId13"/>
-    <p:sldId id="268" r:id="rId14"/>
-    <p:sldId id="269" r:id="rId15"/>
-    <p:sldId id="270" r:id="rId16"/>
-    <p:sldId id="271" r:id="rId17"/>
-    <p:sldId id="272" r:id="rId18"/>
-    <p:sldId id="273" r:id="rId19"/>
-    <p:sldId id="274" r:id="rId20"/>
-    <p:sldId id="275" r:id="rId21"/>
-    <p:sldId id="276" r:id="rId22"/>
-    <p:sldId id="277" r:id="rId23"/>
-    <p:sldId id="278" r:id="rId24"/>
-    <p:sldId id="279" r:id="rId25"/>
-    <p:sldId id="280" r:id="rId26"/>
-    <p:sldId id="281" r:id="rId27"/>
-    <p:sldId id="282" r:id="rId28"/>
-    <p:sldId id="283" r:id="rId29"/>
-    <p:sldId id="284" r:id="rId30"/>
+    <p:sldId id="286" r:id="rId3"/>
+    <p:sldId id="287" r:id="rId4"/>
+    <p:sldId id="288" r:id="rId5"/>
+    <p:sldId id="290" r:id="rId6"/>
+    <p:sldId id="292" r:id="rId7"/>
+    <p:sldId id="289" r:id="rId8"/>
+    <p:sldId id="284" r:id="rId9"/>
+    <p:sldId id="291" r:id="rId10"/>
   </p:sldIdLst>
   <p:sldSz cx="12192000" cy="6858000"/>
   <p:notesSz cx="6858000" cy="9144000"/>
@@ -135,6 +115,11 @@
       </a:defRPr>
     </a:lvl9pPr>
   </p:defaultTextStyle>
+  <p:extLst>
+    <p:ext uri="{EFAFB233-063F-42B5-8137-9DF3F51BA10A}">
+      <p15:sldGuideLst xmlns:p15="http://schemas.microsoft.com/office/powerpoint/2012/main"/>
+    </p:ext>
+  </p:extLst>
 </p:presentation>
 </file>
 
@@ -491,6 +476,14 @@
 <file path=ppt/slideLayouts/slideLayout1.xml><?xml version="1.0" encoding="utf-8"?>
 <p:sldLayout xmlns:a="http://schemas.openxmlformats.org/drawingml/2006/main" xmlns:r="http://schemas.openxmlformats.org/officeDocument/2006/relationships" xmlns:p="http://schemas.openxmlformats.org/presentationml/2006/main" type="title" preserve="1">
   <p:cSld name="Titelfolie">
+    <p:bg>
+      <p:bgPr>
+        <a:solidFill>
+          <a:schemeClr val="accent1"/>
+        </a:solidFill>
+        <a:effectLst/>
+      </p:bgPr>
+    </p:bg>
     <p:spTree>
       <p:nvGrpSpPr>
         <p:cNvPr id="1" name=""/>
@@ -507,25 +500,69 @@
       </p:grpSpPr>
       <p:sp>
         <p:nvSpPr>
-          <p:cNvPr id="2" name="Titel 1"/>
-          <p:cNvSpPr>
-            <a:spLocks noGrp="1"/>
-          </p:cNvSpPr>
-          <p:nvPr>
-            <p:ph type="ctrTitle"/>
-          </p:nvPr>
+          <p:cNvPr id="4" name="Rectangle 3"/>
+          <p:cNvSpPr/>
+          <p:nvPr/>
         </p:nvSpPr>
         <p:spPr>
           <a:xfrm>
-            <a:off x="1524000" y="1122363"/>
-            <a:ext cx="9144000" cy="2387600"/>
+            <a:off x="0" y="0"/>
+            <a:ext cx="12192000" cy="6858000"/>
+          </a:xfrm>
+          <a:prstGeom prst="rect">
+            <a:avLst/>
+          </a:prstGeom>
+          <a:ln>
+            <a:noFill/>
+          </a:ln>
+        </p:spPr>
+        <p:style>
+          <a:lnRef idx="2">
+            <a:schemeClr val="accent1">
+              <a:shade val="50000"/>
+            </a:schemeClr>
+          </a:lnRef>
+          <a:fillRef idx="1">
+            <a:schemeClr val="accent1"/>
+          </a:fillRef>
+          <a:effectRef idx="0">
+            <a:schemeClr val="accent1"/>
+          </a:effectRef>
+          <a:fontRef idx="minor">
+            <a:schemeClr val="lt1"/>
+          </a:fontRef>
+        </p:style>
+      </p:sp>
+      <p:sp>
+        <p:nvSpPr>
+          <p:cNvPr id="2" name="Title 1"/>
+          <p:cNvSpPr>
+            <a:spLocks noGrp="1"/>
+          </p:cNvSpPr>
+          <p:nvPr>
+            <p:ph type="ctrTitle"/>
+          </p:nvPr>
+        </p:nvSpPr>
+        <p:spPr>
+          <a:xfrm>
+            <a:off x="603504" y="770467"/>
+            <a:ext cx="10782300" cy="3352800"/>
           </a:xfrm>
         </p:spPr>
         <p:txBody>
-          <a:bodyPr anchor="b"/>
+          <a:bodyPr anchor="b">
+            <a:noAutofit/>
+          </a:bodyPr>
           <a:lstStyle>
-            <a:lvl1pPr algn="ctr">
-              <a:defRPr sz="6000"/>
+            <a:lvl1pPr algn="l">
+              <a:lnSpc>
+                <a:spcPct val="80000"/>
+              </a:lnSpc>
+              <a:defRPr sz="8800" spc="-120" baseline="0">
+                <a:solidFill>
+                  <a:srgbClr val="FFFFFF"/>
+                </a:solidFill>
+              </a:defRPr>
             </a:lvl1pPr>
           </a:lstStyle>
           <a:p>
@@ -533,13 +570,13 @@
               <a:rPr lang="de-DE" smtClean="0"/>
               <a:t>Titelmasterformat durch Klicken bearbeiten</a:t>
             </a:r>
-            <a:endParaRPr lang="de-AT"/>
-          </a:p>
-        </p:txBody>
-      </p:sp>
-      <p:sp>
-        <p:nvSpPr>
-          <p:cNvPr id="3" name="Untertitel 2"/>
+            <a:endParaRPr lang="en-US" dirty="0"/>
+          </a:p>
+        </p:txBody>
+      </p:sp>
+      <p:sp>
+        <p:nvSpPr>
+          <p:cNvPr id="3" name="Subtitle 2"/>
           <p:cNvSpPr>
             <a:spLocks noGrp="1"/>
           </p:cNvSpPr>
@@ -549,48 +586,55 @@
         </p:nvSpPr>
         <p:spPr>
           <a:xfrm>
-            <a:off x="1524000" y="3602038"/>
-            <a:ext cx="9144000" cy="1655762"/>
+            <a:off x="667512" y="4206876"/>
+            <a:ext cx="9228201" cy="1645920"/>
           </a:xfrm>
         </p:spPr>
         <p:txBody>
-          <a:bodyPr/>
+          <a:bodyPr>
+            <a:normAutofit/>
+          </a:bodyPr>
           <a:lstStyle>
-            <a:lvl1pPr marL="0" indent="0" algn="ctr">
-              <a:buNone/>
-              <a:defRPr sz="2400"/>
+            <a:lvl1pPr marL="0" indent="0" algn="l">
+              <a:buNone/>
+              <a:defRPr sz="3200">
+                <a:solidFill>
+                  <a:srgbClr val="262626"/>
+                </a:solidFill>
+                <a:latin typeface="+mj-lt"/>
+              </a:defRPr>
             </a:lvl1pPr>
             <a:lvl2pPr marL="457200" indent="0" algn="ctr">
               <a:buNone/>
-              <a:defRPr sz="2000"/>
+              <a:defRPr sz="2800"/>
             </a:lvl2pPr>
             <a:lvl3pPr marL="914400" indent="0" algn="ctr">
               <a:buNone/>
-              <a:defRPr sz="1800"/>
+              <a:defRPr sz="2400"/>
             </a:lvl3pPr>
             <a:lvl4pPr marL="1371600" indent="0" algn="ctr">
               <a:buNone/>
-              <a:defRPr sz="1600"/>
+              <a:defRPr sz="2000"/>
             </a:lvl4pPr>
             <a:lvl5pPr marL="1828800" indent="0" algn="ctr">
               <a:buNone/>
-              <a:defRPr sz="1600"/>
+              <a:defRPr sz="2000"/>
             </a:lvl5pPr>
             <a:lvl6pPr marL="2286000" indent="0" algn="ctr">
               <a:buNone/>
-              <a:defRPr sz="1600"/>
+              <a:defRPr sz="2000"/>
             </a:lvl6pPr>
             <a:lvl7pPr marL="2743200" indent="0" algn="ctr">
               <a:buNone/>
-              <a:defRPr sz="1600"/>
+              <a:defRPr sz="2000"/>
             </a:lvl7pPr>
             <a:lvl8pPr marL="3200400" indent="0" algn="ctr">
               <a:buNone/>
-              <a:defRPr sz="1600"/>
+              <a:defRPr sz="2000"/>
             </a:lvl8pPr>
             <a:lvl9pPr marL="3657600" indent="0" algn="ctr">
               <a:buNone/>
-              <a:defRPr sz="1600"/>
+              <a:defRPr sz="2000"/>
             </a:lvl9pPr>
           </a:lstStyle>
           <a:p>
@@ -598,13 +642,13 @@
               <a:rPr lang="de-DE" smtClean="0"/>
               <a:t>Formatvorlage des Untertitelmasters durch Klicken bearbeiten</a:t>
             </a:r>
-            <a:endParaRPr lang="de-AT"/>
-          </a:p>
-        </p:txBody>
-      </p:sp>
-      <p:sp>
-        <p:nvSpPr>
-          <p:cNvPr id="4" name="Datumsplatzhalter 3"/>
+            <a:endParaRPr lang="en-US" dirty="0"/>
+          </a:p>
+        </p:txBody>
+      </p:sp>
+      <p:sp>
+        <p:nvSpPr>
+          <p:cNvPr id="7" name="Date Placeholder 6"/>
           <p:cNvSpPr>
             <a:spLocks noGrp="1"/>
           </p:cNvSpPr>
@@ -615,7 +659,17 @@
         <p:spPr/>
         <p:txBody>
           <a:bodyPr/>
-          <a:lstStyle/>
+          <a:lstStyle>
+            <a:lvl1pPr>
+              <a:defRPr>
+                <a:solidFill>
+                  <a:srgbClr val="FFFFFF">
+                    <a:alpha val="80000"/>
+                  </a:srgbClr>
+                </a:solidFill>
+              </a:defRPr>
+            </a:lvl1pPr>
+          </a:lstStyle>
           <a:p>
             <a:fld id="{A03B2BE9-68B2-4DCF-9261-115EAEFC3679}" type="datetime1">
               <a:rPr lang="de-AT" smtClean="0"/>
@@ -627,7 +681,7 @@
       </p:sp>
       <p:sp>
         <p:nvSpPr>
-          <p:cNvPr id="5" name="Fußzeilenplatzhalter 4"/>
+          <p:cNvPr id="8" name="Footer Placeholder 7"/>
           <p:cNvSpPr>
             <a:spLocks noGrp="1"/>
           </p:cNvSpPr>
@@ -638,7 +692,17 @@
         <p:spPr/>
         <p:txBody>
           <a:bodyPr/>
-          <a:lstStyle/>
+          <a:lstStyle>
+            <a:lvl1pPr>
+              <a:defRPr>
+                <a:solidFill>
+                  <a:srgbClr val="FFFFFF">
+                    <a:alpha val="80000"/>
+                  </a:srgbClr>
+                </a:solidFill>
+              </a:defRPr>
+            </a:lvl1pPr>
+          </a:lstStyle>
           <a:p>
             <a:r>
               <a:rPr lang="de-AT" smtClean="0"/>
@@ -650,7 +714,7 @@
       </p:sp>
       <p:sp>
         <p:nvSpPr>
-          <p:cNvPr id="6" name="Foliennummernplatzhalter 5"/>
+          <p:cNvPr id="9" name="Slide Number Placeholder 8"/>
           <p:cNvSpPr>
             <a:spLocks noGrp="1"/>
           </p:cNvSpPr>
@@ -661,7 +725,17 @@
         <p:spPr/>
         <p:txBody>
           <a:bodyPr/>
-          <a:lstStyle/>
+          <a:lstStyle>
+            <a:lvl1pPr>
+              <a:defRPr>
+                <a:solidFill>
+                  <a:srgbClr val="FFFFFF">
+                    <a:alpha val="25000"/>
+                  </a:srgbClr>
+                </a:solidFill>
+              </a:defRPr>
+            </a:lvl1pPr>
+          </a:lstStyle>
           <a:p>
             <a:fld id="{CFC86BB5-914F-4D34-B08D-E32203D6C1E7}" type="slidenum">
               <a:rPr lang="de-AT" smtClean="0"/>
@@ -674,7 +748,7 @@
     </p:spTree>
     <p:extLst>
       <p:ext uri="{BB962C8B-B14F-4D97-AF65-F5344CB8AC3E}">
-        <p14:creationId xmlns:p14="http://schemas.microsoft.com/office/powerpoint/2010/main" val="2459110895"/>
+        <p14:creationId xmlns:p14="http://schemas.microsoft.com/office/powerpoint/2010/main" val="4256194198"/>
       </p:ext>
     </p:extLst>
   </p:cSld>
@@ -703,7 +777,7 @@
       </p:grpSpPr>
       <p:sp>
         <p:nvSpPr>
-          <p:cNvPr id="2" name="Titel 1"/>
+          <p:cNvPr id="2" name="Title 1"/>
           <p:cNvSpPr>
             <a:spLocks noGrp="1"/>
           </p:cNvSpPr>
@@ -720,13 +794,13 @@
               <a:rPr lang="de-DE" smtClean="0"/>
               <a:t>Titelmasterformat durch Klicken bearbeiten</a:t>
             </a:r>
-            <a:endParaRPr lang="de-AT"/>
-          </a:p>
-        </p:txBody>
-      </p:sp>
-      <p:sp>
-        <p:nvSpPr>
-          <p:cNvPr id="3" name="Vertikaler Textplatzhalter 2"/>
+            <a:endParaRPr lang="en-US" dirty="0"/>
+          </a:p>
+        </p:txBody>
+      </p:sp>
+      <p:sp>
+        <p:nvSpPr>
+          <p:cNvPr id="3" name="Vertical Text Placeholder 2"/>
           <p:cNvSpPr>
             <a:spLocks noGrp="1"/>
           </p:cNvSpPr>
@@ -772,13 +846,13 @@
               <a:rPr lang="de-DE" smtClean="0"/>
               <a:t>Fünfte Ebene</a:t>
             </a:r>
-            <a:endParaRPr lang="de-AT"/>
-          </a:p>
-        </p:txBody>
-      </p:sp>
-      <p:sp>
-        <p:nvSpPr>
-          <p:cNvPr id="4" name="Datumsplatzhalter 3"/>
+            <a:endParaRPr lang="en-US" dirty="0"/>
+          </a:p>
+        </p:txBody>
+      </p:sp>
+      <p:sp>
+        <p:nvSpPr>
+          <p:cNvPr id="4" name="Date Placeholder 3"/>
           <p:cNvSpPr>
             <a:spLocks noGrp="1"/>
           </p:cNvSpPr>
@@ -801,7 +875,7 @@
       </p:sp>
       <p:sp>
         <p:nvSpPr>
-          <p:cNvPr id="5" name="Fußzeilenplatzhalter 4"/>
+          <p:cNvPr id="5" name="Footer Placeholder 4"/>
           <p:cNvSpPr>
             <a:spLocks noGrp="1"/>
           </p:cNvSpPr>
@@ -824,7 +898,7 @@
       </p:sp>
       <p:sp>
         <p:nvSpPr>
-          <p:cNvPr id="6" name="Foliennummernplatzhalter 5"/>
+          <p:cNvPr id="6" name="Slide Number Placeholder 5"/>
           <p:cNvSpPr>
             <a:spLocks noGrp="1"/>
           </p:cNvSpPr>
@@ -848,7 +922,7 @@
     </p:spTree>
     <p:extLst>
       <p:ext uri="{BB962C8B-B14F-4D97-AF65-F5344CB8AC3E}">
-        <p14:creationId xmlns:p14="http://schemas.microsoft.com/office/powerpoint/2010/main" val="2991103750"/>
+        <p14:creationId xmlns:p14="http://schemas.microsoft.com/office/powerpoint/2010/main" val="1089551486"/>
       </p:ext>
     </p:extLst>
   </p:cSld>
@@ -877,7 +951,7 @@
       </p:grpSpPr>
       <p:sp>
         <p:nvSpPr>
-          <p:cNvPr id="2" name="Vertikaler Titel 1"/>
+          <p:cNvPr id="2" name="Vertical Title 1"/>
           <p:cNvSpPr>
             <a:spLocks noGrp="1"/>
           </p:cNvSpPr>
@@ -887,8 +961,8 @@
         </p:nvSpPr>
         <p:spPr>
           <a:xfrm>
-            <a:off x="8724900" y="365125"/>
-            <a:ext cx="2628900" cy="5811838"/>
+            <a:off x="8743950" y="695325"/>
+            <a:ext cx="2628900" cy="4800600"/>
           </a:xfrm>
         </p:spPr>
         <p:txBody>
@@ -899,13 +973,13 @@
               <a:rPr lang="de-DE" smtClean="0"/>
               <a:t>Titelmasterformat durch Klicken bearbeiten</a:t>
             </a:r>
-            <a:endParaRPr lang="de-AT"/>
-          </a:p>
-        </p:txBody>
-      </p:sp>
-      <p:sp>
-        <p:nvSpPr>
-          <p:cNvPr id="3" name="Vertikaler Textplatzhalter 2"/>
+            <a:endParaRPr lang="en-US" dirty="0"/>
+          </a:p>
+        </p:txBody>
+      </p:sp>
+      <p:sp>
+        <p:nvSpPr>
+          <p:cNvPr id="3" name="Vertical Text Placeholder 2"/>
           <p:cNvSpPr>
             <a:spLocks noGrp="1"/>
           </p:cNvSpPr>
@@ -915,8 +989,8 @@
         </p:nvSpPr>
         <p:spPr>
           <a:xfrm>
-            <a:off x="838200" y="365125"/>
-            <a:ext cx="7734300" cy="5811838"/>
+            <a:off x="771525" y="714375"/>
+            <a:ext cx="7734300" cy="5400675"/>
           </a:xfrm>
         </p:spPr>
         <p:txBody>
@@ -956,13 +1030,13 @@
               <a:rPr lang="de-DE" smtClean="0"/>
               <a:t>Fünfte Ebene</a:t>
             </a:r>
-            <a:endParaRPr lang="de-AT"/>
-          </a:p>
-        </p:txBody>
-      </p:sp>
-      <p:sp>
-        <p:nvSpPr>
-          <p:cNvPr id="4" name="Datumsplatzhalter 3"/>
+            <a:endParaRPr lang="en-US" dirty="0"/>
+          </a:p>
+        </p:txBody>
+      </p:sp>
+      <p:sp>
+        <p:nvSpPr>
+          <p:cNvPr id="4" name="Date Placeholder 3"/>
           <p:cNvSpPr>
             <a:spLocks noGrp="1"/>
           </p:cNvSpPr>
@@ -985,7 +1059,7 @@
       </p:sp>
       <p:sp>
         <p:nvSpPr>
-          <p:cNvPr id="5" name="Fußzeilenplatzhalter 4"/>
+          <p:cNvPr id="5" name="Footer Placeholder 4"/>
           <p:cNvSpPr>
             <a:spLocks noGrp="1"/>
           </p:cNvSpPr>
@@ -1008,7 +1082,7 @@
       </p:sp>
       <p:sp>
         <p:nvSpPr>
-          <p:cNvPr id="6" name="Foliennummernplatzhalter 5"/>
+          <p:cNvPr id="6" name="Slide Number Placeholder 5"/>
           <p:cNvSpPr>
             <a:spLocks noGrp="1"/>
           </p:cNvSpPr>
@@ -1032,7 +1106,7 @@
     </p:spTree>
     <p:extLst>
       <p:ext uri="{BB962C8B-B14F-4D97-AF65-F5344CB8AC3E}">
-        <p14:creationId xmlns:p14="http://schemas.microsoft.com/office/powerpoint/2010/main" val="1366879957"/>
+        <p14:creationId xmlns:p14="http://schemas.microsoft.com/office/powerpoint/2010/main" val="60262687"/>
       </p:ext>
     </p:extLst>
   </p:cSld>
@@ -1061,7 +1135,7 @@
       </p:grpSpPr>
       <p:sp>
         <p:nvSpPr>
-          <p:cNvPr id="2" name="Titel 1"/>
+          <p:cNvPr id="2" name="Title 1"/>
           <p:cNvSpPr>
             <a:spLocks noGrp="1"/>
           </p:cNvSpPr>
@@ -1078,13 +1152,13 @@
               <a:rPr lang="de-DE" smtClean="0"/>
               <a:t>Titelmasterformat durch Klicken bearbeiten</a:t>
             </a:r>
-            <a:endParaRPr lang="de-AT"/>
-          </a:p>
-        </p:txBody>
-      </p:sp>
-      <p:sp>
-        <p:nvSpPr>
-          <p:cNvPr id="3" name="Inhaltsplatzhalter 2"/>
+            <a:endParaRPr lang="en-US" dirty="0"/>
+          </a:p>
+        </p:txBody>
+      </p:sp>
+      <p:sp>
+        <p:nvSpPr>
+          <p:cNvPr id="3" name="Content Placeholder 2"/>
           <p:cNvSpPr>
             <a:spLocks noGrp="1"/>
           </p:cNvSpPr>
@@ -1130,13 +1204,13 @@
               <a:rPr lang="de-DE" smtClean="0"/>
               <a:t>Fünfte Ebene</a:t>
             </a:r>
-            <a:endParaRPr lang="de-AT"/>
-          </a:p>
-        </p:txBody>
-      </p:sp>
-      <p:sp>
-        <p:nvSpPr>
-          <p:cNvPr id="4" name="Datumsplatzhalter 3"/>
+            <a:endParaRPr lang="en-US" dirty="0"/>
+          </a:p>
+        </p:txBody>
+      </p:sp>
+      <p:sp>
+        <p:nvSpPr>
+          <p:cNvPr id="4" name="Date Placeholder 3"/>
           <p:cNvSpPr>
             <a:spLocks noGrp="1"/>
           </p:cNvSpPr>
@@ -1159,7 +1233,7 @@
       </p:sp>
       <p:sp>
         <p:nvSpPr>
-          <p:cNvPr id="5" name="Fußzeilenplatzhalter 4"/>
+          <p:cNvPr id="5" name="Footer Placeholder 4"/>
           <p:cNvSpPr>
             <a:spLocks noGrp="1"/>
           </p:cNvSpPr>
@@ -1182,7 +1256,7 @@
       </p:sp>
       <p:sp>
         <p:nvSpPr>
-          <p:cNvPr id="6" name="Foliennummernplatzhalter 5"/>
+          <p:cNvPr id="6" name="Slide Number Placeholder 5"/>
           <p:cNvSpPr>
             <a:spLocks noGrp="1"/>
           </p:cNvSpPr>
@@ -1206,7 +1280,7 @@
     </p:spTree>
     <p:extLst>
       <p:ext uri="{BB962C8B-B14F-4D97-AF65-F5344CB8AC3E}">
-        <p14:creationId xmlns:p14="http://schemas.microsoft.com/office/powerpoint/2010/main" val="751466834"/>
+        <p14:creationId xmlns:p14="http://schemas.microsoft.com/office/powerpoint/2010/main" val="2558822217"/>
       </p:ext>
     </p:extLst>
   </p:cSld>
@@ -1235,7 +1309,7 @@
       </p:grpSpPr>
       <p:sp>
         <p:nvSpPr>
-          <p:cNvPr id="2" name="Titel 1"/>
+          <p:cNvPr id="2" name="Title 1"/>
           <p:cNvSpPr>
             <a:spLocks noGrp="1"/>
           </p:cNvSpPr>
@@ -1245,58 +1319,68 @@
         </p:nvSpPr>
         <p:spPr>
           <a:xfrm>
-            <a:off x="831850" y="1709738"/>
-            <a:ext cx="10515600" cy="2852737"/>
+            <a:off x="603504" y="767419"/>
+            <a:ext cx="10780776" cy="3355848"/>
           </a:xfrm>
         </p:spPr>
         <p:txBody>
-          <a:bodyPr anchor="b"/>
+          <a:bodyPr anchor="b">
+            <a:normAutofit/>
+          </a:bodyPr>
           <a:lstStyle>
             <a:lvl1pPr>
-              <a:defRPr sz="6000"/>
-            </a:lvl1pPr>
-          </a:lstStyle>
-          <a:p>
-            <a:r>
-              <a:rPr lang="de-DE" smtClean="0"/>
-              <a:t>Titelmasterformat durch Klicken bearbeiten</a:t>
-            </a:r>
-            <a:endParaRPr lang="de-AT"/>
-          </a:p>
-        </p:txBody>
-      </p:sp>
-      <p:sp>
-        <p:nvSpPr>
-          <p:cNvPr id="3" name="Textplatzhalter 2"/>
-          <p:cNvSpPr>
-            <a:spLocks noGrp="1"/>
-          </p:cNvSpPr>
-          <p:nvPr>
-            <p:ph type="body" idx="1"/>
-          </p:nvPr>
-        </p:nvSpPr>
-        <p:spPr>
-          <a:xfrm>
-            <a:off x="831850" y="4589463"/>
-            <a:ext cx="10515600" cy="1500187"/>
-          </a:xfrm>
-        </p:spPr>
-        <p:txBody>
-          <a:bodyPr/>
-          <a:lstStyle>
-            <a:lvl1pPr marL="0" indent="0">
-              <a:buNone/>
-              <a:defRPr sz="2400">
+              <a:lnSpc>
+                <a:spcPct val="80000"/>
+              </a:lnSpc>
+              <a:defRPr sz="8800" b="0" baseline="0">
                 <a:solidFill>
-                  <a:schemeClr val="tx1">
-                    <a:tint val="75000"/>
-                  </a:schemeClr>
+                  <a:schemeClr val="accent1"/>
                 </a:solidFill>
               </a:defRPr>
             </a:lvl1pPr>
+          </a:lstStyle>
+          <a:p>
+            <a:r>
+              <a:rPr lang="de-DE" smtClean="0"/>
+              <a:t>Titelmasterformat durch Klicken bearbeiten</a:t>
+            </a:r>
+            <a:endParaRPr lang="en-US" dirty="0"/>
+          </a:p>
+        </p:txBody>
+      </p:sp>
+      <p:sp>
+        <p:nvSpPr>
+          <p:cNvPr id="3" name="Text Placeholder 2"/>
+          <p:cNvSpPr>
+            <a:spLocks noGrp="1"/>
+          </p:cNvSpPr>
+          <p:nvPr>
+            <p:ph type="body" idx="1"/>
+          </p:nvPr>
+        </p:nvSpPr>
+        <p:spPr>
+          <a:xfrm>
+            <a:off x="667512" y="4204209"/>
+            <a:ext cx="9226296" cy="1645920"/>
+          </a:xfrm>
+        </p:spPr>
+        <p:txBody>
+          <a:bodyPr anchor="t">
+            <a:normAutofit/>
+          </a:bodyPr>
+          <a:lstStyle>
+            <a:lvl1pPr marL="0" indent="0">
+              <a:buNone/>
+              <a:defRPr sz="3200">
+                <a:solidFill>
+                  <a:schemeClr val="tx1"/>
+                </a:solidFill>
+                <a:latin typeface="+mj-lt"/>
+              </a:defRPr>
+            </a:lvl1pPr>
             <a:lvl2pPr marL="457200" indent="0">
               <a:buNone/>
-              <a:defRPr sz="2000">
+              <a:defRPr sz="1800">
                 <a:solidFill>
                   <a:schemeClr val="tx1">
                     <a:tint val="75000"/>
@@ -1306,7 +1390,7 @@
             </a:lvl2pPr>
             <a:lvl3pPr marL="914400" indent="0">
               <a:buNone/>
-              <a:defRPr sz="1800">
+              <a:defRPr sz="1600">
                 <a:solidFill>
                   <a:schemeClr val="tx1">
                     <a:tint val="75000"/>
@@ -1316,7 +1400,7 @@
             </a:lvl3pPr>
             <a:lvl4pPr marL="1371600" indent="0">
               <a:buNone/>
-              <a:defRPr sz="1600">
+              <a:defRPr sz="1400">
                 <a:solidFill>
                   <a:schemeClr val="tx1">
                     <a:tint val="75000"/>
@@ -1326,7 +1410,7 @@
             </a:lvl4pPr>
             <a:lvl5pPr marL="1828800" indent="0">
               <a:buNone/>
-              <a:defRPr sz="1600">
+              <a:defRPr sz="1400">
                 <a:solidFill>
                   <a:schemeClr val="tx1">
                     <a:tint val="75000"/>
@@ -1336,7 +1420,7 @@
             </a:lvl5pPr>
             <a:lvl6pPr marL="2286000" indent="0">
               <a:buNone/>
-              <a:defRPr sz="1600">
+              <a:defRPr sz="1400">
                 <a:solidFill>
                   <a:schemeClr val="tx1">
                     <a:tint val="75000"/>
@@ -1346,7 +1430,7 @@
             </a:lvl6pPr>
             <a:lvl7pPr marL="2743200" indent="0">
               <a:buNone/>
-              <a:defRPr sz="1600">
+              <a:defRPr sz="1400">
                 <a:solidFill>
                   <a:schemeClr val="tx1">
                     <a:tint val="75000"/>
@@ -1356,7 +1440,7 @@
             </a:lvl7pPr>
             <a:lvl8pPr marL="3200400" indent="0">
               <a:buNone/>
-              <a:defRPr sz="1600">
+              <a:defRPr sz="1400">
                 <a:solidFill>
                   <a:schemeClr val="tx1">
                     <a:tint val="75000"/>
@@ -1366,7 +1450,7 @@
             </a:lvl8pPr>
             <a:lvl9pPr marL="3657600" indent="0">
               <a:buNone/>
-              <a:defRPr sz="1600">
+              <a:defRPr sz="1400">
                 <a:solidFill>
                   <a:schemeClr val="tx1">
                     <a:tint val="75000"/>
@@ -1386,7 +1470,7 @@
       </p:sp>
       <p:sp>
         <p:nvSpPr>
-          <p:cNvPr id="4" name="Datumsplatzhalter 3"/>
+          <p:cNvPr id="4" name="Date Placeholder 3"/>
           <p:cNvSpPr>
             <a:spLocks noGrp="1"/>
           </p:cNvSpPr>
@@ -1409,7 +1493,7 @@
       </p:sp>
       <p:sp>
         <p:nvSpPr>
-          <p:cNvPr id="5" name="Fußzeilenplatzhalter 4"/>
+          <p:cNvPr id="5" name="Footer Placeholder 4"/>
           <p:cNvSpPr>
             <a:spLocks noGrp="1"/>
           </p:cNvSpPr>
@@ -1432,7 +1516,7 @@
       </p:sp>
       <p:sp>
         <p:nvSpPr>
-          <p:cNvPr id="6" name="Foliennummernplatzhalter 5"/>
+          <p:cNvPr id="6" name="Slide Number Placeholder 5"/>
           <p:cNvSpPr>
             <a:spLocks noGrp="1"/>
           </p:cNvSpPr>
@@ -1456,7 +1540,7 @@
     </p:spTree>
     <p:extLst>
       <p:ext uri="{BB962C8B-B14F-4D97-AF65-F5344CB8AC3E}">
-        <p14:creationId xmlns:p14="http://schemas.microsoft.com/office/powerpoint/2010/main" val="2884716603"/>
+        <p14:creationId xmlns:p14="http://schemas.microsoft.com/office/powerpoint/2010/main" val="1300321519"/>
       </p:ext>
     </p:extLst>
   </p:cSld>
@@ -1485,7 +1569,7 @@
       </p:grpSpPr>
       <p:sp>
         <p:nvSpPr>
-          <p:cNvPr id="2" name="Titel 1"/>
+          <p:cNvPr id="2" name="Title 1"/>
           <p:cNvSpPr>
             <a:spLocks noGrp="1"/>
           </p:cNvSpPr>
@@ -1502,13 +1586,13 @@
               <a:rPr lang="de-DE" smtClean="0"/>
               <a:t>Titelmasterformat durch Klicken bearbeiten</a:t>
             </a:r>
-            <a:endParaRPr lang="de-AT"/>
-          </a:p>
-        </p:txBody>
-      </p:sp>
-      <p:sp>
-        <p:nvSpPr>
-          <p:cNvPr id="3" name="Inhaltsplatzhalter 2"/>
+            <a:endParaRPr lang="en-US" dirty="0"/>
+          </a:p>
+        </p:txBody>
+      </p:sp>
+      <p:sp>
+        <p:nvSpPr>
+          <p:cNvPr id="3" name="Content Placeholder 2"/>
           <p:cNvSpPr>
             <a:spLocks noGrp="1"/>
           </p:cNvSpPr>
@@ -1518,13 +1602,41 @@
         </p:nvSpPr>
         <p:spPr>
           <a:xfrm>
-            <a:off x="838200" y="1825625"/>
-            <a:ext cx="5181600" cy="4351338"/>
+            <a:off x="676656" y="1998134"/>
+            <a:ext cx="4663440" cy="3767328"/>
           </a:xfrm>
         </p:spPr>
         <p:txBody>
           <a:bodyPr/>
-          <a:lstStyle/>
+          <a:lstStyle>
+            <a:lvl1pPr>
+              <a:defRPr sz="2400"/>
+            </a:lvl1pPr>
+            <a:lvl2pPr>
+              <a:defRPr sz="2000"/>
+            </a:lvl2pPr>
+            <a:lvl3pPr>
+              <a:defRPr sz="1800"/>
+            </a:lvl3pPr>
+            <a:lvl4pPr>
+              <a:defRPr sz="1600"/>
+            </a:lvl4pPr>
+            <a:lvl5pPr>
+              <a:defRPr sz="1600"/>
+            </a:lvl5pPr>
+            <a:lvl6pPr>
+              <a:defRPr sz="1600"/>
+            </a:lvl6pPr>
+            <a:lvl7pPr>
+              <a:defRPr sz="1600"/>
+            </a:lvl7pPr>
+            <a:lvl8pPr>
+              <a:defRPr sz="1600"/>
+            </a:lvl8pPr>
+            <a:lvl9pPr>
+              <a:defRPr sz="1600"/>
+            </a:lvl9pPr>
+          </a:lstStyle>
           <a:p>
             <a:pPr lvl="0"/>
             <a:r>
@@ -1559,13 +1671,13 @@
               <a:rPr lang="de-DE" smtClean="0"/>
               <a:t>Fünfte Ebene</a:t>
             </a:r>
-            <a:endParaRPr lang="de-AT"/>
-          </a:p>
-        </p:txBody>
-      </p:sp>
-      <p:sp>
-        <p:nvSpPr>
-          <p:cNvPr id="4" name="Inhaltsplatzhalter 3"/>
+            <a:endParaRPr lang="en-US" dirty="0"/>
+          </a:p>
+        </p:txBody>
+      </p:sp>
+      <p:sp>
+        <p:nvSpPr>
+          <p:cNvPr id="4" name="Content Placeholder 3"/>
           <p:cNvSpPr>
             <a:spLocks noGrp="1"/>
           </p:cNvSpPr>
@@ -1575,13 +1687,41 @@
         </p:nvSpPr>
         <p:spPr>
           <a:xfrm>
-            <a:off x="6172200" y="1825625"/>
-            <a:ext cx="5181600" cy="4351338"/>
+            <a:off x="6011330" y="1998134"/>
+            <a:ext cx="4663440" cy="3767328"/>
           </a:xfrm>
         </p:spPr>
         <p:txBody>
           <a:bodyPr/>
-          <a:lstStyle/>
+          <a:lstStyle>
+            <a:lvl1pPr>
+              <a:defRPr sz="2400"/>
+            </a:lvl1pPr>
+            <a:lvl2pPr>
+              <a:defRPr sz="2000"/>
+            </a:lvl2pPr>
+            <a:lvl3pPr>
+              <a:defRPr sz="1800"/>
+            </a:lvl3pPr>
+            <a:lvl4pPr>
+              <a:defRPr sz="1600"/>
+            </a:lvl4pPr>
+            <a:lvl5pPr>
+              <a:defRPr sz="1600"/>
+            </a:lvl5pPr>
+            <a:lvl6pPr>
+              <a:defRPr sz="1600"/>
+            </a:lvl6pPr>
+            <a:lvl7pPr>
+              <a:defRPr sz="1600"/>
+            </a:lvl7pPr>
+            <a:lvl8pPr>
+              <a:defRPr sz="1600"/>
+            </a:lvl8pPr>
+            <a:lvl9pPr>
+              <a:defRPr sz="1600"/>
+            </a:lvl9pPr>
+          </a:lstStyle>
           <a:p>
             <a:pPr lvl="0"/>
             <a:r>
@@ -1616,13 +1756,13 @@
               <a:rPr lang="de-DE" smtClean="0"/>
               <a:t>Fünfte Ebene</a:t>
             </a:r>
-            <a:endParaRPr lang="de-AT"/>
-          </a:p>
-        </p:txBody>
-      </p:sp>
-      <p:sp>
-        <p:nvSpPr>
-          <p:cNvPr id="5" name="Datumsplatzhalter 4"/>
+            <a:endParaRPr lang="en-US" dirty="0"/>
+          </a:p>
+        </p:txBody>
+      </p:sp>
+      <p:sp>
+        <p:nvSpPr>
+          <p:cNvPr id="5" name="Date Placeholder 4"/>
           <p:cNvSpPr>
             <a:spLocks noGrp="1"/>
           </p:cNvSpPr>
@@ -1645,7 +1785,7 @@
       </p:sp>
       <p:sp>
         <p:nvSpPr>
-          <p:cNvPr id="6" name="Fußzeilenplatzhalter 5"/>
+          <p:cNvPr id="6" name="Footer Placeholder 5"/>
           <p:cNvSpPr>
             <a:spLocks noGrp="1"/>
           </p:cNvSpPr>
@@ -1668,7 +1808,7 @@
       </p:sp>
       <p:sp>
         <p:nvSpPr>
-          <p:cNvPr id="7" name="Foliennummernplatzhalter 6"/>
+          <p:cNvPr id="7" name="Slide Number Placeholder 6"/>
           <p:cNvSpPr>
             <a:spLocks noGrp="1"/>
           </p:cNvSpPr>
@@ -1692,7 +1832,7 @@
     </p:spTree>
     <p:extLst>
       <p:ext uri="{BB962C8B-B14F-4D97-AF65-F5344CB8AC3E}">
-        <p14:creationId xmlns:p14="http://schemas.microsoft.com/office/powerpoint/2010/main" val="3363575695"/>
+        <p14:creationId xmlns:p14="http://schemas.microsoft.com/office/powerpoint/2010/main" val="2970225339"/>
       </p:ext>
     </p:extLst>
   </p:cSld>
@@ -1721,54 +1861,59 @@
       </p:grpSpPr>
       <p:sp>
         <p:nvSpPr>
-          <p:cNvPr id="2" name="Titel 1"/>
+          <p:cNvPr id="10" name="Title 9"/>
           <p:cNvSpPr>
             <a:spLocks noGrp="1"/>
           </p:cNvSpPr>
           <p:nvPr>
             <p:ph type="title"/>
+          </p:nvPr>
+        </p:nvSpPr>
+        <p:spPr/>
+        <p:txBody>
+          <a:bodyPr/>
+          <a:lstStyle/>
+          <a:p>
+            <a:r>
+              <a:rPr lang="de-DE" smtClean="0"/>
+              <a:t>Titelmasterformat durch Klicken bearbeiten</a:t>
+            </a:r>
+            <a:endParaRPr lang="en-US" dirty="0"/>
+          </a:p>
+        </p:txBody>
+      </p:sp>
+      <p:sp>
+        <p:nvSpPr>
+          <p:cNvPr id="3" name="Text Placeholder 2"/>
+          <p:cNvSpPr>
+            <a:spLocks noGrp="1"/>
+          </p:cNvSpPr>
+          <p:nvPr>
+            <p:ph type="body" idx="1"/>
           </p:nvPr>
         </p:nvSpPr>
         <p:spPr>
           <a:xfrm>
-            <a:off x="839788" y="365125"/>
-            <a:ext cx="10515600" cy="1325563"/>
+            <a:off x="676656" y="2040467"/>
+            <a:ext cx="4663440" cy="723400"/>
           </a:xfrm>
         </p:spPr>
         <p:txBody>
-          <a:bodyPr/>
-          <a:lstStyle/>
-          <a:p>
-            <a:r>
-              <a:rPr lang="de-DE" smtClean="0"/>
-              <a:t>Titelmasterformat durch Klicken bearbeiten</a:t>
-            </a:r>
-            <a:endParaRPr lang="de-AT"/>
-          </a:p>
-        </p:txBody>
-      </p:sp>
-      <p:sp>
-        <p:nvSpPr>
-          <p:cNvPr id="3" name="Textplatzhalter 2"/>
-          <p:cNvSpPr>
-            <a:spLocks noGrp="1"/>
-          </p:cNvSpPr>
-          <p:nvPr>
-            <p:ph type="body" idx="1"/>
-          </p:nvPr>
-        </p:nvSpPr>
-        <p:spPr>
-          <a:xfrm>
-            <a:off x="839788" y="1681163"/>
-            <a:ext cx="5157787" cy="823912"/>
-          </a:xfrm>
-        </p:spPr>
-        <p:txBody>
-          <a:bodyPr anchor="b"/>
+          <a:bodyPr anchor="ctr">
+            <a:normAutofit/>
+          </a:bodyPr>
           <a:lstStyle>
             <a:lvl1pPr marL="0" indent="0">
               <a:buNone/>
-              <a:defRPr sz="2400" b="1"/>
+              <a:defRPr sz="2200" b="0" cap="all" baseline="0">
+                <a:solidFill>
+                  <a:schemeClr val="tx1">
+                    <a:lumMod val="85000"/>
+                    <a:lumOff val="15000"/>
+                  </a:schemeClr>
+                </a:solidFill>
+                <a:latin typeface="+mj-lt"/>
+              </a:defRPr>
             </a:lvl1pPr>
             <a:lvl2pPr marL="457200" indent="0">
               <a:buNone/>
@@ -1814,7 +1959,7 @@
       </p:sp>
       <p:sp>
         <p:nvSpPr>
-          <p:cNvPr id="4" name="Inhaltsplatzhalter 3"/>
+          <p:cNvPr id="4" name="Content Placeholder 3"/>
           <p:cNvSpPr>
             <a:spLocks noGrp="1"/>
           </p:cNvSpPr>
@@ -1824,13 +1969,41 @@
         </p:nvSpPr>
         <p:spPr>
           <a:xfrm>
-            <a:off x="839788" y="2505075"/>
-            <a:ext cx="5157787" cy="3684588"/>
+            <a:off x="676656" y="2753084"/>
+            <a:ext cx="4663440" cy="3200400"/>
           </a:xfrm>
         </p:spPr>
         <p:txBody>
           <a:bodyPr/>
-          <a:lstStyle/>
+          <a:lstStyle>
+            <a:lvl1pPr>
+              <a:defRPr sz="2400"/>
+            </a:lvl1pPr>
+            <a:lvl2pPr>
+              <a:defRPr sz="2000"/>
+            </a:lvl2pPr>
+            <a:lvl3pPr>
+              <a:defRPr sz="1800"/>
+            </a:lvl3pPr>
+            <a:lvl4pPr>
+              <a:defRPr sz="1600"/>
+            </a:lvl4pPr>
+            <a:lvl5pPr>
+              <a:defRPr sz="1600"/>
+            </a:lvl5pPr>
+            <a:lvl6pPr>
+              <a:defRPr sz="1600"/>
+            </a:lvl6pPr>
+            <a:lvl7pPr>
+              <a:defRPr sz="1600"/>
+            </a:lvl7pPr>
+            <a:lvl8pPr>
+              <a:defRPr sz="1600"/>
+            </a:lvl8pPr>
+            <a:lvl9pPr>
+              <a:defRPr sz="1600"/>
+            </a:lvl9pPr>
+          </a:lstStyle>
           <a:p>
             <a:pPr lvl="0"/>
             <a:r>
@@ -1865,13 +2038,13 @@
               <a:rPr lang="de-DE" smtClean="0"/>
               <a:t>Fünfte Ebene</a:t>
             </a:r>
-            <a:endParaRPr lang="de-AT"/>
-          </a:p>
-        </p:txBody>
-      </p:sp>
-      <p:sp>
-        <p:nvSpPr>
-          <p:cNvPr id="5" name="Textplatzhalter 4"/>
+            <a:endParaRPr lang="en-US" dirty="0"/>
+          </a:p>
+        </p:txBody>
+      </p:sp>
+      <p:sp>
+        <p:nvSpPr>
+          <p:cNvPr id="5" name="Text Placeholder 4"/>
           <p:cNvSpPr>
             <a:spLocks noGrp="1"/>
           </p:cNvSpPr>
@@ -1881,16 +2054,26 @@
         </p:nvSpPr>
         <p:spPr>
           <a:xfrm>
-            <a:off x="6172200" y="1681163"/>
-            <a:ext cx="5183188" cy="823912"/>
+            <a:off x="6007608" y="2038435"/>
+            <a:ext cx="4663440" cy="722376"/>
           </a:xfrm>
         </p:spPr>
         <p:txBody>
-          <a:bodyPr anchor="b"/>
+          <a:bodyPr anchor="ctr">
+            <a:normAutofit/>
+          </a:bodyPr>
           <a:lstStyle>
             <a:lvl1pPr marL="0" indent="0">
               <a:buNone/>
-              <a:defRPr sz="2400" b="1"/>
+              <a:defRPr sz="2200" b="0" cap="all" baseline="0">
+                <a:solidFill>
+                  <a:schemeClr val="tx1">
+                    <a:lumMod val="85000"/>
+                    <a:lumOff val="15000"/>
+                  </a:schemeClr>
+                </a:solidFill>
+                <a:latin typeface="+mj-lt"/>
+              </a:defRPr>
             </a:lvl1pPr>
             <a:lvl2pPr marL="457200" indent="0">
               <a:buNone/>
@@ -1936,7 +2119,7 @@
       </p:sp>
       <p:sp>
         <p:nvSpPr>
-          <p:cNvPr id="6" name="Inhaltsplatzhalter 5"/>
+          <p:cNvPr id="6" name="Content Placeholder 5"/>
           <p:cNvSpPr>
             <a:spLocks noGrp="1"/>
           </p:cNvSpPr>
@@ -1946,13 +2129,41 @@
         </p:nvSpPr>
         <p:spPr>
           <a:xfrm>
-            <a:off x="6172200" y="2505075"/>
-            <a:ext cx="5183188" cy="3684588"/>
+            <a:off x="6007608" y="2750990"/>
+            <a:ext cx="4663440" cy="3200400"/>
           </a:xfrm>
         </p:spPr>
         <p:txBody>
           <a:bodyPr/>
-          <a:lstStyle/>
+          <a:lstStyle>
+            <a:lvl1pPr>
+              <a:defRPr sz="2400"/>
+            </a:lvl1pPr>
+            <a:lvl2pPr>
+              <a:defRPr sz="2000"/>
+            </a:lvl2pPr>
+            <a:lvl3pPr>
+              <a:defRPr sz="1800"/>
+            </a:lvl3pPr>
+            <a:lvl4pPr>
+              <a:defRPr sz="1600"/>
+            </a:lvl4pPr>
+            <a:lvl5pPr>
+              <a:defRPr sz="1600"/>
+            </a:lvl5pPr>
+            <a:lvl6pPr>
+              <a:defRPr sz="1600"/>
+            </a:lvl6pPr>
+            <a:lvl7pPr>
+              <a:defRPr sz="1600"/>
+            </a:lvl7pPr>
+            <a:lvl8pPr>
+              <a:defRPr sz="1600"/>
+            </a:lvl8pPr>
+            <a:lvl9pPr>
+              <a:defRPr sz="1600"/>
+            </a:lvl9pPr>
+          </a:lstStyle>
           <a:p>
             <a:pPr lvl="0"/>
             <a:r>
@@ -1987,13 +2198,13 @@
               <a:rPr lang="de-DE" smtClean="0"/>
               <a:t>Fünfte Ebene</a:t>
             </a:r>
-            <a:endParaRPr lang="de-AT"/>
-          </a:p>
-        </p:txBody>
-      </p:sp>
-      <p:sp>
-        <p:nvSpPr>
-          <p:cNvPr id="7" name="Datumsplatzhalter 6"/>
+            <a:endParaRPr lang="en-US" dirty="0"/>
+          </a:p>
+        </p:txBody>
+      </p:sp>
+      <p:sp>
+        <p:nvSpPr>
+          <p:cNvPr id="7" name="Date Placeholder 6"/>
           <p:cNvSpPr>
             <a:spLocks noGrp="1"/>
           </p:cNvSpPr>
@@ -2016,7 +2227,7 @@
       </p:sp>
       <p:sp>
         <p:nvSpPr>
-          <p:cNvPr id="8" name="Fußzeilenplatzhalter 7"/>
+          <p:cNvPr id="8" name="Footer Placeholder 7"/>
           <p:cNvSpPr>
             <a:spLocks noGrp="1"/>
           </p:cNvSpPr>
@@ -2039,7 +2250,7 @@
       </p:sp>
       <p:sp>
         <p:nvSpPr>
-          <p:cNvPr id="9" name="Foliennummernplatzhalter 8"/>
+          <p:cNvPr id="9" name="Slide Number Placeholder 8"/>
           <p:cNvSpPr>
             <a:spLocks noGrp="1"/>
           </p:cNvSpPr>
@@ -2063,7 +2274,7 @@
     </p:spTree>
     <p:extLst>
       <p:ext uri="{BB962C8B-B14F-4D97-AF65-F5344CB8AC3E}">
-        <p14:creationId xmlns:p14="http://schemas.microsoft.com/office/powerpoint/2010/main" val="394375764"/>
+        <p14:creationId xmlns:p14="http://schemas.microsoft.com/office/powerpoint/2010/main" val="1136809443"/>
       </p:ext>
     </p:extLst>
   </p:cSld>
@@ -2092,7 +2303,7 @@
       </p:grpSpPr>
       <p:sp>
         <p:nvSpPr>
-          <p:cNvPr id="2" name="Titel 1"/>
+          <p:cNvPr id="6" name="Title 5"/>
           <p:cNvSpPr>
             <a:spLocks noGrp="1"/>
           </p:cNvSpPr>
@@ -2109,13 +2320,13 @@
               <a:rPr lang="de-DE" smtClean="0"/>
               <a:t>Titelmasterformat durch Klicken bearbeiten</a:t>
             </a:r>
-            <a:endParaRPr lang="de-AT"/>
-          </a:p>
-        </p:txBody>
-      </p:sp>
-      <p:sp>
-        <p:nvSpPr>
-          <p:cNvPr id="3" name="Datumsplatzhalter 2"/>
+            <a:endParaRPr lang="en-US" dirty="0"/>
+          </a:p>
+        </p:txBody>
+      </p:sp>
+      <p:sp>
+        <p:nvSpPr>
+          <p:cNvPr id="3" name="Date Placeholder 2"/>
           <p:cNvSpPr>
             <a:spLocks noGrp="1"/>
           </p:cNvSpPr>
@@ -2138,7 +2349,7 @@
       </p:sp>
       <p:sp>
         <p:nvSpPr>
-          <p:cNvPr id="4" name="Fußzeilenplatzhalter 3"/>
+          <p:cNvPr id="4" name="Footer Placeholder 3"/>
           <p:cNvSpPr>
             <a:spLocks noGrp="1"/>
           </p:cNvSpPr>
@@ -2161,7 +2372,7 @@
       </p:sp>
       <p:sp>
         <p:nvSpPr>
-          <p:cNvPr id="5" name="Foliennummernplatzhalter 4"/>
+          <p:cNvPr id="5" name="Slide Number Placeholder 4"/>
           <p:cNvSpPr>
             <a:spLocks noGrp="1"/>
           </p:cNvSpPr>
@@ -2185,7 +2396,7 @@
     </p:spTree>
     <p:extLst>
       <p:ext uri="{BB962C8B-B14F-4D97-AF65-F5344CB8AC3E}">
-        <p14:creationId xmlns:p14="http://schemas.microsoft.com/office/powerpoint/2010/main" val="338162449"/>
+        <p14:creationId xmlns:p14="http://schemas.microsoft.com/office/powerpoint/2010/main" val="4065560496"/>
       </p:ext>
     </p:extLst>
   </p:cSld>
@@ -2214,7 +2425,7 @@
       </p:grpSpPr>
       <p:sp>
         <p:nvSpPr>
-          <p:cNvPr id="2" name="Datumsplatzhalter 1"/>
+          <p:cNvPr id="2" name="Date Placeholder 1"/>
           <p:cNvSpPr>
             <a:spLocks noGrp="1"/>
           </p:cNvSpPr>
@@ -2237,7 +2448,7 @@
       </p:sp>
       <p:sp>
         <p:nvSpPr>
-          <p:cNvPr id="3" name="Fußzeilenplatzhalter 2"/>
+          <p:cNvPr id="3" name="Footer Placeholder 2"/>
           <p:cNvSpPr>
             <a:spLocks noGrp="1"/>
           </p:cNvSpPr>
@@ -2260,7 +2471,7 @@
       </p:sp>
       <p:sp>
         <p:nvSpPr>
-          <p:cNvPr id="4" name="Foliennummernplatzhalter 3"/>
+          <p:cNvPr id="4" name="Slide Number Placeholder 3"/>
           <p:cNvSpPr>
             <a:spLocks noGrp="1"/>
           </p:cNvSpPr>
@@ -2284,7 +2495,7 @@
     </p:spTree>
     <p:extLst>
       <p:ext uri="{BB962C8B-B14F-4D97-AF65-F5344CB8AC3E}">
-        <p14:creationId xmlns:p14="http://schemas.microsoft.com/office/powerpoint/2010/main" val="4000778703"/>
+        <p14:creationId xmlns:p14="http://schemas.microsoft.com/office/powerpoint/2010/main" val="3748134181"/>
       </p:ext>
     </p:extLst>
   </p:cSld>
@@ -2313,25 +2524,69 @@
       </p:grpSpPr>
       <p:sp>
         <p:nvSpPr>
-          <p:cNvPr id="2" name="Titel 1"/>
-          <p:cNvSpPr>
-            <a:spLocks noGrp="1"/>
-          </p:cNvSpPr>
-          <p:nvPr>
-            <p:ph type="title"/>
-          </p:nvPr>
+          <p:cNvPr id="2" name="Rectangle 1"/>
+          <p:cNvSpPr/>
+          <p:nvPr/>
         </p:nvSpPr>
         <p:spPr>
           <a:xfrm>
-            <a:off x="839788" y="457200"/>
-            <a:ext cx="3932237" cy="1600200"/>
+            <a:off x="7620000" y="0"/>
+            <a:ext cx="4572000" cy="6858000"/>
+          </a:xfrm>
+          <a:prstGeom prst="rect">
+            <a:avLst/>
+          </a:prstGeom>
+          <a:ln>
+            <a:noFill/>
+          </a:ln>
+        </p:spPr>
+        <p:style>
+          <a:lnRef idx="2">
+            <a:schemeClr val="accent1">
+              <a:shade val="50000"/>
+            </a:schemeClr>
+          </a:lnRef>
+          <a:fillRef idx="1">
+            <a:schemeClr val="accent1"/>
+          </a:fillRef>
+          <a:effectRef idx="0">
+            <a:schemeClr val="accent1"/>
+          </a:effectRef>
+          <a:fontRef idx="minor">
+            <a:schemeClr val="lt1"/>
+          </a:fontRef>
+        </p:style>
+      </p:sp>
+      <p:sp>
+        <p:nvSpPr>
+          <p:cNvPr id="9" name="Title 8"/>
+          <p:cNvSpPr>
+            <a:spLocks noGrp="1"/>
+          </p:cNvSpPr>
+          <p:nvPr>
+            <p:ph type="title"/>
+          </p:nvPr>
+        </p:nvSpPr>
+        <p:spPr>
+          <a:xfrm>
+            <a:off x="8261404" y="542282"/>
+            <a:ext cx="3383280" cy="1920240"/>
           </a:xfrm>
         </p:spPr>
         <p:txBody>
-          <a:bodyPr anchor="b"/>
+          <a:bodyPr anchor="b">
+            <a:noAutofit/>
+          </a:bodyPr>
           <a:lstStyle>
             <a:lvl1pPr>
-              <a:defRPr sz="3200"/>
+              <a:lnSpc>
+                <a:spcPct val="85000"/>
+              </a:lnSpc>
+              <a:defRPr sz="4000">
+                <a:solidFill>
+                  <a:srgbClr val="FFFFFF"/>
+                </a:solidFill>
+              </a:defRPr>
             </a:lvl1pPr>
           </a:lstStyle>
           <a:p>
@@ -2339,13 +2594,13 @@
               <a:rPr lang="de-DE" smtClean="0"/>
               <a:t>Titelmasterformat durch Klicken bearbeiten</a:t>
             </a:r>
-            <a:endParaRPr lang="de-AT"/>
-          </a:p>
-        </p:txBody>
-      </p:sp>
-      <p:sp>
-        <p:nvSpPr>
-          <p:cNvPr id="3" name="Inhaltsplatzhalter 2"/>
+            <a:endParaRPr lang="en-US" dirty="0"/>
+          </a:p>
+        </p:txBody>
+      </p:sp>
+      <p:sp>
+        <p:nvSpPr>
+          <p:cNvPr id="3" name="Content Placeholder 2"/>
           <p:cNvSpPr>
             <a:spLocks noGrp="1"/>
           </p:cNvSpPr>
@@ -2355,8 +2610,8 @@
         </p:nvSpPr>
         <p:spPr>
           <a:xfrm>
-            <a:off x="5183188" y="987425"/>
-            <a:ext cx="6172200" cy="4873625"/>
+            <a:off x="762000" y="762000"/>
+            <a:ext cx="6096000" cy="4572000"/>
           </a:xfrm>
         </p:spPr>
         <p:txBody>
@@ -2424,13 +2679,13 @@
               <a:rPr lang="de-DE" smtClean="0"/>
               <a:t>Fünfte Ebene</a:t>
             </a:r>
-            <a:endParaRPr lang="de-AT"/>
-          </a:p>
-        </p:txBody>
-      </p:sp>
-      <p:sp>
-        <p:nvSpPr>
-          <p:cNvPr id="4" name="Textplatzhalter 3"/>
+            <a:endParaRPr lang="en-US" dirty="0"/>
+          </a:p>
+        </p:txBody>
+      </p:sp>
+      <p:sp>
+        <p:nvSpPr>
+          <p:cNvPr id="4" name="Text Placeholder 3"/>
           <p:cNvSpPr>
             <a:spLocks noGrp="1"/>
           </p:cNvSpPr>
@@ -2440,52 +2695,87 @@
         </p:nvSpPr>
         <p:spPr>
           <a:xfrm>
-            <a:off x="839788" y="2057400"/>
-            <a:ext cx="3932237" cy="3811588"/>
+            <a:off x="8275982" y="2511813"/>
+            <a:ext cx="3398520" cy="3126987"/>
           </a:xfrm>
         </p:spPr>
         <p:txBody>
-          <a:bodyPr/>
+          <a:bodyPr>
+            <a:normAutofit/>
+          </a:bodyPr>
           <a:lstStyle>
-            <a:lvl1pPr marL="0" indent="0">
-              <a:buNone/>
-              <a:defRPr sz="1600"/>
+            <a:lvl1pPr marL="0" marR="0" indent="0" algn="l" defTabSz="914400" rtl="0" eaLnBrk="1" fontAlgn="auto" latinLnBrk="0" hangingPunct="1">
+              <a:lnSpc>
+                <a:spcPct val="100000"/>
+              </a:lnSpc>
+              <a:spcBef>
+                <a:spcPts val="1200"/>
+              </a:spcBef>
+              <a:spcAft>
+                <a:spcPts val="0"/>
+              </a:spcAft>
+              <a:buClrTx/>
+              <a:buSzTx/>
+              <a:buFontTx/>
+              <a:buNone/>
+              <a:tabLst/>
+              <a:defRPr sz="1800">
+                <a:solidFill>
+                  <a:srgbClr val="262626"/>
+                </a:solidFill>
+              </a:defRPr>
             </a:lvl1pPr>
             <a:lvl2pPr marL="457200" indent="0">
               <a:buNone/>
-              <a:defRPr sz="1400"/>
+              <a:defRPr sz="1200"/>
             </a:lvl2pPr>
             <a:lvl3pPr marL="914400" indent="0">
               <a:buNone/>
-              <a:defRPr sz="1200"/>
+              <a:defRPr sz="1000"/>
             </a:lvl3pPr>
             <a:lvl4pPr marL="1371600" indent="0">
               <a:buNone/>
-              <a:defRPr sz="1000"/>
+              <a:defRPr sz="900"/>
             </a:lvl4pPr>
             <a:lvl5pPr marL="1828800" indent="0">
               <a:buNone/>
-              <a:defRPr sz="1000"/>
+              <a:defRPr sz="900"/>
             </a:lvl5pPr>
             <a:lvl6pPr marL="2286000" indent="0">
               <a:buNone/>
-              <a:defRPr sz="1000"/>
+              <a:defRPr sz="900"/>
             </a:lvl6pPr>
             <a:lvl7pPr marL="2743200" indent="0">
               <a:buNone/>
-              <a:defRPr sz="1000"/>
+              <a:defRPr sz="900"/>
             </a:lvl7pPr>
             <a:lvl8pPr marL="3200400" indent="0">
               <a:buNone/>
-              <a:defRPr sz="1000"/>
+              <a:defRPr sz="900"/>
             </a:lvl8pPr>
             <a:lvl9pPr marL="3657600" indent="0">
               <a:buNone/>
-              <a:defRPr sz="1000"/>
+              <a:defRPr sz="900"/>
             </a:lvl9pPr>
           </a:lstStyle>
           <a:p>
-            <a:pPr lvl="0"/>
+            <a:pPr marL="0" marR="0" lvl="0" indent="0" algn="l" defTabSz="914400" rtl="0" eaLnBrk="1" fontAlgn="auto" latinLnBrk="0" hangingPunct="1">
+              <a:lnSpc>
+                <a:spcPct val="100000"/>
+              </a:lnSpc>
+              <a:spcBef>
+                <a:spcPts val="1400"/>
+              </a:spcBef>
+              <a:spcAft>
+                <a:spcPts val="0"/>
+              </a:spcAft>
+              <a:buClrTx/>
+              <a:buSzTx/>
+              <a:buFontTx/>
+              <a:buNone/>
+              <a:tabLst/>
+              <a:defRPr/>
+            </a:pPr>
             <a:r>
               <a:rPr lang="de-DE" smtClean="0"/>
               <a:t>Formatvorlagen des Textmasters bearbeiten</a:t>
@@ -2495,7 +2785,7 @@
       </p:sp>
       <p:sp>
         <p:nvSpPr>
-          <p:cNvPr id="5" name="Datumsplatzhalter 4"/>
+          <p:cNvPr id="5" name="Date Placeholder 4"/>
           <p:cNvSpPr>
             <a:spLocks noGrp="1"/>
           </p:cNvSpPr>
@@ -2518,7 +2808,7 @@
       </p:sp>
       <p:sp>
         <p:nvSpPr>
-          <p:cNvPr id="6" name="Fußzeilenplatzhalter 5"/>
+          <p:cNvPr id="6" name="Footer Placeholder 5"/>
           <p:cNvSpPr>
             <a:spLocks noGrp="1"/>
           </p:cNvSpPr>
@@ -2541,7 +2831,7 @@
       </p:sp>
       <p:sp>
         <p:nvSpPr>
-          <p:cNvPr id="7" name="Foliennummernplatzhalter 6"/>
+          <p:cNvPr id="7" name="Slide Number Placeholder 6"/>
           <p:cNvSpPr>
             <a:spLocks noGrp="1"/>
           </p:cNvSpPr>
@@ -2552,7 +2842,17 @@
         <p:spPr/>
         <p:txBody>
           <a:bodyPr/>
-          <a:lstStyle/>
+          <a:lstStyle>
+            <a:lvl1pPr>
+              <a:defRPr>
+                <a:solidFill>
+                  <a:srgbClr val="FFFFFF">
+                    <a:alpha val="20000"/>
+                  </a:srgbClr>
+                </a:solidFill>
+              </a:defRPr>
+            </a:lvl1pPr>
+          </a:lstStyle>
           <a:p>
             <a:fld id="{CFC86BB5-914F-4D34-B08D-E32203D6C1E7}" type="slidenum">
               <a:rPr lang="de-AT" smtClean="0"/>
@@ -2565,7 +2865,7 @@
     </p:spTree>
     <p:extLst>
       <p:ext uri="{BB962C8B-B14F-4D97-AF65-F5344CB8AC3E}">
-        <p14:creationId xmlns:p14="http://schemas.microsoft.com/office/powerpoint/2010/main" val="2671729929"/>
+        <p14:creationId xmlns:p14="http://schemas.microsoft.com/office/powerpoint/2010/main" val="1400638449"/>
       </p:ext>
     </p:extLst>
   </p:cSld>
@@ -2578,6 +2878,14 @@
 <file path=ppt/slideLayouts/slideLayout9.xml><?xml version="1.0" encoding="utf-8"?>
 <p:sldLayout xmlns:a="http://schemas.openxmlformats.org/drawingml/2006/main" xmlns:r="http://schemas.openxmlformats.org/officeDocument/2006/relationships" xmlns:p="http://schemas.openxmlformats.org/presentationml/2006/main" type="picTx" preserve="1">
   <p:cSld name="Bild mit Überschrift">
+    <p:bg>
+      <p:bgPr>
+        <a:solidFill>
+          <a:schemeClr val="accent1"/>
+        </a:solidFill>
+        <a:effectLst/>
+      </p:bgPr>
+    </p:bg>
     <p:spTree>
       <p:nvGrpSpPr>
         <p:cNvPr id="1" name=""/>
@@ -2594,7 +2902,7 @@
       </p:grpSpPr>
       <p:sp>
         <p:nvSpPr>
-          <p:cNvPr id="2" name="Titel 1"/>
+          <p:cNvPr id="2" name="Title 1"/>
           <p:cNvSpPr>
             <a:spLocks noGrp="1"/>
           </p:cNvSpPr>
@@ -2604,15 +2912,21 @@
         </p:nvSpPr>
         <p:spPr>
           <a:xfrm>
-            <a:off x="839788" y="457200"/>
-            <a:ext cx="3932237" cy="1600200"/>
+            <a:off x="649224" y="5418667"/>
+            <a:ext cx="10780776" cy="613283"/>
           </a:xfrm>
         </p:spPr>
         <p:txBody>
-          <a:bodyPr anchor="b"/>
+          <a:bodyPr anchor="b">
+            <a:normAutofit/>
+          </a:bodyPr>
           <a:lstStyle>
             <a:lvl1pPr>
-              <a:defRPr sz="3200"/>
+              <a:defRPr sz="3200" b="0">
+                <a:solidFill>
+                  <a:srgbClr val="FFFFFF"/>
+                </a:solidFill>
+              </a:defRPr>
             </a:lvl1pPr>
           </a:lstStyle>
           <a:p>
@@ -2620,15 +2934,15 @@
               <a:rPr lang="de-DE" smtClean="0"/>
               <a:t>Titelmasterformat durch Klicken bearbeiten</a:t>
             </a:r>
-            <a:endParaRPr lang="de-AT"/>
-          </a:p>
-        </p:txBody>
-      </p:sp>
-      <p:sp>
-        <p:nvSpPr>
-          <p:cNvPr id="3" name="Bildplatzhalter 2"/>
-          <p:cNvSpPr>
-            <a:spLocks noGrp="1"/>
+            <a:endParaRPr lang="en-US" dirty="0"/>
+          </a:p>
+        </p:txBody>
+      </p:sp>
+      <p:sp>
+        <p:nvSpPr>
+          <p:cNvPr id="3" name="Picture Placeholder 2"/>
+          <p:cNvSpPr>
+            <a:spLocks noGrp="1" noChangeAspect="1"/>
           </p:cNvSpPr>
           <p:nvPr>
             <p:ph type="pic" idx="1"/>
@@ -2636,16 +2950,32 @@
         </p:nvSpPr>
         <p:spPr>
           <a:xfrm>
-            <a:off x="5183188" y="987425"/>
-            <a:ext cx="6172200" cy="4873625"/>
+            <a:off x="0" y="0"/>
+            <a:ext cx="12192000" cy="5330952"/>
           </a:xfrm>
+          <a:solidFill>
+            <a:schemeClr val="accent1">
+              <a:lumMod val="20000"/>
+              <a:lumOff val="80000"/>
+            </a:schemeClr>
+          </a:solidFill>
         </p:spPr>
         <p:txBody>
-          <a:bodyPr/>
+          <a:bodyPr anchor="t"/>
           <a:lstStyle>
-            <a:lvl1pPr marL="0" indent="0">
-              <a:buNone/>
-              <a:defRPr sz="3200"/>
+            <a:lvl1pPr marL="0" indent="0" algn="ctr">
+              <a:spcBef>
+                <a:spcPts val="800"/>
+              </a:spcBef>
+              <a:buNone/>
+              <a:defRPr sz="3200">
+                <a:solidFill>
+                  <a:schemeClr val="tx1">
+                    <a:lumMod val="75000"/>
+                    <a:lumOff val="25000"/>
+                  </a:schemeClr>
+                </a:solidFill>
+              </a:defRPr>
             </a:lvl1pPr>
             <a:lvl2pPr marL="457200" indent="0">
               <a:buNone/>
@@ -2681,13 +3011,17 @@
             </a:lvl9pPr>
           </a:lstStyle>
           <a:p>
-            <a:endParaRPr lang="de-AT"/>
-          </a:p>
-        </p:txBody>
-      </p:sp>
-      <p:sp>
-        <p:nvSpPr>
-          <p:cNvPr id="4" name="Textplatzhalter 3"/>
+            <a:r>
+              <a:rPr lang="de-DE" smtClean="0"/>
+              <a:t>Bild durch Klicken auf Symbol hinzufügen</a:t>
+            </a:r>
+            <a:endParaRPr lang="en-US" dirty="0"/>
+          </a:p>
+        </p:txBody>
+      </p:sp>
+      <p:sp>
+        <p:nvSpPr>
+          <p:cNvPr id="4" name="Text Placeholder 3"/>
           <p:cNvSpPr>
             <a:spLocks noGrp="1"/>
           </p:cNvSpPr>
@@ -2697,48 +3031,57 @@
         </p:nvSpPr>
         <p:spPr>
           <a:xfrm>
-            <a:off x="839788" y="2057400"/>
-            <a:ext cx="3932237" cy="3811588"/>
+            <a:off x="676656" y="5909735"/>
+            <a:ext cx="9229344" cy="533400"/>
           </a:xfrm>
         </p:spPr>
         <p:txBody>
-          <a:bodyPr/>
+          <a:bodyPr>
+            <a:normAutofit/>
+          </a:bodyPr>
           <a:lstStyle>
             <a:lvl1pPr marL="0" indent="0">
-              <a:buNone/>
-              <a:defRPr sz="1600"/>
+              <a:lnSpc>
+                <a:spcPct val="90000"/>
+              </a:lnSpc>
+              <a:buNone/>
+              <a:defRPr sz="1400">
+                <a:solidFill>
+                  <a:srgbClr val="262626"/>
+                </a:solidFill>
+              </a:defRPr>
             </a:lvl1pPr>
             <a:lvl2pPr marL="457200" indent="0">
               <a:buNone/>
-              <a:defRPr sz="1400"/>
+              <a:defRPr sz="1200"/>
             </a:lvl2pPr>
             <a:lvl3pPr marL="914400" indent="0">
               <a:buNone/>
-              <a:defRPr sz="1200"/>
+              <a:defRPr sz="1000"/>
             </a:lvl3pPr>
             <a:lvl4pPr marL="1371600" indent="0">
               <a:buNone/>
-              <a:defRPr sz="1000"/>
+              <a:defRPr sz="900"/>
             </a:lvl4pPr>
             <a:lvl5pPr marL="1828800" indent="0">
               <a:buNone/>
-              <a:defRPr sz="1000"/>
+              <a:defRPr sz="900"/>
             </a:lvl5pPr>
             <a:lvl6pPr marL="2286000" indent="0">
               <a:buNone/>
-              <a:defRPr sz="1000"/>
+              <a:defRPr sz="900"/>
             </a:lvl6pPr>
             <a:lvl7pPr marL="2743200" indent="0">
               <a:buNone/>
-              <a:defRPr sz="1000"/>
+              <a:defRPr sz="900"/>
             </a:lvl7pPr>
             <a:lvl8pPr marL="3200400" indent="0">
               <a:buNone/>
-              <a:defRPr sz="1000"/>
+              <a:defRPr sz="900"/>
             </a:lvl8pPr>
             <a:lvl9pPr marL="3657600" indent="0">
               <a:buNone/>
-              <a:defRPr sz="1000"/>
+              <a:defRPr sz="900"/>
             </a:lvl9pPr>
           </a:lstStyle>
           <a:p>
@@ -2752,7 +3095,7 @@
       </p:sp>
       <p:sp>
         <p:nvSpPr>
-          <p:cNvPr id="5" name="Datumsplatzhalter 4"/>
+          <p:cNvPr id="12" name="Date Placeholder 11"/>
           <p:cNvSpPr>
             <a:spLocks noGrp="1"/>
           </p:cNvSpPr>
@@ -2763,7 +3106,17 @@
         <p:spPr/>
         <p:txBody>
           <a:bodyPr/>
-          <a:lstStyle/>
+          <a:lstStyle>
+            <a:lvl1pPr>
+              <a:defRPr>
+                <a:solidFill>
+                  <a:srgbClr val="FFFFFF">
+                    <a:alpha val="80000"/>
+                  </a:srgbClr>
+                </a:solidFill>
+              </a:defRPr>
+            </a:lvl1pPr>
+          </a:lstStyle>
           <a:p>
             <a:fld id="{BC517845-AD28-457E-AD50-87585FB04209}" type="datetime1">
               <a:rPr lang="de-AT" smtClean="0"/>
@@ -2775,7 +3128,7 @@
       </p:sp>
       <p:sp>
         <p:nvSpPr>
-          <p:cNvPr id="6" name="Fußzeilenplatzhalter 5"/>
+          <p:cNvPr id="13" name="Footer Placeholder 12"/>
           <p:cNvSpPr>
             <a:spLocks noGrp="1"/>
           </p:cNvSpPr>
@@ -2786,7 +3139,17 @@
         <p:spPr/>
         <p:txBody>
           <a:bodyPr/>
-          <a:lstStyle/>
+          <a:lstStyle>
+            <a:lvl1pPr>
+              <a:defRPr>
+                <a:solidFill>
+                  <a:srgbClr val="FFFFFF">
+                    <a:alpha val="80000"/>
+                  </a:srgbClr>
+                </a:solidFill>
+              </a:defRPr>
+            </a:lvl1pPr>
+          </a:lstStyle>
           <a:p>
             <a:r>
               <a:rPr lang="de-AT" smtClean="0"/>
@@ -2798,7 +3161,7 @@
       </p:sp>
       <p:sp>
         <p:nvSpPr>
-          <p:cNvPr id="7" name="Foliennummernplatzhalter 6"/>
+          <p:cNvPr id="14" name="Slide Number Placeholder 13"/>
           <p:cNvSpPr>
             <a:spLocks noGrp="1"/>
           </p:cNvSpPr>
@@ -2809,7 +3172,17 @@
         <p:spPr/>
         <p:txBody>
           <a:bodyPr/>
-          <a:lstStyle/>
+          <a:lstStyle>
+            <a:lvl1pPr>
+              <a:defRPr>
+                <a:solidFill>
+                  <a:srgbClr val="FFFFFF">
+                    <a:alpha val="25000"/>
+                  </a:srgbClr>
+                </a:solidFill>
+              </a:defRPr>
+            </a:lvl1pPr>
+          </a:lstStyle>
           <a:p>
             <a:fld id="{CFC86BB5-914F-4D34-B08D-E32203D6C1E7}" type="slidenum">
               <a:rPr lang="de-AT" smtClean="0"/>
@@ -2822,12 +3195,12 @@
     </p:spTree>
     <p:extLst>
       <p:ext uri="{BB962C8B-B14F-4D97-AF65-F5344CB8AC3E}">
-        <p14:creationId xmlns:p14="http://schemas.microsoft.com/office/powerpoint/2010/main" val="1988817538"/>
+        <p14:creationId xmlns:p14="http://schemas.microsoft.com/office/powerpoint/2010/main" val="4119491395"/>
       </p:ext>
     </p:extLst>
   </p:cSld>
   <p:clrMapOvr>
-    <a:masterClrMapping/>
+    <a:overrideClrMapping bg1="lt1" tx1="dk1" bg2="lt2" tx2="dk2" accent1="accent1" accent2="accent2" accent3="accent3" accent4="accent4" accent5="accent5" accent6="accent6" hlink="hlink" folHlink="folHlink"/>
   </p:clrMapOvr>
 </p:sldLayout>
 </file>
@@ -2856,7 +3229,7 @@
       </p:grpSpPr>
       <p:sp>
         <p:nvSpPr>
-          <p:cNvPr id="2" name="Titelplatzhalter 1"/>
+          <p:cNvPr id="2" name="Title Placeholder 1"/>
           <p:cNvSpPr>
             <a:spLocks noGrp="1"/>
           </p:cNvSpPr>
@@ -2866,8 +3239,8 @@
         </p:nvSpPr>
         <p:spPr>
           <a:xfrm>
-            <a:off x="838200" y="365125"/>
-            <a:ext cx="10515600" cy="1325563"/>
+            <a:off x="657224" y="499533"/>
+            <a:ext cx="10772775" cy="1658198"/>
           </a:xfrm>
           <a:prstGeom prst="rect">
             <a:avLst/>
@@ -2883,13 +3256,13 @@
               <a:rPr lang="de-DE" smtClean="0"/>
               <a:t>Titelmasterformat durch Klicken bearbeiten</a:t>
             </a:r>
-            <a:endParaRPr lang="de-AT"/>
-          </a:p>
-        </p:txBody>
-      </p:sp>
-      <p:sp>
-        <p:nvSpPr>
-          <p:cNvPr id="3" name="Textplatzhalter 2"/>
+            <a:endParaRPr lang="en-US" dirty="0"/>
+          </a:p>
+        </p:txBody>
+      </p:sp>
+      <p:sp>
+        <p:nvSpPr>
+          <p:cNvPr id="3" name="Text Placeholder 2"/>
           <p:cNvSpPr>
             <a:spLocks noGrp="1"/>
           </p:cNvSpPr>
@@ -2899,8 +3272,8 @@
         </p:nvSpPr>
         <p:spPr>
           <a:xfrm>
-            <a:off x="838200" y="1825625"/>
-            <a:ext cx="10515600" cy="4351338"/>
+            <a:off x="676656" y="2011680"/>
+            <a:ext cx="10753725" cy="3766185"/>
           </a:xfrm>
           <a:prstGeom prst="rect">
             <a:avLst/>
@@ -2945,13 +3318,13 @@
               <a:rPr lang="de-DE" smtClean="0"/>
               <a:t>Fünfte Ebene</a:t>
             </a:r>
-            <a:endParaRPr lang="de-AT"/>
-          </a:p>
-        </p:txBody>
-      </p:sp>
-      <p:sp>
-        <p:nvSpPr>
-          <p:cNvPr id="4" name="Datumsplatzhalter 3"/>
+            <a:endParaRPr lang="en-US" dirty="0"/>
+          </a:p>
+        </p:txBody>
+      </p:sp>
+      <p:sp>
+        <p:nvSpPr>
+          <p:cNvPr id="4" name="Date Placeholder 3"/>
           <p:cNvSpPr>
             <a:spLocks noGrp="1"/>
           </p:cNvSpPr>
@@ -2961,8 +3334,8 @@
         </p:nvSpPr>
         <p:spPr>
           <a:xfrm>
-            <a:off x="838200" y="6356350"/>
-            <a:ext cx="2743200" cy="365125"/>
+            <a:off x="685800" y="6412447"/>
+            <a:ext cx="4114800" cy="228600"/>
           </a:xfrm>
           <a:prstGeom prst="rect">
             <a:avLst/>
@@ -2972,10 +3345,10 @@
           <a:bodyPr vert="horz" lIns="91440" tIns="45720" rIns="91440" bIns="45720" rtlCol="0" anchor="ctr"/>
           <a:lstStyle>
             <a:lvl1pPr algn="l">
-              <a:defRPr sz="1200">
+              <a:defRPr sz="950">
                 <a:solidFill>
                   <a:schemeClr val="tx1">
-                    <a:tint val="75000"/>
+                    <a:alpha val="80000"/>
                   </a:schemeClr>
                 </a:solidFill>
               </a:defRPr>
@@ -2992,7 +3365,7 @@
       </p:sp>
       <p:sp>
         <p:nvSpPr>
-          <p:cNvPr id="5" name="Fußzeilenplatzhalter 4"/>
+          <p:cNvPr id="5" name="Footer Placeholder 4"/>
           <p:cNvSpPr>
             <a:spLocks noGrp="1"/>
           </p:cNvSpPr>
@@ -3002,8 +3375,8 @@
         </p:nvSpPr>
         <p:spPr>
           <a:xfrm>
-            <a:off x="4038600" y="6356350"/>
-            <a:ext cx="4114800" cy="365125"/>
+            <a:off x="685800" y="6554697"/>
+            <a:ext cx="5029200" cy="228600"/>
           </a:xfrm>
           <a:prstGeom prst="rect">
             <a:avLst/>
@@ -3012,11 +3385,11 @@
         <p:txBody>
           <a:bodyPr vert="horz" lIns="91440" tIns="45720" rIns="91440" bIns="45720" rtlCol="0" anchor="ctr"/>
           <a:lstStyle>
-            <a:lvl1pPr algn="ctr">
-              <a:defRPr sz="1200">
+            <a:lvl1pPr algn="l">
+              <a:defRPr sz="950" cap="all" baseline="0">
                 <a:solidFill>
                   <a:schemeClr val="tx1">
-                    <a:tint val="75000"/>
+                    <a:alpha val="80000"/>
                   </a:schemeClr>
                 </a:solidFill>
               </a:defRPr>
@@ -3033,7 +3406,7 @@
       </p:sp>
       <p:sp>
         <p:nvSpPr>
-          <p:cNvPr id="6" name="Foliennummernplatzhalter 5"/>
+          <p:cNvPr id="6" name="Slide Number Placeholder 5"/>
           <p:cNvSpPr>
             <a:spLocks noGrp="1"/>
           </p:cNvSpPr>
@@ -3043,23 +3416,27 @@
         </p:nvSpPr>
         <p:spPr>
           <a:xfrm>
-            <a:off x="8610600" y="6356350"/>
-            <a:ext cx="2743200" cy="365125"/>
+            <a:off x="8763926" y="5876412"/>
+            <a:ext cx="2926080" cy="1397039"/>
           </a:xfrm>
           <a:prstGeom prst="rect">
             <a:avLst/>
           </a:prstGeom>
         </p:spPr>
         <p:txBody>
-          <a:bodyPr vert="horz" lIns="91440" tIns="45720" rIns="91440" bIns="45720" rtlCol="0" anchor="ctr"/>
+          <a:bodyPr vert="horz" lIns="91440" tIns="45720" rIns="91440" bIns="45720" rtlCol="0" anchor="b"/>
           <a:lstStyle>
             <a:lvl1pPr algn="r">
-              <a:defRPr sz="1200">
+              <a:defRPr sz="10300" b="0">
+                <a:ln>
+                  <a:noFill/>
+                </a:ln>
                 <a:solidFill>
-                  <a:schemeClr val="tx1">
-                    <a:tint val="75000"/>
+                  <a:schemeClr val="accent1">
+                    <a:alpha val="25000"/>
                   </a:schemeClr>
                 </a:solidFill>
+                <a:latin typeface="+mj-lt"/>
               </a:defRPr>
             </a:lvl1pPr>
           </a:lstStyle>
@@ -3075,38 +3452,38 @@
     </p:spTree>
     <p:extLst>
       <p:ext uri="{BB962C8B-B14F-4D97-AF65-F5344CB8AC3E}">
-        <p14:creationId xmlns:p14="http://schemas.microsoft.com/office/powerpoint/2010/main" val="1118518577"/>
+        <p14:creationId xmlns:p14="http://schemas.microsoft.com/office/powerpoint/2010/main" val="1015723376"/>
       </p:ext>
     </p:extLst>
   </p:cSld>
   <p:clrMap bg1="lt1" tx1="dk1" bg2="lt2" tx2="dk2" accent1="accent1" accent2="accent2" accent3="accent3" accent4="accent4" accent5="accent5" accent6="accent6" hlink="hlink" folHlink="folHlink"/>
   <p:sldLayoutIdLst>
-    <p:sldLayoutId id="2147483649" r:id="rId1"/>
-    <p:sldLayoutId id="2147483650" r:id="rId2"/>
-    <p:sldLayoutId id="2147483651" r:id="rId3"/>
-    <p:sldLayoutId id="2147483652" r:id="rId4"/>
-    <p:sldLayoutId id="2147483653" r:id="rId5"/>
-    <p:sldLayoutId id="2147483654" r:id="rId6"/>
-    <p:sldLayoutId id="2147483655" r:id="rId7"/>
-    <p:sldLayoutId id="2147483656" r:id="rId8"/>
-    <p:sldLayoutId id="2147483657" r:id="rId9"/>
-    <p:sldLayoutId id="2147483658" r:id="rId10"/>
-    <p:sldLayoutId id="2147483659" r:id="rId11"/>
+    <p:sldLayoutId id="2147483697" r:id="rId1"/>
+    <p:sldLayoutId id="2147483698" r:id="rId2"/>
+    <p:sldLayoutId id="2147483699" r:id="rId3"/>
+    <p:sldLayoutId id="2147483700" r:id="rId4"/>
+    <p:sldLayoutId id="2147483701" r:id="rId5"/>
+    <p:sldLayoutId id="2147483702" r:id="rId6"/>
+    <p:sldLayoutId id="2147483703" r:id="rId7"/>
+    <p:sldLayoutId id="2147483704" r:id="rId8"/>
+    <p:sldLayoutId id="2147483705" r:id="rId9"/>
+    <p:sldLayoutId id="2147483706" r:id="rId10"/>
+    <p:sldLayoutId id="2147483707" r:id="rId11"/>
   </p:sldLayoutIdLst>
   <p:hf hdr="0"/>
   <p:txStyles>
     <p:titleStyle>
       <a:lvl1pPr algn="l" defTabSz="914400" rtl="0" eaLnBrk="1" latinLnBrk="0" hangingPunct="1">
         <a:lnSpc>
-          <a:spcPct val="90000"/>
+          <a:spcPct val="85000"/>
         </a:lnSpc>
         <a:spcBef>
           <a:spcPct val="0"/>
         </a:spcBef>
         <a:buNone/>
-        <a:defRPr sz="4400" kern="1200">
+        <a:defRPr sz="5400" kern="1200" spc="-120" baseline="0">
           <a:solidFill>
-            <a:schemeClr val="tx1"/>
+            <a:schemeClr val="accent1"/>
           </a:solidFill>
           <a:latin typeface="+mj-lt"/>
           <a:ea typeface="+mj-ea"/>
@@ -3115,162 +3492,189 @@
       </a:lvl1pPr>
     </p:titleStyle>
     <p:bodyStyle>
-      <a:lvl1pPr marL="228600" indent="-228600" algn="l" defTabSz="914400" rtl="0" eaLnBrk="1" latinLnBrk="0" hangingPunct="1">
+      <a:lvl1pPr marL="91440" indent="-91440" algn="l" defTabSz="914400" rtl="0" eaLnBrk="1" latinLnBrk="0" hangingPunct="1">
         <a:lnSpc>
-          <a:spcPct val="90000"/>
+          <a:spcPct val="85000"/>
         </a:lnSpc>
         <a:spcBef>
-          <a:spcPts val="1000"/>
+          <a:spcPts val="1300"/>
         </a:spcBef>
-        <a:buFont typeface="Arial" panose="020B0604020202020204" pitchFamily="34" charset="0"/>
-        <a:buChar char="•"/>
-        <a:defRPr sz="2800" kern="1200">
+        <a:buFont typeface="Arial" pitchFamily="34" charset="0"/>
+        <a:buChar char=" "/>
+        <a:defRPr sz="2400" kern="1200">
           <a:solidFill>
-            <a:schemeClr val="tx1"/>
+            <a:schemeClr val="tx1">
+              <a:lumMod val="85000"/>
+              <a:lumOff val="15000"/>
+            </a:schemeClr>
           </a:solidFill>
           <a:latin typeface="+mn-lt"/>
           <a:ea typeface="+mn-ea"/>
           <a:cs typeface="+mn-cs"/>
         </a:defRPr>
       </a:lvl1pPr>
-      <a:lvl2pPr marL="685800" indent="-228600" algn="l" defTabSz="914400" rtl="0" eaLnBrk="1" latinLnBrk="0" hangingPunct="1">
+      <a:lvl2pPr marL="347472" indent="-342900" algn="l" defTabSz="914400" rtl="0" eaLnBrk="1" latinLnBrk="0" hangingPunct="1">
         <a:lnSpc>
-          <a:spcPct val="90000"/>
+          <a:spcPct val="85000"/>
         </a:lnSpc>
         <a:spcBef>
-          <a:spcPts val="500"/>
+          <a:spcPts val="600"/>
         </a:spcBef>
-        <a:buFont typeface="Arial" panose="020B0604020202020204" pitchFamily="34" charset="0"/>
-        <a:buChar char="•"/>
+        <a:buFont typeface="Arial" pitchFamily="34" charset="0"/>
+        <a:buChar char=" "/>
         <a:defRPr sz="2400" kern="1200">
           <a:solidFill>
-            <a:schemeClr val="tx1"/>
+            <a:schemeClr val="tx1">
+              <a:lumMod val="85000"/>
+              <a:lumOff val="15000"/>
+            </a:schemeClr>
           </a:solidFill>
           <a:latin typeface="+mn-lt"/>
           <a:ea typeface="+mn-ea"/>
           <a:cs typeface="+mn-cs"/>
         </a:defRPr>
       </a:lvl2pPr>
-      <a:lvl3pPr marL="1143000" indent="-228600" algn="l" defTabSz="914400" rtl="0" eaLnBrk="1" latinLnBrk="0" hangingPunct="1">
+      <a:lvl3pPr marL="548640" indent="-548640" algn="l" defTabSz="914400" rtl="0" eaLnBrk="1" latinLnBrk="0" hangingPunct="1">
         <a:lnSpc>
-          <a:spcPct val="90000"/>
+          <a:spcPct val="85000"/>
         </a:lnSpc>
         <a:spcBef>
-          <a:spcPts val="500"/>
+          <a:spcPts val="600"/>
         </a:spcBef>
-        <a:buFont typeface="Arial" panose="020B0604020202020204" pitchFamily="34" charset="0"/>
-        <a:buChar char="•"/>
-        <a:defRPr sz="2000" kern="1200">
+        <a:buFont typeface="Arial" pitchFamily="34" charset="0"/>
+        <a:buChar char=" "/>
+        <a:defRPr sz="2000" i="1" kern="1200">
           <a:solidFill>
-            <a:schemeClr val="tx1"/>
+            <a:schemeClr val="tx1">
+              <a:lumMod val="85000"/>
+              <a:lumOff val="15000"/>
+            </a:schemeClr>
           </a:solidFill>
           <a:latin typeface="+mn-lt"/>
           <a:ea typeface="+mn-ea"/>
           <a:cs typeface="+mn-cs"/>
         </a:defRPr>
       </a:lvl3pPr>
-      <a:lvl4pPr marL="1600200" indent="-228600" algn="l" defTabSz="914400" rtl="0" eaLnBrk="1" latinLnBrk="0" hangingPunct="1">
+      <a:lvl4pPr marL="822960" indent="-822960" algn="l" defTabSz="914400" rtl="0" eaLnBrk="1" latinLnBrk="0" hangingPunct="1">
         <a:lnSpc>
-          <a:spcPct val="90000"/>
+          <a:spcPct val="85000"/>
         </a:lnSpc>
         <a:spcBef>
-          <a:spcPts val="500"/>
+          <a:spcPts val="600"/>
         </a:spcBef>
-        <a:buFont typeface="Arial" panose="020B0604020202020204" pitchFamily="34" charset="0"/>
-        <a:buChar char="•"/>
+        <a:buFont typeface="Arial" pitchFamily="34" charset="0"/>
+        <a:buChar char=" "/>
         <a:defRPr sz="1800" kern="1200">
           <a:solidFill>
-            <a:schemeClr val="tx1"/>
+            <a:schemeClr val="tx1">
+              <a:lumMod val="85000"/>
+              <a:lumOff val="15000"/>
+            </a:schemeClr>
           </a:solidFill>
           <a:latin typeface="+mn-lt"/>
           <a:ea typeface="+mn-ea"/>
           <a:cs typeface="+mn-cs"/>
         </a:defRPr>
       </a:lvl4pPr>
-      <a:lvl5pPr marL="2057400" indent="-228600" algn="l" defTabSz="914400" rtl="0" eaLnBrk="1" latinLnBrk="0" hangingPunct="1">
+      <a:lvl5pPr marL="1097280" indent="-1097280" algn="l" defTabSz="914400" rtl="0" eaLnBrk="1" latinLnBrk="0" hangingPunct="1">
         <a:lnSpc>
-          <a:spcPct val="90000"/>
+          <a:spcPct val="85000"/>
         </a:lnSpc>
         <a:spcBef>
-          <a:spcPts val="500"/>
+          <a:spcPts val="600"/>
         </a:spcBef>
-        <a:buFont typeface="Arial" panose="020B0604020202020204" pitchFamily="34" charset="0"/>
-        <a:buChar char="•"/>
+        <a:buFont typeface="Arial" pitchFamily="34" charset="0"/>
+        <a:buChar char=" "/>
         <a:defRPr sz="1800" kern="1200">
           <a:solidFill>
-            <a:schemeClr val="tx1"/>
+            <a:schemeClr val="tx1">
+              <a:lumMod val="85000"/>
+              <a:lumOff val="15000"/>
+            </a:schemeClr>
           </a:solidFill>
           <a:latin typeface="+mn-lt"/>
           <a:ea typeface="+mn-ea"/>
           <a:cs typeface="+mn-cs"/>
         </a:defRPr>
       </a:lvl5pPr>
-      <a:lvl6pPr marL="2514600" indent="-228600" algn="l" defTabSz="914400" rtl="0" eaLnBrk="1" latinLnBrk="0" hangingPunct="1">
+      <a:lvl6pPr marL="1200000" indent="-228600" algn="l" defTabSz="914400" rtl="0" eaLnBrk="1" latinLnBrk="0" hangingPunct="1">
         <a:lnSpc>
-          <a:spcPct val="90000"/>
+          <a:spcPct val="85000"/>
         </a:lnSpc>
         <a:spcBef>
-          <a:spcPts val="500"/>
+          <a:spcPts val="600"/>
         </a:spcBef>
-        <a:buFont typeface="Arial" panose="020B0604020202020204" pitchFamily="34" charset="0"/>
-        <a:buChar char="•"/>
+        <a:buFont typeface="Arial" pitchFamily="34" charset="0"/>
+        <a:buChar char=" "/>
         <a:defRPr sz="1800" kern="1200">
           <a:solidFill>
-            <a:schemeClr val="tx1"/>
+            <a:schemeClr val="tx1">
+              <a:lumMod val="85000"/>
+              <a:lumOff val="15000"/>
+            </a:schemeClr>
           </a:solidFill>
           <a:latin typeface="+mn-lt"/>
           <a:ea typeface="+mn-ea"/>
           <a:cs typeface="+mn-cs"/>
         </a:defRPr>
       </a:lvl6pPr>
-      <a:lvl7pPr marL="2971800" indent="-228600" algn="l" defTabSz="914400" rtl="0" eaLnBrk="1" latinLnBrk="0" hangingPunct="1">
+      <a:lvl7pPr marL="1400000" indent="-228600" algn="l" defTabSz="914400" rtl="0" eaLnBrk="1" latinLnBrk="0" hangingPunct="1">
         <a:lnSpc>
-          <a:spcPct val="90000"/>
+          <a:spcPct val="85000"/>
         </a:lnSpc>
         <a:spcBef>
-          <a:spcPts val="500"/>
+          <a:spcPts val="600"/>
         </a:spcBef>
-        <a:buFont typeface="Arial" panose="020B0604020202020204" pitchFamily="34" charset="0"/>
-        <a:buChar char="•"/>
+        <a:buFont typeface="Arial" pitchFamily="34" charset="0"/>
+        <a:buChar char=" "/>
         <a:defRPr sz="1800" kern="1200">
           <a:solidFill>
-            <a:schemeClr val="tx1"/>
+            <a:schemeClr val="tx1">
+              <a:lumMod val="85000"/>
+              <a:lumOff val="15000"/>
+            </a:schemeClr>
           </a:solidFill>
           <a:latin typeface="+mn-lt"/>
           <a:ea typeface="+mn-ea"/>
           <a:cs typeface="+mn-cs"/>
         </a:defRPr>
       </a:lvl7pPr>
-      <a:lvl8pPr marL="3429000" indent="-228600" algn="l" defTabSz="914400" rtl="0" eaLnBrk="1" latinLnBrk="0" hangingPunct="1">
+      <a:lvl8pPr marL="1600000" indent="-228600" algn="l" defTabSz="914400" rtl="0" eaLnBrk="1" latinLnBrk="0" hangingPunct="1">
         <a:lnSpc>
-          <a:spcPct val="90000"/>
+          <a:spcPct val="85000"/>
         </a:lnSpc>
         <a:spcBef>
-          <a:spcPts val="500"/>
+          <a:spcPts val="600"/>
         </a:spcBef>
-        <a:buFont typeface="Arial" panose="020B0604020202020204" pitchFamily="34" charset="0"/>
-        <a:buChar char="•"/>
+        <a:buFont typeface="Arial" pitchFamily="34" charset="0"/>
+        <a:buChar char=" "/>
         <a:defRPr sz="1800" kern="1200">
           <a:solidFill>
-            <a:schemeClr val="tx1"/>
+            <a:schemeClr val="tx1">
+              <a:lumMod val="85000"/>
+              <a:lumOff val="15000"/>
+            </a:schemeClr>
           </a:solidFill>
           <a:latin typeface="+mn-lt"/>
           <a:ea typeface="+mn-ea"/>
           <a:cs typeface="+mn-cs"/>
         </a:defRPr>
       </a:lvl8pPr>
-      <a:lvl9pPr marL="3886200" indent="-228600" algn="l" defTabSz="914400" rtl="0" eaLnBrk="1" latinLnBrk="0" hangingPunct="1">
+      <a:lvl9pPr marL="1800000" indent="-228600" algn="l" defTabSz="914400" rtl="0" eaLnBrk="1" latinLnBrk="0" hangingPunct="1">
         <a:lnSpc>
-          <a:spcPct val="90000"/>
+          <a:spcPct val="85000"/>
         </a:lnSpc>
         <a:spcBef>
-          <a:spcPts val="500"/>
+          <a:spcPts val="600"/>
         </a:spcBef>
-        <a:buFont typeface="Arial" panose="020B0604020202020204" pitchFamily="34" charset="0"/>
-        <a:buChar char="•"/>
+        <a:buFont typeface="Arial" pitchFamily="34" charset="0"/>
+        <a:buChar char=" "/>
         <a:defRPr sz="1800" kern="1200">
           <a:solidFill>
-            <a:schemeClr val="tx1"/>
+            <a:schemeClr val="tx1">
+              <a:lumMod val="85000"/>
+              <a:lumOff val="15000"/>
+            </a:schemeClr>
           </a:solidFill>
           <a:latin typeface="+mn-lt"/>
           <a:ea typeface="+mn-ea"/>
@@ -3280,7 +3684,7 @@
     </p:bodyStyle>
     <p:otherStyle>
       <a:defPPr>
-        <a:defRPr lang="de-DE"/>
+        <a:defRPr lang="en-US"/>
       </a:defPPr>
       <a:lvl1pPr marL="0" algn="l" defTabSz="914400" rtl="0" eaLnBrk="1" latinLnBrk="0" hangingPunct="1">
         <a:defRPr sz="1800" kern="1200">
@@ -3517,6 +3921,47 @@
           </a:p>
         </p:txBody>
       </p:sp>
+      <p:pic>
+        <p:nvPicPr>
+          <p:cNvPr id="10" name="Picture 2" descr="https://dittmarconsulting.files.wordpress.com/2012/02/gridfs.png"/>
+          <p:cNvPicPr>
+            <a:picLocks noChangeAspect="1" noChangeArrowheads="1"/>
+          </p:cNvPicPr>
+          <p:nvPr/>
+        </p:nvPicPr>
+        <p:blipFill>
+          <a:blip r:embed="rId2">
+            <a:extLst>
+              <a:ext uri="{28A0092B-C50C-407E-A947-70E740481C1C}">
+                <a14:useLocalDpi xmlns:a14="http://schemas.microsoft.com/office/drawing/2010/main" val="0"/>
+              </a:ext>
+            </a:extLst>
+          </a:blip>
+          <a:srcRect/>
+          <a:stretch>
+            <a:fillRect/>
+          </a:stretch>
+        </p:blipFill>
+        <p:spPr bwMode="auto">
+          <a:xfrm>
+            <a:off x="6638925" y="0"/>
+            <a:ext cx="5553075" cy="1314451"/>
+          </a:xfrm>
+          <a:prstGeom prst="rect">
+            <a:avLst/>
+          </a:prstGeom>
+          <a:noFill/>
+          <a:extLst>
+            <a:ext uri="{909E8E84-426E-40DD-AFC4-6F175D3DCCD1}">
+              <a14:hiddenFill xmlns:a14="http://schemas.microsoft.com/office/drawing/2010/main">
+                <a:solidFill>
+                  <a:srgbClr val="FFFFFF"/>
+                </a:solidFill>
+              </a14:hiddenFill>
+            </a:ext>
+          </a:extLst>
+        </p:spPr>
+      </p:pic>
     </p:spTree>
     <p:extLst>
       <p:ext uri="{BB962C8B-B14F-4D97-AF65-F5344CB8AC3E}">
@@ -3527,1416 +3972,13 @@
   <p:clrMapOvr>
     <a:masterClrMapping/>
   </p:clrMapOvr>
-</p:sld>
-</file>
-
-<file path=ppt/slides/slide10.xml><?xml version="1.0" encoding="utf-8"?>
-<p:sld xmlns:a="http://schemas.openxmlformats.org/drawingml/2006/main" xmlns:r="http://schemas.openxmlformats.org/officeDocument/2006/relationships" xmlns:p="http://schemas.openxmlformats.org/presentationml/2006/main">
-  <p:cSld>
-    <p:spTree>
-      <p:nvGrpSpPr>
-        <p:cNvPr id="1" name=""/>
-        <p:cNvGrpSpPr/>
-        <p:nvPr/>
-      </p:nvGrpSpPr>
-      <p:grpSpPr>
-        <a:xfrm>
-          <a:off x="0" y="0"/>
-          <a:ext cx="0" cy="0"/>
-          <a:chOff x="0" y="0"/>
-          <a:chExt cx="0" cy="0"/>
-        </a:xfrm>
-      </p:grpSpPr>
-      <p:sp>
-        <p:nvSpPr>
-          <p:cNvPr id="2" name="Titel 1"/>
-          <p:cNvSpPr>
-            <a:spLocks noGrp="1"/>
-          </p:cNvSpPr>
-          <p:nvPr>
-            <p:ph type="ctrTitle"/>
-          </p:nvPr>
-        </p:nvSpPr>
-        <p:spPr/>
-        <p:txBody>
-          <a:bodyPr/>
-          <a:lstStyle/>
-          <a:p>
-            <a:r>
-              <a:rPr lang="de-AT" dirty="0" err="1" smtClean="0"/>
-              <a:t>GridFS</a:t>
-            </a:r>
-            <a:endParaRPr lang="de-AT" dirty="0"/>
-          </a:p>
-        </p:txBody>
-      </p:sp>
-      <p:sp>
-        <p:nvSpPr>
-          <p:cNvPr id="3" name="Untertitel 2"/>
-          <p:cNvSpPr>
-            <a:spLocks noGrp="1"/>
-          </p:cNvSpPr>
-          <p:nvPr>
-            <p:ph type="subTitle" idx="1"/>
-          </p:nvPr>
-        </p:nvSpPr>
-        <p:spPr/>
-        <p:txBody>
-          <a:bodyPr/>
-          <a:lstStyle/>
-          <a:p>
-            <a:endParaRPr lang="de-AT" dirty="0"/>
-          </a:p>
-        </p:txBody>
-      </p:sp>
-      <p:sp>
-        <p:nvSpPr>
-          <p:cNvPr id="4" name="Datumsplatzhalter 3"/>
-          <p:cNvSpPr>
-            <a:spLocks noGrp="1"/>
-          </p:cNvSpPr>
-          <p:nvPr>
-            <p:ph type="dt" sz="half" idx="10"/>
-          </p:nvPr>
-        </p:nvSpPr>
-        <p:spPr/>
-        <p:txBody>
-          <a:bodyPr/>
-          <a:lstStyle/>
-          <a:p>
-            <a:fld id="{5BF8F9AD-CA39-41D1-BC7C-8747A8B2C483}" type="datetime1">
-              <a:rPr lang="de-AT" smtClean="0"/>
-              <a:t>05.06.2016</a:t>
-            </a:fld>
-            <a:endParaRPr lang="de-AT"/>
-          </a:p>
-        </p:txBody>
-      </p:sp>
-      <p:sp>
-        <p:nvSpPr>
-          <p:cNvPr id="5" name="Fußzeilenplatzhalter 4"/>
-          <p:cNvSpPr>
-            <a:spLocks noGrp="1"/>
-          </p:cNvSpPr>
-          <p:nvPr>
-            <p:ph type="ftr" sz="quarter" idx="11"/>
-          </p:nvPr>
-        </p:nvSpPr>
-        <p:spPr/>
-        <p:txBody>
-          <a:bodyPr/>
-          <a:lstStyle/>
-          <a:p>
-            <a:r>
-              <a:rPr lang="de-AT" smtClean="0"/>
-              <a:t>gridfs/@ahmdNasr</a:t>
-            </a:r>
-            <a:endParaRPr lang="de-AT"/>
-          </a:p>
-        </p:txBody>
-      </p:sp>
-      <p:sp>
-        <p:nvSpPr>
-          <p:cNvPr id="6" name="Foliennummernplatzhalter 5"/>
-          <p:cNvSpPr>
-            <a:spLocks noGrp="1"/>
-          </p:cNvSpPr>
-          <p:nvPr>
-            <p:ph type="sldNum" sz="quarter" idx="12"/>
-          </p:nvPr>
-        </p:nvSpPr>
-        <p:spPr/>
-        <p:txBody>
-          <a:bodyPr/>
-          <a:lstStyle/>
-          <a:p>
-            <a:fld id="{CFC86BB5-914F-4D34-B08D-E32203D6C1E7}" type="slidenum">
-              <a:rPr lang="de-AT" smtClean="0"/>
-              <a:t>10</a:t>
-            </a:fld>
-            <a:endParaRPr lang="de-AT"/>
-          </a:p>
-        </p:txBody>
-      </p:sp>
-    </p:spTree>
-    <p:extLst>
-      <p:ext uri="{BB962C8B-B14F-4D97-AF65-F5344CB8AC3E}">
-        <p14:creationId xmlns:p14="http://schemas.microsoft.com/office/powerpoint/2010/main" val="190078641"/>
-      </p:ext>
-    </p:extLst>
-  </p:cSld>
-  <p:clrMapOvr>
-    <a:masterClrMapping/>
-  </p:clrMapOvr>
-</p:sld>
-</file>
-
-<file path=ppt/slides/slide11.xml><?xml version="1.0" encoding="utf-8"?>
-<p:sld xmlns:a="http://schemas.openxmlformats.org/drawingml/2006/main" xmlns:r="http://schemas.openxmlformats.org/officeDocument/2006/relationships" xmlns:p="http://schemas.openxmlformats.org/presentationml/2006/main">
-  <p:cSld>
-    <p:spTree>
-      <p:nvGrpSpPr>
-        <p:cNvPr id="1" name=""/>
-        <p:cNvGrpSpPr/>
-        <p:nvPr/>
-      </p:nvGrpSpPr>
-      <p:grpSpPr>
-        <a:xfrm>
-          <a:off x="0" y="0"/>
-          <a:ext cx="0" cy="0"/>
-          <a:chOff x="0" y="0"/>
-          <a:chExt cx="0" cy="0"/>
-        </a:xfrm>
-      </p:grpSpPr>
-      <p:sp>
-        <p:nvSpPr>
-          <p:cNvPr id="2" name="Titel 1"/>
-          <p:cNvSpPr>
-            <a:spLocks noGrp="1"/>
-          </p:cNvSpPr>
-          <p:nvPr>
-            <p:ph type="ctrTitle"/>
-          </p:nvPr>
-        </p:nvSpPr>
-        <p:spPr/>
-        <p:txBody>
-          <a:bodyPr/>
-          <a:lstStyle/>
-          <a:p>
-            <a:r>
-              <a:rPr lang="de-AT" dirty="0" err="1" smtClean="0"/>
-              <a:t>GridFS</a:t>
-            </a:r>
-            <a:endParaRPr lang="de-AT" dirty="0"/>
-          </a:p>
-        </p:txBody>
-      </p:sp>
-      <p:sp>
-        <p:nvSpPr>
-          <p:cNvPr id="3" name="Untertitel 2"/>
-          <p:cNvSpPr>
-            <a:spLocks noGrp="1"/>
-          </p:cNvSpPr>
-          <p:nvPr>
-            <p:ph type="subTitle" idx="1"/>
-          </p:nvPr>
-        </p:nvSpPr>
-        <p:spPr/>
-        <p:txBody>
-          <a:bodyPr/>
-          <a:lstStyle/>
-          <a:p>
-            <a:endParaRPr lang="de-AT" dirty="0"/>
-          </a:p>
-        </p:txBody>
-      </p:sp>
-      <p:sp>
-        <p:nvSpPr>
-          <p:cNvPr id="4" name="Datumsplatzhalter 3"/>
-          <p:cNvSpPr>
-            <a:spLocks noGrp="1"/>
-          </p:cNvSpPr>
-          <p:nvPr>
-            <p:ph type="dt" sz="half" idx="10"/>
-          </p:nvPr>
-        </p:nvSpPr>
-        <p:spPr/>
-        <p:txBody>
-          <a:bodyPr/>
-          <a:lstStyle/>
-          <a:p>
-            <a:fld id="{A2D83FD5-4319-4D93-BEDF-CFED5F1D3D23}" type="datetime1">
-              <a:rPr lang="de-AT" smtClean="0"/>
-              <a:t>05.06.2016</a:t>
-            </a:fld>
-            <a:endParaRPr lang="de-AT"/>
-          </a:p>
-        </p:txBody>
-      </p:sp>
-      <p:sp>
-        <p:nvSpPr>
-          <p:cNvPr id="5" name="Fußzeilenplatzhalter 4"/>
-          <p:cNvSpPr>
-            <a:spLocks noGrp="1"/>
-          </p:cNvSpPr>
-          <p:nvPr>
-            <p:ph type="ftr" sz="quarter" idx="11"/>
-          </p:nvPr>
-        </p:nvSpPr>
-        <p:spPr/>
-        <p:txBody>
-          <a:bodyPr/>
-          <a:lstStyle/>
-          <a:p>
-            <a:r>
-              <a:rPr lang="de-AT" smtClean="0"/>
-              <a:t>gridfs/@ahmdNasr</a:t>
-            </a:r>
-            <a:endParaRPr lang="de-AT"/>
-          </a:p>
-        </p:txBody>
-      </p:sp>
-      <p:sp>
-        <p:nvSpPr>
-          <p:cNvPr id="6" name="Foliennummernplatzhalter 5"/>
-          <p:cNvSpPr>
-            <a:spLocks noGrp="1"/>
-          </p:cNvSpPr>
-          <p:nvPr>
-            <p:ph type="sldNum" sz="quarter" idx="12"/>
-          </p:nvPr>
-        </p:nvSpPr>
-        <p:spPr/>
-        <p:txBody>
-          <a:bodyPr/>
-          <a:lstStyle/>
-          <a:p>
-            <a:fld id="{CFC86BB5-914F-4D34-B08D-E32203D6C1E7}" type="slidenum">
-              <a:rPr lang="de-AT" smtClean="0"/>
-              <a:t>11</a:t>
-            </a:fld>
-            <a:endParaRPr lang="de-AT"/>
-          </a:p>
-        </p:txBody>
-      </p:sp>
-    </p:spTree>
-    <p:extLst>
-      <p:ext uri="{BB962C8B-B14F-4D97-AF65-F5344CB8AC3E}">
-        <p14:creationId xmlns:p14="http://schemas.microsoft.com/office/powerpoint/2010/main" val="1877873012"/>
-      </p:ext>
-    </p:extLst>
-  </p:cSld>
-  <p:clrMapOvr>
-    <a:masterClrMapping/>
-  </p:clrMapOvr>
-</p:sld>
-</file>
-
-<file path=ppt/slides/slide12.xml><?xml version="1.0" encoding="utf-8"?>
-<p:sld xmlns:a="http://schemas.openxmlformats.org/drawingml/2006/main" xmlns:r="http://schemas.openxmlformats.org/officeDocument/2006/relationships" xmlns:p="http://schemas.openxmlformats.org/presentationml/2006/main">
-  <p:cSld>
-    <p:spTree>
-      <p:nvGrpSpPr>
-        <p:cNvPr id="1" name=""/>
-        <p:cNvGrpSpPr/>
-        <p:nvPr/>
-      </p:nvGrpSpPr>
-      <p:grpSpPr>
-        <a:xfrm>
-          <a:off x="0" y="0"/>
-          <a:ext cx="0" cy="0"/>
-          <a:chOff x="0" y="0"/>
-          <a:chExt cx="0" cy="0"/>
-        </a:xfrm>
-      </p:grpSpPr>
-      <p:sp>
-        <p:nvSpPr>
-          <p:cNvPr id="2" name="Titel 1"/>
-          <p:cNvSpPr>
-            <a:spLocks noGrp="1"/>
-          </p:cNvSpPr>
-          <p:nvPr>
-            <p:ph type="ctrTitle"/>
-          </p:nvPr>
-        </p:nvSpPr>
-        <p:spPr/>
-        <p:txBody>
-          <a:bodyPr/>
-          <a:lstStyle/>
-          <a:p>
-            <a:r>
-              <a:rPr lang="de-AT" dirty="0" err="1" smtClean="0"/>
-              <a:t>GridFS</a:t>
-            </a:r>
-            <a:endParaRPr lang="de-AT" dirty="0"/>
-          </a:p>
-        </p:txBody>
-      </p:sp>
-      <p:sp>
-        <p:nvSpPr>
-          <p:cNvPr id="3" name="Untertitel 2"/>
-          <p:cNvSpPr>
-            <a:spLocks noGrp="1"/>
-          </p:cNvSpPr>
-          <p:nvPr>
-            <p:ph type="subTitle" idx="1"/>
-          </p:nvPr>
-        </p:nvSpPr>
-        <p:spPr/>
-        <p:txBody>
-          <a:bodyPr/>
-          <a:lstStyle/>
-          <a:p>
-            <a:endParaRPr lang="de-AT" dirty="0"/>
-          </a:p>
-        </p:txBody>
-      </p:sp>
-      <p:sp>
-        <p:nvSpPr>
-          <p:cNvPr id="4" name="Datumsplatzhalter 3"/>
-          <p:cNvSpPr>
-            <a:spLocks noGrp="1"/>
-          </p:cNvSpPr>
-          <p:nvPr>
-            <p:ph type="dt" sz="half" idx="10"/>
-          </p:nvPr>
-        </p:nvSpPr>
-        <p:spPr/>
-        <p:txBody>
-          <a:bodyPr/>
-          <a:lstStyle/>
-          <a:p>
-            <a:fld id="{C6520574-3D41-488A-89A8-34D09A029108}" type="datetime1">
-              <a:rPr lang="de-AT" smtClean="0"/>
-              <a:t>05.06.2016</a:t>
-            </a:fld>
-            <a:endParaRPr lang="de-AT"/>
-          </a:p>
-        </p:txBody>
-      </p:sp>
-      <p:sp>
-        <p:nvSpPr>
-          <p:cNvPr id="5" name="Fußzeilenplatzhalter 4"/>
-          <p:cNvSpPr>
-            <a:spLocks noGrp="1"/>
-          </p:cNvSpPr>
-          <p:nvPr>
-            <p:ph type="ftr" sz="quarter" idx="11"/>
-          </p:nvPr>
-        </p:nvSpPr>
-        <p:spPr/>
-        <p:txBody>
-          <a:bodyPr/>
-          <a:lstStyle/>
-          <a:p>
-            <a:r>
-              <a:rPr lang="de-AT" smtClean="0"/>
-              <a:t>gridfs/@ahmdNasr</a:t>
-            </a:r>
-            <a:endParaRPr lang="de-AT"/>
-          </a:p>
-        </p:txBody>
-      </p:sp>
-      <p:sp>
-        <p:nvSpPr>
-          <p:cNvPr id="6" name="Foliennummernplatzhalter 5"/>
-          <p:cNvSpPr>
-            <a:spLocks noGrp="1"/>
-          </p:cNvSpPr>
-          <p:nvPr>
-            <p:ph type="sldNum" sz="quarter" idx="12"/>
-          </p:nvPr>
-        </p:nvSpPr>
-        <p:spPr/>
-        <p:txBody>
-          <a:bodyPr/>
-          <a:lstStyle/>
-          <a:p>
-            <a:fld id="{CFC86BB5-914F-4D34-B08D-E32203D6C1E7}" type="slidenum">
-              <a:rPr lang="de-AT" smtClean="0"/>
-              <a:t>12</a:t>
-            </a:fld>
-            <a:endParaRPr lang="de-AT"/>
-          </a:p>
-        </p:txBody>
-      </p:sp>
-    </p:spTree>
-    <p:extLst>
-      <p:ext uri="{BB962C8B-B14F-4D97-AF65-F5344CB8AC3E}">
-        <p14:creationId xmlns:p14="http://schemas.microsoft.com/office/powerpoint/2010/main" val="3716371655"/>
-      </p:ext>
-    </p:extLst>
-  </p:cSld>
-  <p:clrMapOvr>
-    <a:masterClrMapping/>
-  </p:clrMapOvr>
-</p:sld>
-</file>
-
-<file path=ppt/slides/slide13.xml><?xml version="1.0" encoding="utf-8"?>
-<p:sld xmlns:a="http://schemas.openxmlformats.org/drawingml/2006/main" xmlns:r="http://schemas.openxmlformats.org/officeDocument/2006/relationships" xmlns:p="http://schemas.openxmlformats.org/presentationml/2006/main">
-  <p:cSld>
-    <p:spTree>
-      <p:nvGrpSpPr>
-        <p:cNvPr id="1" name=""/>
-        <p:cNvGrpSpPr/>
-        <p:nvPr/>
-      </p:nvGrpSpPr>
-      <p:grpSpPr>
-        <a:xfrm>
-          <a:off x="0" y="0"/>
-          <a:ext cx="0" cy="0"/>
-          <a:chOff x="0" y="0"/>
-          <a:chExt cx="0" cy="0"/>
-        </a:xfrm>
-      </p:grpSpPr>
-      <p:sp>
-        <p:nvSpPr>
-          <p:cNvPr id="2" name="Titel 1"/>
-          <p:cNvSpPr>
-            <a:spLocks noGrp="1"/>
-          </p:cNvSpPr>
-          <p:nvPr>
-            <p:ph type="ctrTitle"/>
-          </p:nvPr>
-        </p:nvSpPr>
-        <p:spPr/>
-        <p:txBody>
-          <a:bodyPr/>
-          <a:lstStyle/>
-          <a:p>
-            <a:r>
-              <a:rPr lang="de-AT" dirty="0" err="1" smtClean="0"/>
-              <a:t>GridFS</a:t>
-            </a:r>
-            <a:endParaRPr lang="de-AT" dirty="0"/>
-          </a:p>
-        </p:txBody>
-      </p:sp>
-      <p:sp>
-        <p:nvSpPr>
-          <p:cNvPr id="3" name="Untertitel 2"/>
-          <p:cNvSpPr>
-            <a:spLocks noGrp="1"/>
-          </p:cNvSpPr>
-          <p:nvPr>
-            <p:ph type="subTitle" idx="1"/>
-          </p:nvPr>
-        </p:nvSpPr>
-        <p:spPr/>
-        <p:txBody>
-          <a:bodyPr/>
-          <a:lstStyle/>
-          <a:p>
-            <a:endParaRPr lang="de-AT" dirty="0"/>
-          </a:p>
-        </p:txBody>
-      </p:sp>
-      <p:sp>
-        <p:nvSpPr>
-          <p:cNvPr id="4" name="Datumsplatzhalter 3"/>
-          <p:cNvSpPr>
-            <a:spLocks noGrp="1"/>
-          </p:cNvSpPr>
-          <p:nvPr>
-            <p:ph type="dt" sz="half" idx="10"/>
-          </p:nvPr>
-        </p:nvSpPr>
-        <p:spPr/>
-        <p:txBody>
-          <a:bodyPr/>
-          <a:lstStyle/>
-          <a:p>
-            <a:fld id="{F28AA535-8970-43D1-8AA3-230E19012874}" type="datetime1">
-              <a:rPr lang="de-AT" smtClean="0"/>
-              <a:t>05.06.2016</a:t>
-            </a:fld>
-            <a:endParaRPr lang="de-AT"/>
-          </a:p>
-        </p:txBody>
-      </p:sp>
-      <p:sp>
-        <p:nvSpPr>
-          <p:cNvPr id="5" name="Fußzeilenplatzhalter 4"/>
-          <p:cNvSpPr>
-            <a:spLocks noGrp="1"/>
-          </p:cNvSpPr>
-          <p:nvPr>
-            <p:ph type="ftr" sz="quarter" idx="11"/>
-          </p:nvPr>
-        </p:nvSpPr>
-        <p:spPr/>
-        <p:txBody>
-          <a:bodyPr/>
-          <a:lstStyle/>
-          <a:p>
-            <a:r>
-              <a:rPr lang="de-AT" smtClean="0"/>
-              <a:t>gridfs/@ahmdNasr</a:t>
-            </a:r>
-            <a:endParaRPr lang="de-AT"/>
-          </a:p>
-        </p:txBody>
-      </p:sp>
-      <p:sp>
-        <p:nvSpPr>
-          <p:cNvPr id="6" name="Foliennummernplatzhalter 5"/>
-          <p:cNvSpPr>
-            <a:spLocks noGrp="1"/>
-          </p:cNvSpPr>
-          <p:nvPr>
-            <p:ph type="sldNum" sz="quarter" idx="12"/>
-          </p:nvPr>
-        </p:nvSpPr>
-        <p:spPr/>
-        <p:txBody>
-          <a:bodyPr/>
-          <a:lstStyle/>
-          <a:p>
-            <a:fld id="{CFC86BB5-914F-4D34-B08D-E32203D6C1E7}" type="slidenum">
-              <a:rPr lang="de-AT" smtClean="0"/>
-              <a:t>13</a:t>
-            </a:fld>
-            <a:endParaRPr lang="de-AT"/>
-          </a:p>
-        </p:txBody>
-      </p:sp>
-    </p:spTree>
-    <p:extLst>
-      <p:ext uri="{BB962C8B-B14F-4D97-AF65-F5344CB8AC3E}">
-        <p14:creationId xmlns:p14="http://schemas.microsoft.com/office/powerpoint/2010/main" val="3813082898"/>
-      </p:ext>
-    </p:extLst>
-  </p:cSld>
-  <p:clrMapOvr>
-    <a:masterClrMapping/>
-  </p:clrMapOvr>
-</p:sld>
-</file>
-
-<file path=ppt/slides/slide14.xml><?xml version="1.0" encoding="utf-8"?>
-<p:sld xmlns:a="http://schemas.openxmlformats.org/drawingml/2006/main" xmlns:r="http://schemas.openxmlformats.org/officeDocument/2006/relationships" xmlns:p="http://schemas.openxmlformats.org/presentationml/2006/main">
-  <p:cSld>
-    <p:spTree>
-      <p:nvGrpSpPr>
-        <p:cNvPr id="1" name=""/>
-        <p:cNvGrpSpPr/>
-        <p:nvPr/>
-      </p:nvGrpSpPr>
-      <p:grpSpPr>
-        <a:xfrm>
-          <a:off x="0" y="0"/>
-          <a:ext cx="0" cy="0"/>
-          <a:chOff x="0" y="0"/>
-          <a:chExt cx="0" cy="0"/>
-        </a:xfrm>
-      </p:grpSpPr>
-      <p:sp>
-        <p:nvSpPr>
-          <p:cNvPr id="2" name="Titel 1"/>
-          <p:cNvSpPr>
-            <a:spLocks noGrp="1"/>
-          </p:cNvSpPr>
-          <p:nvPr>
-            <p:ph type="ctrTitle"/>
-          </p:nvPr>
-        </p:nvSpPr>
-        <p:spPr/>
-        <p:txBody>
-          <a:bodyPr/>
-          <a:lstStyle/>
-          <a:p>
-            <a:r>
-              <a:rPr lang="de-AT" dirty="0" err="1" smtClean="0"/>
-              <a:t>GridFS</a:t>
-            </a:r>
-            <a:endParaRPr lang="de-AT" dirty="0"/>
-          </a:p>
-        </p:txBody>
-      </p:sp>
-      <p:sp>
-        <p:nvSpPr>
-          <p:cNvPr id="3" name="Untertitel 2"/>
-          <p:cNvSpPr>
-            <a:spLocks noGrp="1"/>
-          </p:cNvSpPr>
-          <p:nvPr>
-            <p:ph type="subTitle" idx="1"/>
-          </p:nvPr>
-        </p:nvSpPr>
-        <p:spPr/>
-        <p:txBody>
-          <a:bodyPr/>
-          <a:lstStyle/>
-          <a:p>
-            <a:endParaRPr lang="de-AT" dirty="0"/>
-          </a:p>
-        </p:txBody>
-      </p:sp>
-      <p:sp>
-        <p:nvSpPr>
-          <p:cNvPr id="4" name="Datumsplatzhalter 3"/>
-          <p:cNvSpPr>
-            <a:spLocks noGrp="1"/>
-          </p:cNvSpPr>
-          <p:nvPr>
-            <p:ph type="dt" sz="half" idx="10"/>
-          </p:nvPr>
-        </p:nvSpPr>
-        <p:spPr/>
-        <p:txBody>
-          <a:bodyPr/>
-          <a:lstStyle/>
-          <a:p>
-            <a:fld id="{463CF693-082D-4757-968D-7DD2F893D12F}" type="datetime1">
-              <a:rPr lang="de-AT" smtClean="0"/>
-              <a:t>05.06.2016</a:t>
-            </a:fld>
-            <a:endParaRPr lang="de-AT"/>
-          </a:p>
-        </p:txBody>
-      </p:sp>
-      <p:sp>
-        <p:nvSpPr>
-          <p:cNvPr id="5" name="Fußzeilenplatzhalter 4"/>
-          <p:cNvSpPr>
-            <a:spLocks noGrp="1"/>
-          </p:cNvSpPr>
-          <p:nvPr>
-            <p:ph type="ftr" sz="quarter" idx="11"/>
-          </p:nvPr>
-        </p:nvSpPr>
-        <p:spPr/>
-        <p:txBody>
-          <a:bodyPr/>
-          <a:lstStyle/>
-          <a:p>
-            <a:r>
-              <a:rPr lang="de-AT" smtClean="0"/>
-              <a:t>gridfs/@ahmdNasr</a:t>
-            </a:r>
-            <a:endParaRPr lang="de-AT"/>
-          </a:p>
-        </p:txBody>
-      </p:sp>
-      <p:sp>
-        <p:nvSpPr>
-          <p:cNvPr id="6" name="Foliennummernplatzhalter 5"/>
-          <p:cNvSpPr>
-            <a:spLocks noGrp="1"/>
-          </p:cNvSpPr>
-          <p:nvPr>
-            <p:ph type="sldNum" sz="quarter" idx="12"/>
-          </p:nvPr>
-        </p:nvSpPr>
-        <p:spPr/>
-        <p:txBody>
-          <a:bodyPr/>
-          <a:lstStyle/>
-          <a:p>
-            <a:fld id="{CFC86BB5-914F-4D34-B08D-E32203D6C1E7}" type="slidenum">
-              <a:rPr lang="de-AT" smtClean="0"/>
-              <a:t>14</a:t>
-            </a:fld>
-            <a:endParaRPr lang="de-AT"/>
-          </a:p>
-        </p:txBody>
-      </p:sp>
-    </p:spTree>
-    <p:extLst>
-      <p:ext uri="{BB962C8B-B14F-4D97-AF65-F5344CB8AC3E}">
-        <p14:creationId xmlns:p14="http://schemas.microsoft.com/office/powerpoint/2010/main" val="2786447692"/>
-      </p:ext>
-    </p:extLst>
-  </p:cSld>
-  <p:clrMapOvr>
-    <a:masterClrMapping/>
-  </p:clrMapOvr>
-</p:sld>
-</file>
-
-<file path=ppt/slides/slide15.xml><?xml version="1.0" encoding="utf-8"?>
-<p:sld xmlns:a="http://schemas.openxmlformats.org/drawingml/2006/main" xmlns:r="http://schemas.openxmlformats.org/officeDocument/2006/relationships" xmlns:p="http://schemas.openxmlformats.org/presentationml/2006/main">
-  <p:cSld>
-    <p:spTree>
-      <p:nvGrpSpPr>
-        <p:cNvPr id="1" name=""/>
-        <p:cNvGrpSpPr/>
-        <p:nvPr/>
-      </p:nvGrpSpPr>
-      <p:grpSpPr>
-        <a:xfrm>
-          <a:off x="0" y="0"/>
-          <a:ext cx="0" cy="0"/>
-          <a:chOff x="0" y="0"/>
-          <a:chExt cx="0" cy="0"/>
-        </a:xfrm>
-      </p:grpSpPr>
-      <p:sp>
-        <p:nvSpPr>
-          <p:cNvPr id="2" name="Titel 1"/>
-          <p:cNvSpPr>
-            <a:spLocks noGrp="1"/>
-          </p:cNvSpPr>
-          <p:nvPr>
-            <p:ph type="ctrTitle"/>
-          </p:nvPr>
-        </p:nvSpPr>
-        <p:spPr/>
-        <p:txBody>
-          <a:bodyPr/>
-          <a:lstStyle/>
-          <a:p>
-            <a:r>
-              <a:rPr lang="de-AT" dirty="0" err="1" smtClean="0"/>
-              <a:t>GridFS</a:t>
-            </a:r>
-            <a:endParaRPr lang="de-AT" dirty="0"/>
-          </a:p>
-        </p:txBody>
-      </p:sp>
-      <p:sp>
-        <p:nvSpPr>
-          <p:cNvPr id="3" name="Untertitel 2"/>
-          <p:cNvSpPr>
-            <a:spLocks noGrp="1"/>
-          </p:cNvSpPr>
-          <p:nvPr>
-            <p:ph type="subTitle" idx="1"/>
-          </p:nvPr>
-        </p:nvSpPr>
-        <p:spPr/>
-        <p:txBody>
-          <a:bodyPr/>
-          <a:lstStyle/>
-          <a:p>
-            <a:endParaRPr lang="de-AT" dirty="0"/>
-          </a:p>
-        </p:txBody>
-      </p:sp>
-      <p:sp>
-        <p:nvSpPr>
-          <p:cNvPr id="4" name="Datumsplatzhalter 3"/>
-          <p:cNvSpPr>
-            <a:spLocks noGrp="1"/>
-          </p:cNvSpPr>
-          <p:nvPr>
-            <p:ph type="dt" sz="half" idx="10"/>
-          </p:nvPr>
-        </p:nvSpPr>
-        <p:spPr/>
-        <p:txBody>
-          <a:bodyPr/>
-          <a:lstStyle/>
-          <a:p>
-            <a:fld id="{CCCABD3C-E191-46A8-859B-EDC9B0AF28DC}" type="datetime1">
-              <a:rPr lang="de-AT" smtClean="0"/>
-              <a:t>05.06.2016</a:t>
-            </a:fld>
-            <a:endParaRPr lang="de-AT"/>
-          </a:p>
-        </p:txBody>
-      </p:sp>
-      <p:sp>
-        <p:nvSpPr>
-          <p:cNvPr id="5" name="Fußzeilenplatzhalter 4"/>
-          <p:cNvSpPr>
-            <a:spLocks noGrp="1"/>
-          </p:cNvSpPr>
-          <p:nvPr>
-            <p:ph type="ftr" sz="quarter" idx="11"/>
-          </p:nvPr>
-        </p:nvSpPr>
-        <p:spPr/>
-        <p:txBody>
-          <a:bodyPr/>
-          <a:lstStyle/>
-          <a:p>
-            <a:r>
-              <a:rPr lang="de-AT" smtClean="0"/>
-              <a:t>gridfs/@ahmdNasr</a:t>
-            </a:r>
-            <a:endParaRPr lang="de-AT"/>
-          </a:p>
-        </p:txBody>
-      </p:sp>
-      <p:sp>
-        <p:nvSpPr>
-          <p:cNvPr id="6" name="Foliennummernplatzhalter 5"/>
-          <p:cNvSpPr>
-            <a:spLocks noGrp="1"/>
-          </p:cNvSpPr>
-          <p:nvPr>
-            <p:ph type="sldNum" sz="quarter" idx="12"/>
-          </p:nvPr>
-        </p:nvSpPr>
-        <p:spPr/>
-        <p:txBody>
-          <a:bodyPr/>
-          <a:lstStyle/>
-          <a:p>
-            <a:fld id="{CFC86BB5-914F-4D34-B08D-E32203D6C1E7}" type="slidenum">
-              <a:rPr lang="de-AT" smtClean="0"/>
-              <a:t>15</a:t>
-            </a:fld>
-            <a:endParaRPr lang="de-AT"/>
-          </a:p>
-        </p:txBody>
-      </p:sp>
-    </p:spTree>
-    <p:extLst>
-      <p:ext uri="{BB962C8B-B14F-4D97-AF65-F5344CB8AC3E}">
-        <p14:creationId xmlns:p14="http://schemas.microsoft.com/office/powerpoint/2010/main" val="1534830246"/>
-      </p:ext>
-    </p:extLst>
-  </p:cSld>
-  <p:clrMapOvr>
-    <a:masterClrMapping/>
-  </p:clrMapOvr>
-</p:sld>
-</file>
-
-<file path=ppt/slides/slide16.xml><?xml version="1.0" encoding="utf-8"?>
-<p:sld xmlns:a="http://schemas.openxmlformats.org/drawingml/2006/main" xmlns:r="http://schemas.openxmlformats.org/officeDocument/2006/relationships" xmlns:p="http://schemas.openxmlformats.org/presentationml/2006/main">
-  <p:cSld>
-    <p:spTree>
-      <p:nvGrpSpPr>
-        <p:cNvPr id="1" name=""/>
-        <p:cNvGrpSpPr/>
-        <p:nvPr/>
-      </p:nvGrpSpPr>
-      <p:grpSpPr>
-        <a:xfrm>
-          <a:off x="0" y="0"/>
-          <a:ext cx="0" cy="0"/>
-          <a:chOff x="0" y="0"/>
-          <a:chExt cx="0" cy="0"/>
-        </a:xfrm>
-      </p:grpSpPr>
-      <p:sp>
-        <p:nvSpPr>
-          <p:cNvPr id="2" name="Titel 1"/>
-          <p:cNvSpPr>
-            <a:spLocks noGrp="1"/>
-          </p:cNvSpPr>
-          <p:nvPr>
-            <p:ph type="ctrTitle"/>
-          </p:nvPr>
-        </p:nvSpPr>
-        <p:spPr/>
-        <p:txBody>
-          <a:bodyPr/>
-          <a:lstStyle/>
-          <a:p>
-            <a:r>
-              <a:rPr lang="de-AT" dirty="0" err="1" smtClean="0"/>
-              <a:t>GridFS</a:t>
-            </a:r>
-            <a:endParaRPr lang="de-AT" dirty="0"/>
-          </a:p>
-        </p:txBody>
-      </p:sp>
-      <p:sp>
-        <p:nvSpPr>
-          <p:cNvPr id="3" name="Untertitel 2"/>
-          <p:cNvSpPr>
-            <a:spLocks noGrp="1"/>
-          </p:cNvSpPr>
-          <p:nvPr>
-            <p:ph type="subTitle" idx="1"/>
-          </p:nvPr>
-        </p:nvSpPr>
-        <p:spPr/>
-        <p:txBody>
-          <a:bodyPr/>
-          <a:lstStyle/>
-          <a:p>
-            <a:endParaRPr lang="de-AT" dirty="0"/>
-          </a:p>
-        </p:txBody>
-      </p:sp>
-      <p:sp>
-        <p:nvSpPr>
-          <p:cNvPr id="4" name="Datumsplatzhalter 3"/>
-          <p:cNvSpPr>
-            <a:spLocks noGrp="1"/>
-          </p:cNvSpPr>
-          <p:nvPr>
-            <p:ph type="dt" sz="half" idx="10"/>
-          </p:nvPr>
-        </p:nvSpPr>
-        <p:spPr/>
-        <p:txBody>
-          <a:bodyPr/>
-          <a:lstStyle/>
-          <a:p>
-            <a:fld id="{0D990ECA-12FC-48AB-BBEE-CBBB3202F761}" type="datetime1">
-              <a:rPr lang="de-AT" smtClean="0"/>
-              <a:t>05.06.2016</a:t>
-            </a:fld>
-            <a:endParaRPr lang="de-AT"/>
-          </a:p>
-        </p:txBody>
-      </p:sp>
-      <p:sp>
-        <p:nvSpPr>
-          <p:cNvPr id="5" name="Fußzeilenplatzhalter 4"/>
-          <p:cNvSpPr>
-            <a:spLocks noGrp="1"/>
-          </p:cNvSpPr>
-          <p:nvPr>
-            <p:ph type="ftr" sz="quarter" idx="11"/>
-          </p:nvPr>
-        </p:nvSpPr>
-        <p:spPr/>
-        <p:txBody>
-          <a:bodyPr/>
-          <a:lstStyle/>
-          <a:p>
-            <a:r>
-              <a:rPr lang="de-AT" smtClean="0"/>
-              <a:t>gridfs/@ahmdNasr</a:t>
-            </a:r>
-            <a:endParaRPr lang="de-AT"/>
-          </a:p>
-        </p:txBody>
-      </p:sp>
-      <p:sp>
-        <p:nvSpPr>
-          <p:cNvPr id="6" name="Foliennummernplatzhalter 5"/>
-          <p:cNvSpPr>
-            <a:spLocks noGrp="1"/>
-          </p:cNvSpPr>
-          <p:nvPr>
-            <p:ph type="sldNum" sz="quarter" idx="12"/>
-          </p:nvPr>
-        </p:nvSpPr>
-        <p:spPr/>
-        <p:txBody>
-          <a:bodyPr/>
-          <a:lstStyle/>
-          <a:p>
-            <a:fld id="{CFC86BB5-914F-4D34-B08D-E32203D6C1E7}" type="slidenum">
-              <a:rPr lang="de-AT" smtClean="0"/>
-              <a:t>16</a:t>
-            </a:fld>
-            <a:endParaRPr lang="de-AT"/>
-          </a:p>
-        </p:txBody>
-      </p:sp>
-    </p:spTree>
-    <p:extLst>
-      <p:ext uri="{BB962C8B-B14F-4D97-AF65-F5344CB8AC3E}">
-        <p14:creationId xmlns:p14="http://schemas.microsoft.com/office/powerpoint/2010/main" val="1761638062"/>
-      </p:ext>
-    </p:extLst>
-  </p:cSld>
-  <p:clrMapOvr>
-    <a:masterClrMapping/>
-  </p:clrMapOvr>
-</p:sld>
-</file>
-
-<file path=ppt/slides/slide17.xml><?xml version="1.0" encoding="utf-8"?>
-<p:sld xmlns:a="http://schemas.openxmlformats.org/drawingml/2006/main" xmlns:r="http://schemas.openxmlformats.org/officeDocument/2006/relationships" xmlns:p="http://schemas.openxmlformats.org/presentationml/2006/main">
-  <p:cSld>
-    <p:spTree>
-      <p:nvGrpSpPr>
-        <p:cNvPr id="1" name=""/>
-        <p:cNvGrpSpPr/>
-        <p:nvPr/>
-      </p:nvGrpSpPr>
-      <p:grpSpPr>
-        <a:xfrm>
-          <a:off x="0" y="0"/>
-          <a:ext cx="0" cy="0"/>
-          <a:chOff x="0" y="0"/>
-          <a:chExt cx="0" cy="0"/>
-        </a:xfrm>
-      </p:grpSpPr>
-      <p:sp>
-        <p:nvSpPr>
-          <p:cNvPr id="2" name="Titel 1"/>
-          <p:cNvSpPr>
-            <a:spLocks noGrp="1"/>
-          </p:cNvSpPr>
-          <p:nvPr>
-            <p:ph type="ctrTitle"/>
-          </p:nvPr>
-        </p:nvSpPr>
-        <p:spPr/>
-        <p:txBody>
-          <a:bodyPr/>
-          <a:lstStyle/>
-          <a:p>
-            <a:r>
-              <a:rPr lang="de-AT" dirty="0" err="1" smtClean="0"/>
-              <a:t>GridFS</a:t>
-            </a:r>
-            <a:endParaRPr lang="de-AT" dirty="0"/>
-          </a:p>
-        </p:txBody>
-      </p:sp>
-      <p:sp>
-        <p:nvSpPr>
-          <p:cNvPr id="3" name="Untertitel 2"/>
-          <p:cNvSpPr>
-            <a:spLocks noGrp="1"/>
-          </p:cNvSpPr>
-          <p:nvPr>
-            <p:ph type="subTitle" idx="1"/>
-          </p:nvPr>
-        </p:nvSpPr>
-        <p:spPr/>
-        <p:txBody>
-          <a:bodyPr/>
-          <a:lstStyle/>
-          <a:p>
-            <a:endParaRPr lang="de-AT" dirty="0"/>
-          </a:p>
-        </p:txBody>
-      </p:sp>
-      <p:sp>
-        <p:nvSpPr>
-          <p:cNvPr id="4" name="Datumsplatzhalter 3"/>
-          <p:cNvSpPr>
-            <a:spLocks noGrp="1"/>
-          </p:cNvSpPr>
-          <p:nvPr>
-            <p:ph type="dt" sz="half" idx="10"/>
-          </p:nvPr>
-        </p:nvSpPr>
-        <p:spPr/>
-        <p:txBody>
-          <a:bodyPr/>
-          <a:lstStyle/>
-          <a:p>
-            <a:fld id="{500244E2-5C10-4D44-9A15-14941A7C11D5}" type="datetime1">
-              <a:rPr lang="de-AT" smtClean="0"/>
-              <a:t>05.06.2016</a:t>
-            </a:fld>
-            <a:endParaRPr lang="de-AT"/>
-          </a:p>
-        </p:txBody>
-      </p:sp>
-      <p:sp>
-        <p:nvSpPr>
-          <p:cNvPr id="5" name="Fußzeilenplatzhalter 4"/>
-          <p:cNvSpPr>
-            <a:spLocks noGrp="1"/>
-          </p:cNvSpPr>
-          <p:nvPr>
-            <p:ph type="ftr" sz="quarter" idx="11"/>
-          </p:nvPr>
-        </p:nvSpPr>
-        <p:spPr/>
-        <p:txBody>
-          <a:bodyPr/>
-          <a:lstStyle/>
-          <a:p>
-            <a:r>
-              <a:rPr lang="de-AT" smtClean="0"/>
-              <a:t>gridfs/@ahmdNasr</a:t>
-            </a:r>
-            <a:endParaRPr lang="de-AT"/>
-          </a:p>
-        </p:txBody>
-      </p:sp>
-      <p:sp>
-        <p:nvSpPr>
-          <p:cNvPr id="6" name="Foliennummernplatzhalter 5"/>
-          <p:cNvSpPr>
-            <a:spLocks noGrp="1"/>
-          </p:cNvSpPr>
-          <p:nvPr>
-            <p:ph type="sldNum" sz="quarter" idx="12"/>
-          </p:nvPr>
-        </p:nvSpPr>
-        <p:spPr/>
-        <p:txBody>
-          <a:bodyPr/>
-          <a:lstStyle/>
-          <a:p>
-            <a:fld id="{CFC86BB5-914F-4D34-B08D-E32203D6C1E7}" type="slidenum">
-              <a:rPr lang="de-AT" smtClean="0"/>
-              <a:t>17</a:t>
-            </a:fld>
-            <a:endParaRPr lang="de-AT"/>
-          </a:p>
-        </p:txBody>
-      </p:sp>
-    </p:spTree>
-    <p:extLst>
-      <p:ext uri="{BB962C8B-B14F-4D97-AF65-F5344CB8AC3E}">
-        <p14:creationId xmlns:p14="http://schemas.microsoft.com/office/powerpoint/2010/main" val="2661625817"/>
-      </p:ext>
-    </p:extLst>
-  </p:cSld>
-  <p:clrMapOvr>
-    <a:masterClrMapping/>
-  </p:clrMapOvr>
-</p:sld>
-</file>
-
-<file path=ppt/slides/slide18.xml><?xml version="1.0" encoding="utf-8"?>
-<p:sld xmlns:a="http://schemas.openxmlformats.org/drawingml/2006/main" xmlns:r="http://schemas.openxmlformats.org/officeDocument/2006/relationships" xmlns:p="http://schemas.openxmlformats.org/presentationml/2006/main">
-  <p:cSld>
-    <p:spTree>
-      <p:nvGrpSpPr>
-        <p:cNvPr id="1" name=""/>
-        <p:cNvGrpSpPr/>
-        <p:nvPr/>
-      </p:nvGrpSpPr>
-      <p:grpSpPr>
-        <a:xfrm>
-          <a:off x="0" y="0"/>
-          <a:ext cx="0" cy="0"/>
-          <a:chOff x="0" y="0"/>
-          <a:chExt cx="0" cy="0"/>
-        </a:xfrm>
-      </p:grpSpPr>
-      <p:sp>
-        <p:nvSpPr>
-          <p:cNvPr id="2" name="Titel 1"/>
-          <p:cNvSpPr>
-            <a:spLocks noGrp="1"/>
-          </p:cNvSpPr>
-          <p:nvPr>
-            <p:ph type="ctrTitle"/>
-          </p:nvPr>
-        </p:nvSpPr>
-        <p:spPr/>
-        <p:txBody>
-          <a:bodyPr/>
-          <a:lstStyle/>
-          <a:p>
-            <a:r>
-              <a:rPr lang="de-AT" dirty="0" err="1" smtClean="0"/>
-              <a:t>GridFS</a:t>
-            </a:r>
-            <a:endParaRPr lang="de-AT" dirty="0"/>
-          </a:p>
-        </p:txBody>
-      </p:sp>
-      <p:sp>
-        <p:nvSpPr>
-          <p:cNvPr id="3" name="Untertitel 2"/>
-          <p:cNvSpPr>
-            <a:spLocks noGrp="1"/>
-          </p:cNvSpPr>
-          <p:nvPr>
-            <p:ph type="subTitle" idx="1"/>
-          </p:nvPr>
-        </p:nvSpPr>
-        <p:spPr/>
-        <p:txBody>
-          <a:bodyPr/>
-          <a:lstStyle/>
-          <a:p>
-            <a:endParaRPr lang="de-AT" dirty="0"/>
-          </a:p>
-        </p:txBody>
-      </p:sp>
-      <p:sp>
-        <p:nvSpPr>
-          <p:cNvPr id="4" name="Datumsplatzhalter 3"/>
-          <p:cNvSpPr>
-            <a:spLocks noGrp="1"/>
-          </p:cNvSpPr>
-          <p:nvPr>
-            <p:ph type="dt" sz="half" idx="10"/>
-          </p:nvPr>
-        </p:nvSpPr>
-        <p:spPr/>
-        <p:txBody>
-          <a:bodyPr/>
-          <a:lstStyle/>
-          <a:p>
-            <a:fld id="{D7CDD9AE-2E7E-4169-A4A6-6394EFE596C7}" type="datetime1">
-              <a:rPr lang="de-AT" smtClean="0"/>
-              <a:t>05.06.2016</a:t>
-            </a:fld>
-            <a:endParaRPr lang="de-AT"/>
-          </a:p>
-        </p:txBody>
-      </p:sp>
-      <p:sp>
-        <p:nvSpPr>
-          <p:cNvPr id="5" name="Fußzeilenplatzhalter 4"/>
-          <p:cNvSpPr>
-            <a:spLocks noGrp="1"/>
-          </p:cNvSpPr>
-          <p:nvPr>
-            <p:ph type="ftr" sz="quarter" idx="11"/>
-          </p:nvPr>
-        </p:nvSpPr>
-        <p:spPr/>
-        <p:txBody>
-          <a:bodyPr/>
-          <a:lstStyle/>
-          <a:p>
-            <a:r>
-              <a:rPr lang="de-AT" smtClean="0"/>
-              <a:t>gridfs/@ahmdNasr</a:t>
-            </a:r>
-            <a:endParaRPr lang="de-AT"/>
-          </a:p>
-        </p:txBody>
-      </p:sp>
-      <p:sp>
-        <p:nvSpPr>
-          <p:cNvPr id="6" name="Foliennummernplatzhalter 5"/>
-          <p:cNvSpPr>
-            <a:spLocks noGrp="1"/>
-          </p:cNvSpPr>
-          <p:nvPr>
-            <p:ph type="sldNum" sz="quarter" idx="12"/>
-          </p:nvPr>
-        </p:nvSpPr>
-        <p:spPr/>
-        <p:txBody>
-          <a:bodyPr/>
-          <a:lstStyle/>
-          <a:p>
-            <a:fld id="{CFC86BB5-914F-4D34-B08D-E32203D6C1E7}" type="slidenum">
-              <a:rPr lang="de-AT" smtClean="0"/>
-              <a:t>18</a:t>
-            </a:fld>
-            <a:endParaRPr lang="de-AT"/>
-          </a:p>
-        </p:txBody>
-      </p:sp>
-    </p:spTree>
-    <p:extLst>
-      <p:ext uri="{BB962C8B-B14F-4D97-AF65-F5344CB8AC3E}">
-        <p14:creationId xmlns:p14="http://schemas.microsoft.com/office/powerpoint/2010/main" val="3104352450"/>
-      </p:ext>
-    </p:extLst>
-  </p:cSld>
-  <p:clrMapOvr>
-    <a:masterClrMapping/>
-  </p:clrMapOvr>
-</p:sld>
-</file>
-
-<file path=ppt/slides/slide19.xml><?xml version="1.0" encoding="utf-8"?>
-<p:sld xmlns:a="http://schemas.openxmlformats.org/drawingml/2006/main" xmlns:r="http://schemas.openxmlformats.org/officeDocument/2006/relationships" xmlns:p="http://schemas.openxmlformats.org/presentationml/2006/main">
-  <p:cSld>
-    <p:spTree>
-      <p:nvGrpSpPr>
-        <p:cNvPr id="1" name=""/>
-        <p:cNvGrpSpPr/>
-        <p:nvPr/>
-      </p:nvGrpSpPr>
-      <p:grpSpPr>
-        <a:xfrm>
-          <a:off x="0" y="0"/>
-          <a:ext cx="0" cy="0"/>
-          <a:chOff x="0" y="0"/>
-          <a:chExt cx="0" cy="0"/>
-        </a:xfrm>
-      </p:grpSpPr>
-      <p:sp>
-        <p:nvSpPr>
-          <p:cNvPr id="2" name="Titel 1"/>
-          <p:cNvSpPr>
-            <a:spLocks noGrp="1"/>
-          </p:cNvSpPr>
-          <p:nvPr>
-            <p:ph type="ctrTitle"/>
-          </p:nvPr>
-        </p:nvSpPr>
-        <p:spPr/>
-        <p:txBody>
-          <a:bodyPr/>
-          <a:lstStyle/>
-          <a:p>
-            <a:r>
-              <a:rPr lang="de-AT" dirty="0" err="1" smtClean="0"/>
-              <a:t>GridFS</a:t>
-            </a:r>
-            <a:endParaRPr lang="de-AT" dirty="0"/>
-          </a:p>
-        </p:txBody>
-      </p:sp>
-      <p:sp>
-        <p:nvSpPr>
-          <p:cNvPr id="3" name="Untertitel 2"/>
-          <p:cNvSpPr>
-            <a:spLocks noGrp="1"/>
-          </p:cNvSpPr>
-          <p:nvPr>
-            <p:ph type="subTitle" idx="1"/>
-          </p:nvPr>
-        </p:nvSpPr>
-        <p:spPr/>
-        <p:txBody>
-          <a:bodyPr/>
-          <a:lstStyle/>
-          <a:p>
-            <a:endParaRPr lang="de-AT" dirty="0"/>
-          </a:p>
-        </p:txBody>
-      </p:sp>
-      <p:sp>
-        <p:nvSpPr>
-          <p:cNvPr id="4" name="Datumsplatzhalter 3"/>
-          <p:cNvSpPr>
-            <a:spLocks noGrp="1"/>
-          </p:cNvSpPr>
-          <p:nvPr>
-            <p:ph type="dt" sz="half" idx="10"/>
-          </p:nvPr>
-        </p:nvSpPr>
-        <p:spPr/>
-        <p:txBody>
-          <a:bodyPr/>
-          <a:lstStyle/>
-          <a:p>
-            <a:fld id="{DC827300-1039-4537-9D91-F50882F1AD63}" type="datetime1">
-              <a:rPr lang="de-AT" smtClean="0"/>
-              <a:t>05.06.2016</a:t>
-            </a:fld>
-            <a:endParaRPr lang="de-AT"/>
-          </a:p>
-        </p:txBody>
-      </p:sp>
-      <p:sp>
-        <p:nvSpPr>
-          <p:cNvPr id="5" name="Fußzeilenplatzhalter 4"/>
-          <p:cNvSpPr>
-            <a:spLocks noGrp="1"/>
-          </p:cNvSpPr>
-          <p:nvPr>
-            <p:ph type="ftr" sz="quarter" idx="11"/>
-          </p:nvPr>
-        </p:nvSpPr>
-        <p:spPr/>
-        <p:txBody>
-          <a:bodyPr/>
-          <a:lstStyle/>
-          <a:p>
-            <a:r>
-              <a:rPr lang="de-AT" smtClean="0"/>
-              <a:t>gridfs/@ahmdNasr</a:t>
-            </a:r>
-            <a:endParaRPr lang="de-AT"/>
-          </a:p>
-        </p:txBody>
-      </p:sp>
-      <p:sp>
-        <p:nvSpPr>
-          <p:cNvPr id="6" name="Foliennummernplatzhalter 5"/>
-          <p:cNvSpPr>
-            <a:spLocks noGrp="1"/>
-          </p:cNvSpPr>
-          <p:nvPr>
-            <p:ph type="sldNum" sz="quarter" idx="12"/>
-          </p:nvPr>
-        </p:nvSpPr>
-        <p:spPr/>
-        <p:txBody>
-          <a:bodyPr/>
-          <a:lstStyle/>
-          <a:p>
-            <a:fld id="{CFC86BB5-914F-4D34-B08D-E32203D6C1E7}" type="slidenum">
-              <a:rPr lang="de-AT" smtClean="0"/>
-              <a:t>19</a:t>
-            </a:fld>
-            <a:endParaRPr lang="de-AT"/>
-          </a:p>
-        </p:txBody>
-      </p:sp>
-    </p:spTree>
-    <p:extLst>
-      <p:ext uri="{BB962C8B-B14F-4D97-AF65-F5344CB8AC3E}">
-        <p14:creationId xmlns:p14="http://schemas.microsoft.com/office/powerpoint/2010/main" val="1356540370"/>
-      </p:ext>
-    </p:extLst>
-  </p:cSld>
-  <p:clrMapOvr>
-    <a:masterClrMapping/>
-  </p:clrMapOvr>
+  <p:timing>
+    <p:tnLst>
+      <p:par>
+        <p:cTn id="1" dur="indefinite" restart="never" nodeType="tmRoot"/>
+      </p:par>
+    </p:tnLst>
+  </p:timing>
 </p:sld>
 </file>
 
@@ -4964,44 +4006,82 @@
             <a:spLocks noGrp="1"/>
           </p:cNvSpPr>
           <p:nvPr>
-            <p:ph type="ctrTitle"/>
-          </p:nvPr>
-        </p:nvSpPr>
-        <p:spPr/>
-        <p:txBody>
-          <a:bodyPr/>
-          <a:lstStyle/>
-          <a:p>
+            <p:ph type="title"/>
+          </p:nvPr>
+        </p:nvSpPr>
+        <p:spPr/>
+        <p:txBody>
+          <a:bodyPr/>
+          <a:lstStyle/>
+          <a:p>
+            <a:r>
+              <a:rPr lang="de-AT" dirty="0" smtClean="0"/>
+              <a:t>Inhalt</a:t>
+            </a:r>
+            <a:endParaRPr lang="de-AT" dirty="0"/>
+          </a:p>
+        </p:txBody>
+      </p:sp>
+      <p:sp>
+        <p:nvSpPr>
+          <p:cNvPr id="3" name="Inhaltsplatzhalter 2"/>
+          <p:cNvSpPr>
+            <a:spLocks noGrp="1"/>
+          </p:cNvSpPr>
+          <p:nvPr>
+            <p:ph idx="1"/>
+          </p:nvPr>
+        </p:nvSpPr>
+        <p:spPr/>
+        <p:txBody>
+          <a:bodyPr/>
+          <a:lstStyle/>
+          <a:p>
+            <a:r>
+              <a:rPr lang="de-AT" dirty="0" smtClean="0"/>
+              <a:t>Was ist hier los?</a:t>
+            </a:r>
+          </a:p>
+          <a:p>
+            <a:r>
+              <a:rPr lang="de-AT" dirty="0" smtClean="0"/>
+              <a:t>Wozu </a:t>
+            </a:r>
             <a:r>
               <a:rPr lang="de-AT" dirty="0" err="1" smtClean="0"/>
-              <a:t>GridFS</a:t>
-            </a:r>
+              <a:t>digga</a:t>
+            </a:r>
+            <a:r>
+              <a:rPr lang="de-AT" dirty="0" smtClean="0"/>
+              <a:t>?</a:t>
+            </a:r>
+          </a:p>
+          <a:p>
+            <a:r>
+              <a:rPr lang="de-AT" dirty="0" smtClean="0"/>
+              <a:t>Wie funktioniert das?</a:t>
+            </a:r>
+          </a:p>
+          <a:p>
+            <a:r>
+              <a:rPr lang="de-AT" dirty="0" smtClean="0"/>
+              <a:t>Zeig mal her!</a:t>
+            </a:r>
+          </a:p>
+          <a:p>
+            <a:endParaRPr lang="de-AT" dirty="0" smtClean="0"/>
+          </a:p>
+          <a:p>
+            <a:endParaRPr lang="de-AT" dirty="0" smtClean="0"/>
+          </a:p>
+          <a:p>
             <a:endParaRPr lang="de-AT" dirty="0"/>
           </a:p>
         </p:txBody>
       </p:sp>
       <p:sp>
         <p:nvSpPr>
-          <p:cNvPr id="3" name="Untertitel 2"/>
-          <p:cNvSpPr>
-            <a:spLocks noGrp="1"/>
-          </p:cNvSpPr>
-          <p:nvPr>
-            <p:ph type="subTitle" idx="1"/>
-          </p:nvPr>
-        </p:nvSpPr>
-        <p:spPr/>
-        <p:txBody>
-          <a:bodyPr/>
-          <a:lstStyle/>
-          <a:p>
-            <a:endParaRPr lang="de-AT" dirty="0"/>
-          </a:p>
-        </p:txBody>
-      </p:sp>
-      <p:sp>
-        <p:nvSpPr>
-          <p:cNvPr id="4" name="Datumsplatzhalter 3"/>
+          <p:cNvPr id="5" name="Datumsplatzhalter 4"/>
           <p:cNvSpPr>
             <a:spLocks noGrp="1"/>
           </p:cNvSpPr>
@@ -5014,7 +4094,7 @@
           <a:bodyPr/>
           <a:lstStyle/>
           <a:p>
-            <a:fld id="{3604E51B-C4DB-4571-AF05-5DF12C1575D7}" type="datetime1">
+            <a:fld id="{5C7DDACF-EFCC-437E-AD5E-2E10AF2282D0}" type="datetime1">
               <a:rPr lang="de-AT" smtClean="0"/>
               <a:t>05.06.2016</a:t>
             </a:fld>
@@ -5024,7 +4104,7 @@
       </p:sp>
       <p:sp>
         <p:nvSpPr>
-          <p:cNvPr id="5" name="Fußzeilenplatzhalter 4"/>
+          <p:cNvPr id="6" name="Fußzeilenplatzhalter 5"/>
           <p:cNvSpPr>
             <a:spLocks noGrp="1"/>
           </p:cNvSpPr>
@@ -5047,7 +4127,7 @@
       </p:sp>
       <p:sp>
         <p:nvSpPr>
-          <p:cNvPr id="6" name="Foliennummernplatzhalter 5"/>
+          <p:cNvPr id="7" name="Foliennummernplatzhalter 6"/>
           <p:cNvSpPr>
             <a:spLocks noGrp="1"/>
           </p:cNvSpPr>
@@ -5068,1426 +4148,64 @@
           </a:p>
         </p:txBody>
       </p:sp>
+      <p:pic>
+        <p:nvPicPr>
+          <p:cNvPr id="9" name="Picture 2" descr="https://dittmarconsulting.files.wordpress.com/2012/02/gridfs.png"/>
+          <p:cNvPicPr>
+            <a:picLocks noChangeAspect="1" noChangeArrowheads="1"/>
+          </p:cNvPicPr>
+          <p:nvPr/>
+        </p:nvPicPr>
+        <p:blipFill>
+          <a:blip r:embed="rId2">
+            <a:extLst>
+              <a:ext uri="{28A0092B-C50C-407E-A947-70E740481C1C}">
+                <a14:useLocalDpi xmlns:a14="http://schemas.microsoft.com/office/drawing/2010/main" val="0"/>
+              </a:ext>
+            </a:extLst>
+          </a:blip>
+          <a:srcRect/>
+          <a:stretch>
+            <a:fillRect/>
+          </a:stretch>
+        </p:blipFill>
+        <p:spPr bwMode="auto">
+          <a:xfrm>
+            <a:off x="6638925" y="0"/>
+            <a:ext cx="5553075" cy="1314451"/>
+          </a:xfrm>
+          <a:prstGeom prst="rect">
+            <a:avLst/>
+          </a:prstGeom>
+          <a:noFill/>
+          <a:extLst>
+            <a:ext uri="{909E8E84-426E-40DD-AFC4-6F175D3DCCD1}">
+              <a14:hiddenFill xmlns:a14="http://schemas.microsoft.com/office/drawing/2010/main">
+                <a:solidFill>
+                  <a:srgbClr val="FFFFFF"/>
+                </a:solidFill>
+              </a14:hiddenFill>
+            </a:ext>
+          </a:extLst>
+        </p:spPr>
+      </p:pic>
     </p:spTree>
     <p:extLst>
       <p:ext uri="{BB962C8B-B14F-4D97-AF65-F5344CB8AC3E}">
-        <p14:creationId xmlns:p14="http://schemas.microsoft.com/office/powerpoint/2010/main" val="4247329183"/>
+        <p14:creationId xmlns:p14="http://schemas.microsoft.com/office/powerpoint/2010/main" val="2072491755"/>
       </p:ext>
     </p:extLst>
   </p:cSld>
   <p:clrMapOvr>
     <a:masterClrMapping/>
   </p:clrMapOvr>
-</p:sld>
-</file>
-
-<file path=ppt/slides/slide20.xml><?xml version="1.0" encoding="utf-8"?>
-<p:sld xmlns:a="http://schemas.openxmlformats.org/drawingml/2006/main" xmlns:r="http://schemas.openxmlformats.org/officeDocument/2006/relationships" xmlns:p="http://schemas.openxmlformats.org/presentationml/2006/main">
-  <p:cSld>
-    <p:spTree>
-      <p:nvGrpSpPr>
-        <p:cNvPr id="1" name=""/>
-        <p:cNvGrpSpPr/>
-        <p:nvPr/>
-      </p:nvGrpSpPr>
-      <p:grpSpPr>
-        <a:xfrm>
-          <a:off x="0" y="0"/>
-          <a:ext cx="0" cy="0"/>
-          <a:chOff x="0" y="0"/>
-          <a:chExt cx="0" cy="0"/>
-        </a:xfrm>
-      </p:grpSpPr>
-      <p:sp>
-        <p:nvSpPr>
-          <p:cNvPr id="2" name="Titel 1"/>
-          <p:cNvSpPr>
-            <a:spLocks noGrp="1"/>
-          </p:cNvSpPr>
-          <p:nvPr>
-            <p:ph type="ctrTitle"/>
-          </p:nvPr>
-        </p:nvSpPr>
-        <p:spPr/>
-        <p:txBody>
-          <a:bodyPr/>
-          <a:lstStyle/>
-          <a:p>
-            <a:r>
-              <a:rPr lang="de-AT" dirty="0" err="1" smtClean="0"/>
-              <a:t>GridFS</a:t>
-            </a:r>
-            <a:endParaRPr lang="de-AT" dirty="0"/>
-          </a:p>
-        </p:txBody>
-      </p:sp>
-      <p:sp>
-        <p:nvSpPr>
-          <p:cNvPr id="3" name="Untertitel 2"/>
-          <p:cNvSpPr>
-            <a:spLocks noGrp="1"/>
-          </p:cNvSpPr>
-          <p:nvPr>
-            <p:ph type="subTitle" idx="1"/>
-          </p:nvPr>
-        </p:nvSpPr>
-        <p:spPr/>
-        <p:txBody>
-          <a:bodyPr/>
-          <a:lstStyle/>
-          <a:p>
-            <a:endParaRPr lang="de-AT" dirty="0"/>
-          </a:p>
-        </p:txBody>
-      </p:sp>
-      <p:sp>
-        <p:nvSpPr>
-          <p:cNvPr id="4" name="Datumsplatzhalter 3"/>
-          <p:cNvSpPr>
-            <a:spLocks noGrp="1"/>
-          </p:cNvSpPr>
-          <p:nvPr>
-            <p:ph type="dt" sz="half" idx="10"/>
-          </p:nvPr>
-        </p:nvSpPr>
-        <p:spPr/>
-        <p:txBody>
-          <a:bodyPr/>
-          <a:lstStyle/>
-          <a:p>
-            <a:fld id="{B2609B3B-AD8E-494C-9E9D-A35D4A192F4A}" type="datetime1">
-              <a:rPr lang="de-AT" smtClean="0"/>
-              <a:t>05.06.2016</a:t>
-            </a:fld>
-            <a:endParaRPr lang="de-AT"/>
-          </a:p>
-        </p:txBody>
-      </p:sp>
-      <p:sp>
-        <p:nvSpPr>
-          <p:cNvPr id="5" name="Fußzeilenplatzhalter 4"/>
-          <p:cNvSpPr>
-            <a:spLocks noGrp="1"/>
-          </p:cNvSpPr>
-          <p:nvPr>
-            <p:ph type="ftr" sz="quarter" idx="11"/>
-          </p:nvPr>
-        </p:nvSpPr>
-        <p:spPr/>
-        <p:txBody>
-          <a:bodyPr/>
-          <a:lstStyle/>
-          <a:p>
-            <a:r>
-              <a:rPr lang="de-AT" smtClean="0"/>
-              <a:t>gridfs/@ahmdNasr</a:t>
-            </a:r>
-            <a:endParaRPr lang="de-AT"/>
-          </a:p>
-        </p:txBody>
-      </p:sp>
-      <p:sp>
-        <p:nvSpPr>
-          <p:cNvPr id="6" name="Foliennummernplatzhalter 5"/>
-          <p:cNvSpPr>
-            <a:spLocks noGrp="1"/>
-          </p:cNvSpPr>
-          <p:nvPr>
-            <p:ph type="sldNum" sz="quarter" idx="12"/>
-          </p:nvPr>
-        </p:nvSpPr>
-        <p:spPr/>
-        <p:txBody>
-          <a:bodyPr/>
-          <a:lstStyle/>
-          <a:p>
-            <a:fld id="{CFC86BB5-914F-4D34-B08D-E32203D6C1E7}" type="slidenum">
-              <a:rPr lang="de-AT" smtClean="0"/>
-              <a:t>20</a:t>
-            </a:fld>
-            <a:endParaRPr lang="de-AT"/>
-          </a:p>
-        </p:txBody>
-      </p:sp>
-    </p:spTree>
-    <p:extLst>
-      <p:ext uri="{BB962C8B-B14F-4D97-AF65-F5344CB8AC3E}">
-        <p14:creationId xmlns:p14="http://schemas.microsoft.com/office/powerpoint/2010/main" val="3575025604"/>
-      </p:ext>
-    </p:extLst>
-  </p:cSld>
-  <p:clrMapOvr>
-    <a:masterClrMapping/>
-  </p:clrMapOvr>
-</p:sld>
-</file>
-
-<file path=ppt/slides/slide21.xml><?xml version="1.0" encoding="utf-8"?>
-<p:sld xmlns:a="http://schemas.openxmlformats.org/drawingml/2006/main" xmlns:r="http://schemas.openxmlformats.org/officeDocument/2006/relationships" xmlns:p="http://schemas.openxmlformats.org/presentationml/2006/main">
-  <p:cSld>
-    <p:spTree>
-      <p:nvGrpSpPr>
-        <p:cNvPr id="1" name=""/>
-        <p:cNvGrpSpPr/>
-        <p:nvPr/>
-      </p:nvGrpSpPr>
-      <p:grpSpPr>
-        <a:xfrm>
-          <a:off x="0" y="0"/>
-          <a:ext cx="0" cy="0"/>
-          <a:chOff x="0" y="0"/>
-          <a:chExt cx="0" cy="0"/>
-        </a:xfrm>
-      </p:grpSpPr>
-      <p:sp>
-        <p:nvSpPr>
-          <p:cNvPr id="2" name="Titel 1"/>
-          <p:cNvSpPr>
-            <a:spLocks noGrp="1"/>
-          </p:cNvSpPr>
-          <p:nvPr>
-            <p:ph type="ctrTitle"/>
-          </p:nvPr>
-        </p:nvSpPr>
-        <p:spPr/>
-        <p:txBody>
-          <a:bodyPr/>
-          <a:lstStyle/>
-          <a:p>
-            <a:r>
-              <a:rPr lang="de-AT" dirty="0" err="1" smtClean="0"/>
-              <a:t>GridFS</a:t>
-            </a:r>
-            <a:endParaRPr lang="de-AT" dirty="0"/>
-          </a:p>
-        </p:txBody>
-      </p:sp>
-      <p:sp>
-        <p:nvSpPr>
-          <p:cNvPr id="3" name="Untertitel 2"/>
-          <p:cNvSpPr>
-            <a:spLocks noGrp="1"/>
-          </p:cNvSpPr>
-          <p:nvPr>
-            <p:ph type="subTitle" idx="1"/>
-          </p:nvPr>
-        </p:nvSpPr>
-        <p:spPr/>
-        <p:txBody>
-          <a:bodyPr/>
-          <a:lstStyle/>
-          <a:p>
-            <a:endParaRPr lang="de-AT" dirty="0"/>
-          </a:p>
-        </p:txBody>
-      </p:sp>
-      <p:sp>
-        <p:nvSpPr>
-          <p:cNvPr id="4" name="Datumsplatzhalter 3"/>
-          <p:cNvSpPr>
-            <a:spLocks noGrp="1"/>
-          </p:cNvSpPr>
-          <p:nvPr>
-            <p:ph type="dt" sz="half" idx="10"/>
-          </p:nvPr>
-        </p:nvSpPr>
-        <p:spPr/>
-        <p:txBody>
-          <a:bodyPr/>
-          <a:lstStyle/>
-          <a:p>
-            <a:fld id="{CBD28D62-6142-4EC1-8624-E25B442F451A}" type="datetime1">
-              <a:rPr lang="de-AT" smtClean="0"/>
-              <a:t>05.06.2016</a:t>
-            </a:fld>
-            <a:endParaRPr lang="de-AT"/>
-          </a:p>
-        </p:txBody>
-      </p:sp>
-      <p:sp>
-        <p:nvSpPr>
-          <p:cNvPr id="5" name="Fußzeilenplatzhalter 4"/>
-          <p:cNvSpPr>
-            <a:spLocks noGrp="1"/>
-          </p:cNvSpPr>
-          <p:nvPr>
-            <p:ph type="ftr" sz="quarter" idx="11"/>
-          </p:nvPr>
-        </p:nvSpPr>
-        <p:spPr/>
-        <p:txBody>
-          <a:bodyPr/>
-          <a:lstStyle/>
-          <a:p>
-            <a:r>
-              <a:rPr lang="de-AT" smtClean="0"/>
-              <a:t>gridfs/@ahmdNasr</a:t>
-            </a:r>
-            <a:endParaRPr lang="de-AT"/>
-          </a:p>
-        </p:txBody>
-      </p:sp>
-      <p:sp>
-        <p:nvSpPr>
-          <p:cNvPr id="6" name="Foliennummernplatzhalter 5"/>
-          <p:cNvSpPr>
-            <a:spLocks noGrp="1"/>
-          </p:cNvSpPr>
-          <p:nvPr>
-            <p:ph type="sldNum" sz="quarter" idx="12"/>
-          </p:nvPr>
-        </p:nvSpPr>
-        <p:spPr/>
-        <p:txBody>
-          <a:bodyPr/>
-          <a:lstStyle/>
-          <a:p>
-            <a:fld id="{CFC86BB5-914F-4D34-B08D-E32203D6C1E7}" type="slidenum">
-              <a:rPr lang="de-AT" smtClean="0"/>
-              <a:t>21</a:t>
-            </a:fld>
-            <a:endParaRPr lang="de-AT"/>
-          </a:p>
-        </p:txBody>
-      </p:sp>
-    </p:spTree>
-    <p:extLst>
-      <p:ext uri="{BB962C8B-B14F-4D97-AF65-F5344CB8AC3E}">
-        <p14:creationId xmlns:p14="http://schemas.microsoft.com/office/powerpoint/2010/main" val="1418956092"/>
-      </p:ext>
-    </p:extLst>
-  </p:cSld>
-  <p:clrMapOvr>
-    <a:masterClrMapping/>
-  </p:clrMapOvr>
-</p:sld>
-</file>
-
-<file path=ppt/slides/slide22.xml><?xml version="1.0" encoding="utf-8"?>
-<p:sld xmlns:a="http://schemas.openxmlformats.org/drawingml/2006/main" xmlns:r="http://schemas.openxmlformats.org/officeDocument/2006/relationships" xmlns:p="http://schemas.openxmlformats.org/presentationml/2006/main">
-  <p:cSld>
-    <p:spTree>
-      <p:nvGrpSpPr>
-        <p:cNvPr id="1" name=""/>
-        <p:cNvGrpSpPr/>
-        <p:nvPr/>
-      </p:nvGrpSpPr>
-      <p:grpSpPr>
-        <a:xfrm>
-          <a:off x="0" y="0"/>
-          <a:ext cx="0" cy="0"/>
-          <a:chOff x="0" y="0"/>
-          <a:chExt cx="0" cy="0"/>
-        </a:xfrm>
-      </p:grpSpPr>
-      <p:sp>
-        <p:nvSpPr>
-          <p:cNvPr id="2" name="Titel 1"/>
-          <p:cNvSpPr>
-            <a:spLocks noGrp="1"/>
-          </p:cNvSpPr>
-          <p:nvPr>
-            <p:ph type="ctrTitle"/>
-          </p:nvPr>
-        </p:nvSpPr>
-        <p:spPr/>
-        <p:txBody>
-          <a:bodyPr/>
-          <a:lstStyle/>
-          <a:p>
-            <a:r>
-              <a:rPr lang="de-AT" dirty="0" err="1" smtClean="0"/>
-              <a:t>GridFS</a:t>
-            </a:r>
-            <a:endParaRPr lang="de-AT" dirty="0"/>
-          </a:p>
-        </p:txBody>
-      </p:sp>
-      <p:sp>
-        <p:nvSpPr>
-          <p:cNvPr id="3" name="Untertitel 2"/>
-          <p:cNvSpPr>
-            <a:spLocks noGrp="1"/>
-          </p:cNvSpPr>
-          <p:nvPr>
-            <p:ph type="subTitle" idx="1"/>
-          </p:nvPr>
-        </p:nvSpPr>
-        <p:spPr/>
-        <p:txBody>
-          <a:bodyPr/>
-          <a:lstStyle/>
-          <a:p>
-            <a:endParaRPr lang="de-AT" dirty="0"/>
-          </a:p>
-        </p:txBody>
-      </p:sp>
-      <p:sp>
-        <p:nvSpPr>
-          <p:cNvPr id="4" name="Datumsplatzhalter 3"/>
-          <p:cNvSpPr>
-            <a:spLocks noGrp="1"/>
-          </p:cNvSpPr>
-          <p:nvPr>
-            <p:ph type="dt" sz="half" idx="10"/>
-          </p:nvPr>
-        </p:nvSpPr>
-        <p:spPr/>
-        <p:txBody>
-          <a:bodyPr/>
-          <a:lstStyle/>
-          <a:p>
-            <a:fld id="{1945DDCA-B366-4DDD-B530-C89A151AAD81}" type="datetime1">
-              <a:rPr lang="de-AT" smtClean="0"/>
-              <a:t>05.06.2016</a:t>
-            </a:fld>
-            <a:endParaRPr lang="de-AT"/>
-          </a:p>
-        </p:txBody>
-      </p:sp>
-      <p:sp>
-        <p:nvSpPr>
-          <p:cNvPr id="5" name="Fußzeilenplatzhalter 4"/>
-          <p:cNvSpPr>
-            <a:spLocks noGrp="1"/>
-          </p:cNvSpPr>
-          <p:nvPr>
-            <p:ph type="ftr" sz="quarter" idx="11"/>
-          </p:nvPr>
-        </p:nvSpPr>
-        <p:spPr/>
-        <p:txBody>
-          <a:bodyPr/>
-          <a:lstStyle/>
-          <a:p>
-            <a:r>
-              <a:rPr lang="de-AT" smtClean="0"/>
-              <a:t>gridfs/@ahmdNasr</a:t>
-            </a:r>
-            <a:endParaRPr lang="de-AT"/>
-          </a:p>
-        </p:txBody>
-      </p:sp>
-      <p:sp>
-        <p:nvSpPr>
-          <p:cNvPr id="6" name="Foliennummernplatzhalter 5"/>
-          <p:cNvSpPr>
-            <a:spLocks noGrp="1"/>
-          </p:cNvSpPr>
-          <p:nvPr>
-            <p:ph type="sldNum" sz="quarter" idx="12"/>
-          </p:nvPr>
-        </p:nvSpPr>
-        <p:spPr/>
-        <p:txBody>
-          <a:bodyPr/>
-          <a:lstStyle/>
-          <a:p>
-            <a:fld id="{CFC86BB5-914F-4D34-B08D-E32203D6C1E7}" type="slidenum">
-              <a:rPr lang="de-AT" smtClean="0"/>
-              <a:t>22</a:t>
-            </a:fld>
-            <a:endParaRPr lang="de-AT"/>
-          </a:p>
-        </p:txBody>
-      </p:sp>
-    </p:spTree>
-    <p:extLst>
-      <p:ext uri="{BB962C8B-B14F-4D97-AF65-F5344CB8AC3E}">
-        <p14:creationId xmlns:p14="http://schemas.microsoft.com/office/powerpoint/2010/main" val="2120444122"/>
-      </p:ext>
-    </p:extLst>
-  </p:cSld>
-  <p:clrMapOvr>
-    <a:masterClrMapping/>
-  </p:clrMapOvr>
-</p:sld>
-</file>
-
-<file path=ppt/slides/slide23.xml><?xml version="1.0" encoding="utf-8"?>
-<p:sld xmlns:a="http://schemas.openxmlformats.org/drawingml/2006/main" xmlns:r="http://schemas.openxmlformats.org/officeDocument/2006/relationships" xmlns:p="http://schemas.openxmlformats.org/presentationml/2006/main">
-  <p:cSld>
-    <p:spTree>
-      <p:nvGrpSpPr>
-        <p:cNvPr id="1" name=""/>
-        <p:cNvGrpSpPr/>
-        <p:nvPr/>
-      </p:nvGrpSpPr>
-      <p:grpSpPr>
-        <a:xfrm>
-          <a:off x="0" y="0"/>
-          <a:ext cx="0" cy="0"/>
-          <a:chOff x="0" y="0"/>
-          <a:chExt cx="0" cy="0"/>
-        </a:xfrm>
-      </p:grpSpPr>
-      <p:sp>
-        <p:nvSpPr>
-          <p:cNvPr id="2" name="Titel 1"/>
-          <p:cNvSpPr>
-            <a:spLocks noGrp="1"/>
-          </p:cNvSpPr>
-          <p:nvPr>
-            <p:ph type="ctrTitle"/>
-          </p:nvPr>
-        </p:nvSpPr>
-        <p:spPr/>
-        <p:txBody>
-          <a:bodyPr/>
-          <a:lstStyle/>
-          <a:p>
-            <a:r>
-              <a:rPr lang="de-AT" dirty="0" err="1" smtClean="0"/>
-              <a:t>GridFS</a:t>
-            </a:r>
-            <a:endParaRPr lang="de-AT" dirty="0"/>
-          </a:p>
-        </p:txBody>
-      </p:sp>
-      <p:sp>
-        <p:nvSpPr>
-          <p:cNvPr id="3" name="Untertitel 2"/>
-          <p:cNvSpPr>
-            <a:spLocks noGrp="1"/>
-          </p:cNvSpPr>
-          <p:nvPr>
-            <p:ph type="subTitle" idx="1"/>
-          </p:nvPr>
-        </p:nvSpPr>
-        <p:spPr/>
-        <p:txBody>
-          <a:bodyPr/>
-          <a:lstStyle/>
-          <a:p>
-            <a:endParaRPr lang="de-AT" dirty="0"/>
-          </a:p>
-        </p:txBody>
-      </p:sp>
-      <p:sp>
-        <p:nvSpPr>
-          <p:cNvPr id="4" name="Datumsplatzhalter 3"/>
-          <p:cNvSpPr>
-            <a:spLocks noGrp="1"/>
-          </p:cNvSpPr>
-          <p:nvPr>
-            <p:ph type="dt" sz="half" idx="10"/>
-          </p:nvPr>
-        </p:nvSpPr>
-        <p:spPr/>
-        <p:txBody>
-          <a:bodyPr/>
-          <a:lstStyle/>
-          <a:p>
-            <a:fld id="{F03E31E5-D489-4EC2-AC80-6689A17D31A7}" type="datetime1">
-              <a:rPr lang="de-AT" smtClean="0"/>
-              <a:t>05.06.2016</a:t>
-            </a:fld>
-            <a:endParaRPr lang="de-AT"/>
-          </a:p>
-        </p:txBody>
-      </p:sp>
-      <p:sp>
-        <p:nvSpPr>
-          <p:cNvPr id="5" name="Fußzeilenplatzhalter 4"/>
-          <p:cNvSpPr>
-            <a:spLocks noGrp="1"/>
-          </p:cNvSpPr>
-          <p:nvPr>
-            <p:ph type="ftr" sz="quarter" idx="11"/>
-          </p:nvPr>
-        </p:nvSpPr>
-        <p:spPr/>
-        <p:txBody>
-          <a:bodyPr/>
-          <a:lstStyle/>
-          <a:p>
-            <a:r>
-              <a:rPr lang="de-AT" smtClean="0"/>
-              <a:t>gridfs/@ahmdNasr</a:t>
-            </a:r>
-            <a:endParaRPr lang="de-AT"/>
-          </a:p>
-        </p:txBody>
-      </p:sp>
-      <p:sp>
-        <p:nvSpPr>
-          <p:cNvPr id="6" name="Foliennummernplatzhalter 5"/>
-          <p:cNvSpPr>
-            <a:spLocks noGrp="1"/>
-          </p:cNvSpPr>
-          <p:nvPr>
-            <p:ph type="sldNum" sz="quarter" idx="12"/>
-          </p:nvPr>
-        </p:nvSpPr>
-        <p:spPr/>
-        <p:txBody>
-          <a:bodyPr/>
-          <a:lstStyle/>
-          <a:p>
-            <a:fld id="{CFC86BB5-914F-4D34-B08D-E32203D6C1E7}" type="slidenum">
-              <a:rPr lang="de-AT" smtClean="0"/>
-              <a:t>23</a:t>
-            </a:fld>
-            <a:endParaRPr lang="de-AT"/>
-          </a:p>
-        </p:txBody>
-      </p:sp>
-    </p:spTree>
-    <p:extLst>
-      <p:ext uri="{BB962C8B-B14F-4D97-AF65-F5344CB8AC3E}">
-        <p14:creationId xmlns:p14="http://schemas.microsoft.com/office/powerpoint/2010/main" val="2981009609"/>
-      </p:ext>
-    </p:extLst>
-  </p:cSld>
-  <p:clrMapOvr>
-    <a:masterClrMapping/>
-  </p:clrMapOvr>
-</p:sld>
-</file>
-
-<file path=ppt/slides/slide24.xml><?xml version="1.0" encoding="utf-8"?>
-<p:sld xmlns:a="http://schemas.openxmlformats.org/drawingml/2006/main" xmlns:r="http://schemas.openxmlformats.org/officeDocument/2006/relationships" xmlns:p="http://schemas.openxmlformats.org/presentationml/2006/main">
-  <p:cSld>
-    <p:spTree>
-      <p:nvGrpSpPr>
-        <p:cNvPr id="1" name=""/>
-        <p:cNvGrpSpPr/>
-        <p:nvPr/>
-      </p:nvGrpSpPr>
-      <p:grpSpPr>
-        <a:xfrm>
-          <a:off x="0" y="0"/>
-          <a:ext cx="0" cy="0"/>
-          <a:chOff x="0" y="0"/>
-          <a:chExt cx="0" cy="0"/>
-        </a:xfrm>
-      </p:grpSpPr>
-      <p:sp>
-        <p:nvSpPr>
-          <p:cNvPr id="2" name="Titel 1"/>
-          <p:cNvSpPr>
-            <a:spLocks noGrp="1"/>
-          </p:cNvSpPr>
-          <p:nvPr>
-            <p:ph type="ctrTitle"/>
-          </p:nvPr>
-        </p:nvSpPr>
-        <p:spPr/>
-        <p:txBody>
-          <a:bodyPr/>
-          <a:lstStyle/>
-          <a:p>
-            <a:r>
-              <a:rPr lang="de-AT" dirty="0" err="1" smtClean="0"/>
-              <a:t>GridFS</a:t>
-            </a:r>
-            <a:endParaRPr lang="de-AT" dirty="0"/>
-          </a:p>
-        </p:txBody>
-      </p:sp>
-      <p:sp>
-        <p:nvSpPr>
-          <p:cNvPr id="3" name="Untertitel 2"/>
-          <p:cNvSpPr>
-            <a:spLocks noGrp="1"/>
-          </p:cNvSpPr>
-          <p:nvPr>
-            <p:ph type="subTitle" idx="1"/>
-          </p:nvPr>
-        </p:nvSpPr>
-        <p:spPr/>
-        <p:txBody>
-          <a:bodyPr/>
-          <a:lstStyle/>
-          <a:p>
-            <a:endParaRPr lang="de-AT" dirty="0"/>
-          </a:p>
-        </p:txBody>
-      </p:sp>
-      <p:sp>
-        <p:nvSpPr>
-          <p:cNvPr id="4" name="Datumsplatzhalter 3"/>
-          <p:cNvSpPr>
-            <a:spLocks noGrp="1"/>
-          </p:cNvSpPr>
-          <p:nvPr>
-            <p:ph type="dt" sz="half" idx="10"/>
-          </p:nvPr>
-        </p:nvSpPr>
-        <p:spPr/>
-        <p:txBody>
-          <a:bodyPr/>
-          <a:lstStyle/>
-          <a:p>
-            <a:fld id="{04B8A750-3492-4520-A6F0-22DC2464A185}" type="datetime1">
-              <a:rPr lang="de-AT" smtClean="0"/>
-              <a:t>05.06.2016</a:t>
-            </a:fld>
-            <a:endParaRPr lang="de-AT"/>
-          </a:p>
-        </p:txBody>
-      </p:sp>
-      <p:sp>
-        <p:nvSpPr>
-          <p:cNvPr id="5" name="Fußzeilenplatzhalter 4"/>
-          <p:cNvSpPr>
-            <a:spLocks noGrp="1"/>
-          </p:cNvSpPr>
-          <p:nvPr>
-            <p:ph type="ftr" sz="quarter" idx="11"/>
-          </p:nvPr>
-        </p:nvSpPr>
-        <p:spPr/>
-        <p:txBody>
-          <a:bodyPr/>
-          <a:lstStyle/>
-          <a:p>
-            <a:r>
-              <a:rPr lang="de-AT" smtClean="0"/>
-              <a:t>gridfs/@ahmdNasr</a:t>
-            </a:r>
-            <a:endParaRPr lang="de-AT"/>
-          </a:p>
-        </p:txBody>
-      </p:sp>
-      <p:sp>
-        <p:nvSpPr>
-          <p:cNvPr id="6" name="Foliennummernplatzhalter 5"/>
-          <p:cNvSpPr>
-            <a:spLocks noGrp="1"/>
-          </p:cNvSpPr>
-          <p:nvPr>
-            <p:ph type="sldNum" sz="quarter" idx="12"/>
-          </p:nvPr>
-        </p:nvSpPr>
-        <p:spPr/>
-        <p:txBody>
-          <a:bodyPr/>
-          <a:lstStyle/>
-          <a:p>
-            <a:fld id="{CFC86BB5-914F-4D34-B08D-E32203D6C1E7}" type="slidenum">
-              <a:rPr lang="de-AT" smtClean="0"/>
-              <a:t>24</a:t>
-            </a:fld>
-            <a:endParaRPr lang="de-AT"/>
-          </a:p>
-        </p:txBody>
-      </p:sp>
-    </p:spTree>
-    <p:extLst>
-      <p:ext uri="{BB962C8B-B14F-4D97-AF65-F5344CB8AC3E}">
-        <p14:creationId xmlns:p14="http://schemas.microsoft.com/office/powerpoint/2010/main" val="1372787094"/>
-      </p:ext>
-    </p:extLst>
-  </p:cSld>
-  <p:clrMapOvr>
-    <a:masterClrMapping/>
-  </p:clrMapOvr>
-</p:sld>
-</file>
-
-<file path=ppt/slides/slide25.xml><?xml version="1.0" encoding="utf-8"?>
-<p:sld xmlns:a="http://schemas.openxmlformats.org/drawingml/2006/main" xmlns:r="http://schemas.openxmlformats.org/officeDocument/2006/relationships" xmlns:p="http://schemas.openxmlformats.org/presentationml/2006/main">
-  <p:cSld>
-    <p:spTree>
-      <p:nvGrpSpPr>
-        <p:cNvPr id="1" name=""/>
-        <p:cNvGrpSpPr/>
-        <p:nvPr/>
-      </p:nvGrpSpPr>
-      <p:grpSpPr>
-        <a:xfrm>
-          <a:off x="0" y="0"/>
-          <a:ext cx="0" cy="0"/>
-          <a:chOff x="0" y="0"/>
-          <a:chExt cx="0" cy="0"/>
-        </a:xfrm>
-      </p:grpSpPr>
-      <p:sp>
-        <p:nvSpPr>
-          <p:cNvPr id="2" name="Titel 1"/>
-          <p:cNvSpPr>
-            <a:spLocks noGrp="1"/>
-          </p:cNvSpPr>
-          <p:nvPr>
-            <p:ph type="ctrTitle"/>
-          </p:nvPr>
-        </p:nvSpPr>
-        <p:spPr/>
-        <p:txBody>
-          <a:bodyPr/>
-          <a:lstStyle/>
-          <a:p>
-            <a:r>
-              <a:rPr lang="de-AT" dirty="0" err="1" smtClean="0"/>
-              <a:t>GridFS</a:t>
-            </a:r>
-            <a:endParaRPr lang="de-AT" dirty="0"/>
-          </a:p>
-        </p:txBody>
-      </p:sp>
-      <p:sp>
-        <p:nvSpPr>
-          <p:cNvPr id="3" name="Untertitel 2"/>
-          <p:cNvSpPr>
-            <a:spLocks noGrp="1"/>
-          </p:cNvSpPr>
-          <p:nvPr>
-            <p:ph type="subTitle" idx="1"/>
-          </p:nvPr>
-        </p:nvSpPr>
-        <p:spPr/>
-        <p:txBody>
-          <a:bodyPr/>
-          <a:lstStyle/>
-          <a:p>
-            <a:endParaRPr lang="de-AT" dirty="0"/>
-          </a:p>
-        </p:txBody>
-      </p:sp>
-      <p:sp>
-        <p:nvSpPr>
-          <p:cNvPr id="4" name="Datumsplatzhalter 3"/>
-          <p:cNvSpPr>
-            <a:spLocks noGrp="1"/>
-          </p:cNvSpPr>
-          <p:nvPr>
-            <p:ph type="dt" sz="half" idx="10"/>
-          </p:nvPr>
-        </p:nvSpPr>
-        <p:spPr/>
-        <p:txBody>
-          <a:bodyPr/>
-          <a:lstStyle/>
-          <a:p>
-            <a:fld id="{A8318C5E-EA0E-422A-B0DB-C7655C0B8AD6}" type="datetime1">
-              <a:rPr lang="de-AT" smtClean="0"/>
-              <a:t>05.06.2016</a:t>
-            </a:fld>
-            <a:endParaRPr lang="de-AT"/>
-          </a:p>
-        </p:txBody>
-      </p:sp>
-      <p:sp>
-        <p:nvSpPr>
-          <p:cNvPr id="5" name="Fußzeilenplatzhalter 4"/>
-          <p:cNvSpPr>
-            <a:spLocks noGrp="1"/>
-          </p:cNvSpPr>
-          <p:nvPr>
-            <p:ph type="ftr" sz="quarter" idx="11"/>
-          </p:nvPr>
-        </p:nvSpPr>
-        <p:spPr/>
-        <p:txBody>
-          <a:bodyPr/>
-          <a:lstStyle/>
-          <a:p>
-            <a:r>
-              <a:rPr lang="de-AT" smtClean="0"/>
-              <a:t>gridfs/@ahmdNasr</a:t>
-            </a:r>
-            <a:endParaRPr lang="de-AT"/>
-          </a:p>
-        </p:txBody>
-      </p:sp>
-      <p:sp>
-        <p:nvSpPr>
-          <p:cNvPr id="6" name="Foliennummernplatzhalter 5"/>
-          <p:cNvSpPr>
-            <a:spLocks noGrp="1"/>
-          </p:cNvSpPr>
-          <p:nvPr>
-            <p:ph type="sldNum" sz="quarter" idx="12"/>
-          </p:nvPr>
-        </p:nvSpPr>
-        <p:spPr/>
-        <p:txBody>
-          <a:bodyPr/>
-          <a:lstStyle/>
-          <a:p>
-            <a:fld id="{CFC86BB5-914F-4D34-B08D-E32203D6C1E7}" type="slidenum">
-              <a:rPr lang="de-AT" smtClean="0"/>
-              <a:t>25</a:t>
-            </a:fld>
-            <a:endParaRPr lang="de-AT"/>
-          </a:p>
-        </p:txBody>
-      </p:sp>
-    </p:spTree>
-    <p:extLst>
-      <p:ext uri="{BB962C8B-B14F-4D97-AF65-F5344CB8AC3E}">
-        <p14:creationId xmlns:p14="http://schemas.microsoft.com/office/powerpoint/2010/main" val="1833863709"/>
-      </p:ext>
-    </p:extLst>
-  </p:cSld>
-  <p:clrMapOvr>
-    <a:masterClrMapping/>
-  </p:clrMapOvr>
-</p:sld>
-</file>
-
-<file path=ppt/slides/slide26.xml><?xml version="1.0" encoding="utf-8"?>
-<p:sld xmlns:a="http://schemas.openxmlformats.org/drawingml/2006/main" xmlns:r="http://schemas.openxmlformats.org/officeDocument/2006/relationships" xmlns:p="http://schemas.openxmlformats.org/presentationml/2006/main">
-  <p:cSld>
-    <p:spTree>
-      <p:nvGrpSpPr>
-        <p:cNvPr id="1" name=""/>
-        <p:cNvGrpSpPr/>
-        <p:nvPr/>
-      </p:nvGrpSpPr>
-      <p:grpSpPr>
-        <a:xfrm>
-          <a:off x="0" y="0"/>
-          <a:ext cx="0" cy="0"/>
-          <a:chOff x="0" y="0"/>
-          <a:chExt cx="0" cy="0"/>
-        </a:xfrm>
-      </p:grpSpPr>
-      <p:sp>
-        <p:nvSpPr>
-          <p:cNvPr id="2" name="Titel 1"/>
-          <p:cNvSpPr>
-            <a:spLocks noGrp="1"/>
-          </p:cNvSpPr>
-          <p:nvPr>
-            <p:ph type="ctrTitle"/>
-          </p:nvPr>
-        </p:nvSpPr>
-        <p:spPr/>
-        <p:txBody>
-          <a:bodyPr/>
-          <a:lstStyle/>
-          <a:p>
-            <a:r>
-              <a:rPr lang="de-AT" dirty="0" err="1" smtClean="0"/>
-              <a:t>GridFS</a:t>
-            </a:r>
-            <a:endParaRPr lang="de-AT" dirty="0"/>
-          </a:p>
-        </p:txBody>
-      </p:sp>
-      <p:sp>
-        <p:nvSpPr>
-          <p:cNvPr id="3" name="Untertitel 2"/>
-          <p:cNvSpPr>
-            <a:spLocks noGrp="1"/>
-          </p:cNvSpPr>
-          <p:nvPr>
-            <p:ph type="subTitle" idx="1"/>
-          </p:nvPr>
-        </p:nvSpPr>
-        <p:spPr/>
-        <p:txBody>
-          <a:bodyPr/>
-          <a:lstStyle/>
-          <a:p>
-            <a:endParaRPr lang="de-AT" dirty="0"/>
-          </a:p>
-        </p:txBody>
-      </p:sp>
-      <p:sp>
-        <p:nvSpPr>
-          <p:cNvPr id="4" name="Datumsplatzhalter 3"/>
-          <p:cNvSpPr>
-            <a:spLocks noGrp="1"/>
-          </p:cNvSpPr>
-          <p:nvPr>
-            <p:ph type="dt" sz="half" idx="10"/>
-          </p:nvPr>
-        </p:nvSpPr>
-        <p:spPr/>
-        <p:txBody>
-          <a:bodyPr/>
-          <a:lstStyle/>
-          <a:p>
-            <a:fld id="{520AB700-C640-4D7C-B6DA-F3ADB592E5CE}" type="datetime1">
-              <a:rPr lang="de-AT" smtClean="0"/>
-              <a:t>05.06.2016</a:t>
-            </a:fld>
-            <a:endParaRPr lang="de-AT"/>
-          </a:p>
-        </p:txBody>
-      </p:sp>
-      <p:sp>
-        <p:nvSpPr>
-          <p:cNvPr id="5" name="Fußzeilenplatzhalter 4"/>
-          <p:cNvSpPr>
-            <a:spLocks noGrp="1"/>
-          </p:cNvSpPr>
-          <p:nvPr>
-            <p:ph type="ftr" sz="quarter" idx="11"/>
-          </p:nvPr>
-        </p:nvSpPr>
-        <p:spPr/>
-        <p:txBody>
-          <a:bodyPr/>
-          <a:lstStyle/>
-          <a:p>
-            <a:r>
-              <a:rPr lang="de-AT" smtClean="0"/>
-              <a:t>gridfs/@ahmdNasr</a:t>
-            </a:r>
-            <a:endParaRPr lang="de-AT"/>
-          </a:p>
-        </p:txBody>
-      </p:sp>
-      <p:sp>
-        <p:nvSpPr>
-          <p:cNvPr id="6" name="Foliennummernplatzhalter 5"/>
-          <p:cNvSpPr>
-            <a:spLocks noGrp="1"/>
-          </p:cNvSpPr>
-          <p:nvPr>
-            <p:ph type="sldNum" sz="quarter" idx="12"/>
-          </p:nvPr>
-        </p:nvSpPr>
-        <p:spPr/>
-        <p:txBody>
-          <a:bodyPr/>
-          <a:lstStyle/>
-          <a:p>
-            <a:fld id="{CFC86BB5-914F-4D34-B08D-E32203D6C1E7}" type="slidenum">
-              <a:rPr lang="de-AT" smtClean="0"/>
-              <a:t>26</a:t>
-            </a:fld>
-            <a:endParaRPr lang="de-AT"/>
-          </a:p>
-        </p:txBody>
-      </p:sp>
-    </p:spTree>
-    <p:extLst>
-      <p:ext uri="{BB962C8B-B14F-4D97-AF65-F5344CB8AC3E}">
-        <p14:creationId xmlns:p14="http://schemas.microsoft.com/office/powerpoint/2010/main" val="1606137484"/>
-      </p:ext>
-    </p:extLst>
-  </p:cSld>
-  <p:clrMapOvr>
-    <a:masterClrMapping/>
-  </p:clrMapOvr>
-</p:sld>
-</file>
-
-<file path=ppt/slides/slide27.xml><?xml version="1.0" encoding="utf-8"?>
-<p:sld xmlns:a="http://schemas.openxmlformats.org/drawingml/2006/main" xmlns:r="http://schemas.openxmlformats.org/officeDocument/2006/relationships" xmlns:p="http://schemas.openxmlformats.org/presentationml/2006/main">
-  <p:cSld>
-    <p:spTree>
-      <p:nvGrpSpPr>
-        <p:cNvPr id="1" name=""/>
-        <p:cNvGrpSpPr/>
-        <p:nvPr/>
-      </p:nvGrpSpPr>
-      <p:grpSpPr>
-        <a:xfrm>
-          <a:off x="0" y="0"/>
-          <a:ext cx="0" cy="0"/>
-          <a:chOff x="0" y="0"/>
-          <a:chExt cx="0" cy="0"/>
-        </a:xfrm>
-      </p:grpSpPr>
-      <p:sp>
-        <p:nvSpPr>
-          <p:cNvPr id="2" name="Titel 1"/>
-          <p:cNvSpPr>
-            <a:spLocks noGrp="1"/>
-          </p:cNvSpPr>
-          <p:nvPr>
-            <p:ph type="ctrTitle"/>
-          </p:nvPr>
-        </p:nvSpPr>
-        <p:spPr/>
-        <p:txBody>
-          <a:bodyPr/>
-          <a:lstStyle/>
-          <a:p>
-            <a:r>
-              <a:rPr lang="de-AT" dirty="0" err="1" smtClean="0"/>
-              <a:t>GridFS</a:t>
-            </a:r>
-            <a:endParaRPr lang="de-AT" dirty="0"/>
-          </a:p>
-        </p:txBody>
-      </p:sp>
-      <p:sp>
-        <p:nvSpPr>
-          <p:cNvPr id="3" name="Untertitel 2"/>
-          <p:cNvSpPr>
-            <a:spLocks noGrp="1"/>
-          </p:cNvSpPr>
-          <p:nvPr>
-            <p:ph type="subTitle" idx="1"/>
-          </p:nvPr>
-        </p:nvSpPr>
-        <p:spPr/>
-        <p:txBody>
-          <a:bodyPr/>
-          <a:lstStyle/>
-          <a:p>
-            <a:endParaRPr lang="de-AT" dirty="0"/>
-          </a:p>
-        </p:txBody>
-      </p:sp>
-      <p:sp>
-        <p:nvSpPr>
-          <p:cNvPr id="4" name="Datumsplatzhalter 3"/>
-          <p:cNvSpPr>
-            <a:spLocks noGrp="1"/>
-          </p:cNvSpPr>
-          <p:nvPr>
-            <p:ph type="dt" sz="half" idx="10"/>
-          </p:nvPr>
-        </p:nvSpPr>
-        <p:spPr/>
-        <p:txBody>
-          <a:bodyPr/>
-          <a:lstStyle/>
-          <a:p>
-            <a:fld id="{6806CF25-C552-4BEB-B113-17D478AC4571}" type="datetime1">
-              <a:rPr lang="de-AT" smtClean="0"/>
-              <a:t>05.06.2016</a:t>
-            </a:fld>
-            <a:endParaRPr lang="de-AT"/>
-          </a:p>
-        </p:txBody>
-      </p:sp>
-      <p:sp>
-        <p:nvSpPr>
-          <p:cNvPr id="5" name="Fußzeilenplatzhalter 4"/>
-          <p:cNvSpPr>
-            <a:spLocks noGrp="1"/>
-          </p:cNvSpPr>
-          <p:nvPr>
-            <p:ph type="ftr" sz="quarter" idx="11"/>
-          </p:nvPr>
-        </p:nvSpPr>
-        <p:spPr/>
-        <p:txBody>
-          <a:bodyPr/>
-          <a:lstStyle/>
-          <a:p>
-            <a:r>
-              <a:rPr lang="de-AT" smtClean="0"/>
-              <a:t>gridfs/@ahmdNasr</a:t>
-            </a:r>
-            <a:endParaRPr lang="de-AT"/>
-          </a:p>
-        </p:txBody>
-      </p:sp>
-      <p:sp>
-        <p:nvSpPr>
-          <p:cNvPr id="6" name="Foliennummernplatzhalter 5"/>
-          <p:cNvSpPr>
-            <a:spLocks noGrp="1"/>
-          </p:cNvSpPr>
-          <p:nvPr>
-            <p:ph type="sldNum" sz="quarter" idx="12"/>
-          </p:nvPr>
-        </p:nvSpPr>
-        <p:spPr/>
-        <p:txBody>
-          <a:bodyPr/>
-          <a:lstStyle/>
-          <a:p>
-            <a:fld id="{CFC86BB5-914F-4D34-B08D-E32203D6C1E7}" type="slidenum">
-              <a:rPr lang="de-AT" smtClean="0"/>
-              <a:t>27</a:t>
-            </a:fld>
-            <a:endParaRPr lang="de-AT"/>
-          </a:p>
-        </p:txBody>
-      </p:sp>
-    </p:spTree>
-    <p:extLst>
-      <p:ext uri="{BB962C8B-B14F-4D97-AF65-F5344CB8AC3E}">
-        <p14:creationId xmlns:p14="http://schemas.microsoft.com/office/powerpoint/2010/main" val="619329089"/>
-      </p:ext>
-    </p:extLst>
-  </p:cSld>
-  <p:clrMapOvr>
-    <a:masterClrMapping/>
-  </p:clrMapOvr>
-</p:sld>
-</file>
-
-<file path=ppt/slides/slide28.xml><?xml version="1.0" encoding="utf-8"?>
-<p:sld xmlns:a="http://schemas.openxmlformats.org/drawingml/2006/main" xmlns:r="http://schemas.openxmlformats.org/officeDocument/2006/relationships" xmlns:p="http://schemas.openxmlformats.org/presentationml/2006/main">
-  <p:cSld>
-    <p:spTree>
-      <p:nvGrpSpPr>
-        <p:cNvPr id="1" name=""/>
-        <p:cNvGrpSpPr/>
-        <p:nvPr/>
-      </p:nvGrpSpPr>
-      <p:grpSpPr>
-        <a:xfrm>
-          <a:off x="0" y="0"/>
-          <a:ext cx="0" cy="0"/>
-          <a:chOff x="0" y="0"/>
-          <a:chExt cx="0" cy="0"/>
-        </a:xfrm>
-      </p:grpSpPr>
-      <p:sp>
-        <p:nvSpPr>
-          <p:cNvPr id="2" name="Titel 1"/>
-          <p:cNvSpPr>
-            <a:spLocks noGrp="1"/>
-          </p:cNvSpPr>
-          <p:nvPr>
-            <p:ph type="ctrTitle"/>
-          </p:nvPr>
-        </p:nvSpPr>
-        <p:spPr/>
-        <p:txBody>
-          <a:bodyPr/>
-          <a:lstStyle/>
-          <a:p>
-            <a:r>
-              <a:rPr lang="de-AT" dirty="0" err="1" smtClean="0"/>
-              <a:t>GridFS</a:t>
-            </a:r>
-            <a:endParaRPr lang="de-AT" dirty="0"/>
-          </a:p>
-        </p:txBody>
-      </p:sp>
-      <p:sp>
-        <p:nvSpPr>
-          <p:cNvPr id="3" name="Untertitel 2"/>
-          <p:cNvSpPr>
-            <a:spLocks noGrp="1"/>
-          </p:cNvSpPr>
-          <p:nvPr>
-            <p:ph type="subTitle" idx="1"/>
-          </p:nvPr>
-        </p:nvSpPr>
-        <p:spPr/>
-        <p:txBody>
-          <a:bodyPr/>
-          <a:lstStyle/>
-          <a:p>
-            <a:endParaRPr lang="de-AT" dirty="0"/>
-          </a:p>
-        </p:txBody>
-      </p:sp>
-      <p:sp>
-        <p:nvSpPr>
-          <p:cNvPr id="4" name="Datumsplatzhalter 3"/>
-          <p:cNvSpPr>
-            <a:spLocks noGrp="1"/>
-          </p:cNvSpPr>
-          <p:nvPr>
-            <p:ph type="dt" sz="half" idx="10"/>
-          </p:nvPr>
-        </p:nvSpPr>
-        <p:spPr/>
-        <p:txBody>
-          <a:bodyPr/>
-          <a:lstStyle/>
-          <a:p>
-            <a:fld id="{0893C6DF-C045-4F4D-9F8A-4F469D732E11}" type="datetime1">
-              <a:rPr lang="de-AT" smtClean="0"/>
-              <a:t>05.06.2016</a:t>
-            </a:fld>
-            <a:endParaRPr lang="de-AT"/>
-          </a:p>
-        </p:txBody>
-      </p:sp>
-      <p:sp>
-        <p:nvSpPr>
-          <p:cNvPr id="5" name="Fußzeilenplatzhalter 4"/>
-          <p:cNvSpPr>
-            <a:spLocks noGrp="1"/>
-          </p:cNvSpPr>
-          <p:nvPr>
-            <p:ph type="ftr" sz="quarter" idx="11"/>
-          </p:nvPr>
-        </p:nvSpPr>
-        <p:spPr/>
-        <p:txBody>
-          <a:bodyPr/>
-          <a:lstStyle/>
-          <a:p>
-            <a:r>
-              <a:rPr lang="de-AT" smtClean="0"/>
-              <a:t>gridfs/@ahmdNasr</a:t>
-            </a:r>
-            <a:endParaRPr lang="de-AT"/>
-          </a:p>
-        </p:txBody>
-      </p:sp>
-      <p:sp>
-        <p:nvSpPr>
-          <p:cNvPr id="6" name="Foliennummernplatzhalter 5"/>
-          <p:cNvSpPr>
-            <a:spLocks noGrp="1"/>
-          </p:cNvSpPr>
-          <p:nvPr>
-            <p:ph type="sldNum" sz="quarter" idx="12"/>
-          </p:nvPr>
-        </p:nvSpPr>
-        <p:spPr/>
-        <p:txBody>
-          <a:bodyPr/>
-          <a:lstStyle/>
-          <a:p>
-            <a:fld id="{CFC86BB5-914F-4D34-B08D-E32203D6C1E7}" type="slidenum">
-              <a:rPr lang="de-AT" smtClean="0"/>
-              <a:t>28</a:t>
-            </a:fld>
-            <a:endParaRPr lang="de-AT"/>
-          </a:p>
-        </p:txBody>
-      </p:sp>
-    </p:spTree>
-    <p:extLst>
-      <p:ext uri="{BB962C8B-B14F-4D97-AF65-F5344CB8AC3E}">
-        <p14:creationId xmlns:p14="http://schemas.microsoft.com/office/powerpoint/2010/main" val="1719623878"/>
-      </p:ext>
-    </p:extLst>
-  </p:cSld>
-  <p:clrMapOvr>
-    <a:masterClrMapping/>
-  </p:clrMapOvr>
-</p:sld>
-</file>
-
-<file path=ppt/slides/slide29.xml><?xml version="1.0" encoding="utf-8"?>
-<p:sld xmlns:a="http://schemas.openxmlformats.org/drawingml/2006/main" xmlns:r="http://schemas.openxmlformats.org/officeDocument/2006/relationships" xmlns:p="http://schemas.openxmlformats.org/presentationml/2006/main">
-  <p:cSld>
-    <p:spTree>
-      <p:nvGrpSpPr>
-        <p:cNvPr id="1" name=""/>
-        <p:cNvGrpSpPr/>
-        <p:nvPr/>
-      </p:nvGrpSpPr>
-      <p:grpSpPr>
-        <a:xfrm>
-          <a:off x="0" y="0"/>
-          <a:ext cx="0" cy="0"/>
-          <a:chOff x="0" y="0"/>
-          <a:chExt cx="0" cy="0"/>
-        </a:xfrm>
-      </p:grpSpPr>
-      <p:sp>
-        <p:nvSpPr>
-          <p:cNvPr id="2" name="Titel 1"/>
-          <p:cNvSpPr>
-            <a:spLocks noGrp="1"/>
-          </p:cNvSpPr>
-          <p:nvPr>
-            <p:ph type="ctrTitle"/>
-          </p:nvPr>
-        </p:nvSpPr>
-        <p:spPr/>
-        <p:txBody>
-          <a:bodyPr/>
-          <a:lstStyle/>
-          <a:p>
-            <a:r>
-              <a:rPr lang="de-AT" dirty="0" smtClean="0"/>
-              <a:t>Danke!</a:t>
-            </a:r>
-            <a:endParaRPr lang="de-AT" dirty="0"/>
-          </a:p>
-        </p:txBody>
-      </p:sp>
-      <p:sp>
-        <p:nvSpPr>
-          <p:cNvPr id="3" name="Untertitel 2"/>
-          <p:cNvSpPr>
-            <a:spLocks noGrp="1"/>
-          </p:cNvSpPr>
-          <p:nvPr>
-            <p:ph type="subTitle" idx="1"/>
-          </p:nvPr>
-        </p:nvSpPr>
-        <p:spPr/>
-        <p:txBody>
-          <a:bodyPr/>
-          <a:lstStyle/>
-          <a:p>
-            <a:endParaRPr lang="de-AT" dirty="0"/>
-          </a:p>
-        </p:txBody>
-      </p:sp>
-      <p:sp>
-        <p:nvSpPr>
-          <p:cNvPr id="4" name="Datumsplatzhalter 3"/>
-          <p:cNvSpPr>
-            <a:spLocks noGrp="1"/>
-          </p:cNvSpPr>
-          <p:nvPr>
-            <p:ph type="dt" sz="half" idx="10"/>
-          </p:nvPr>
-        </p:nvSpPr>
-        <p:spPr/>
-        <p:txBody>
-          <a:bodyPr/>
-          <a:lstStyle/>
-          <a:p>
-            <a:fld id="{3F3820A0-CF29-4B2D-9B4B-D5FEA8EE24AA}" type="datetime1">
-              <a:rPr lang="de-AT" smtClean="0"/>
-              <a:t>05.06.2016</a:t>
-            </a:fld>
-            <a:endParaRPr lang="de-AT"/>
-          </a:p>
-        </p:txBody>
-      </p:sp>
-      <p:sp>
-        <p:nvSpPr>
-          <p:cNvPr id="5" name="Fußzeilenplatzhalter 4"/>
-          <p:cNvSpPr>
-            <a:spLocks noGrp="1"/>
-          </p:cNvSpPr>
-          <p:nvPr>
-            <p:ph type="ftr" sz="quarter" idx="11"/>
-          </p:nvPr>
-        </p:nvSpPr>
-        <p:spPr/>
-        <p:txBody>
-          <a:bodyPr/>
-          <a:lstStyle/>
-          <a:p>
-            <a:r>
-              <a:rPr lang="de-AT" smtClean="0"/>
-              <a:t>gridfs/@ahmdNasr</a:t>
-            </a:r>
-            <a:endParaRPr lang="de-AT"/>
-          </a:p>
-        </p:txBody>
-      </p:sp>
-      <p:sp>
-        <p:nvSpPr>
-          <p:cNvPr id="6" name="Foliennummernplatzhalter 5"/>
-          <p:cNvSpPr>
-            <a:spLocks noGrp="1"/>
-          </p:cNvSpPr>
-          <p:nvPr>
-            <p:ph type="sldNum" sz="quarter" idx="12"/>
-          </p:nvPr>
-        </p:nvSpPr>
-        <p:spPr/>
-        <p:txBody>
-          <a:bodyPr/>
-          <a:lstStyle/>
-          <a:p>
-            <a:fld id="{CFC86BB5-914F-4D34-B08D-E32203D6C1E7}" type="slidenum">
-              <a:rPr lang="de-AT" smtClean="0"/>
-              <a:t>29</a:t>
-            </a:fld>
-            <a:endParaRPr lang="de-AT"/>
-          </a:p>
-        </p:txBody>
-      </p:sp>
-    </p:spTree>
-    <p:extLst>
-      <p:ext uri="{BB962C8B-B14F-4D97-AF65-F5344CB8AC3E}">
-        <p14:creationId xmlns:p14="http://schemas.microsoft.com/office/powerpoint/2010/main" val="1462818610"/>
-      </p:ext>
-    </p:extLst>
-  </p:cSld>
-  <p:clrMapOvr>
-    <a:masterClrMapping/>
-  </p:clrMapOvr>
+  <p:timing>
+    <p:tnLst>
+      <p:par>
+        <p:cTn id="1" dur="indefinite" restart="never" nodeType="tmRoot"/>
+      </p:par>
+    </p:tnLst>
+  </p:timing>
 </p:sld>
 </file>
 
@@ -6515,17 +4233,17 @@
             <a:spLocks noGrp="1"/>
           </p:cNvSpPr>
           <p:nvPr>
-            <p:ph type="ctrTitle"/>
-          </p:nvPr>
-        </p:nvSpPr>
-        <p:spPr/>
-        <p:txBody>
-          <a:bodyPr/>
-          <a:lstStyle/>
-          <a:p>
-            <a:r>
-              <a:rPr lang="de-AT" dirty="0" err="1" smtClean="0"/>
-              <a:t>GridFS</a:t>
+            <p:ph type="title"/>
+          </p:nvPr>
+        </p:nvSpPr>
+        <p:spPr/>
+        <p:txBody>
+          <a:bodyPr/>
+          <a:lstStyle/>
+          <a:p>
+            <a:r>
+              <a:rPr lang="de-AT" dirty="0" smtClean="0"/>
+              <a:t>Architektur</a:t>
             </a:r>
             <a:endParaRPr lang="de-AT" dirty="0"/>
           </a:p>
@@ -6533,25 +4251,6 @@
       </p:sp>
       <p:sp>
         <p:nvSpPr>
-          <p:cNvPr id="3" name="Untertitel 2"/>
-          <p:cNvSpPr>
-            <a:spLocks noGrp="1"/>
-          </p:cNvSpPr>
-          <p:nvPr>
-            <p:ph type="subTitle" idx="1"/>
-          </p:nvPr>
-        </p:nvSpPr>
-        <p:spPr/>
-        <p:txBody>
-          <a:bodyPr/>
-          <a:lstStyle/>
-          <a:p>
-            <a:endParaRPr lang="de-AT" dirty="0"/>
-          </a:p>
-        </p:txBody>
-      </p:sp>
-      <p:sp>
-        <p:nvSpPr>
           <p:cNvPr id="4" name="Datumsplatzhalter 3"/>
           <p:cNvSpPr>
             <a:spLocks noGrp="1"/>
@@ -6565,7 +4264,7 @@
           <a:bodyPr/>
           <a:lstStyle/>
           <a:p>
-            <a:fld id="{D7DC2598-B2B3-40EF-837E-3B883CA6E3C9}" type="datetime1">
+            <a:fld id="{5B94F75C-14B8-4BA9-8D24-A8E3E65FAE1D}" type="datetime1">
               <a:rPr lang="de-AT" smtClean="0"/>
               <a:t>05.06.2016</a:t>
             </a:fld>
@@ -6616,19 +4315,127 @@
               <a:t>3</a:t>
             </a:fld>
             <a:endParaRPr lang="de-AT"/>
+          </a:p>
+        </p:txBody>
+      </p:sp>
+      <p:pic>
+        <p:nvPicPr>
+          <p:cNvPr id="7" name="Inhaltsplatzhalter 6"/>
+          <p:cNvPicPr>
+            <a:picLocks noGrp="1" noChangeAspect="1"/>
+          </p:cNvPicPr>
+          <p:nvPr>
+            <p:ph idx="1"/>
+          </p:nvPr>
+        </p:nvPicPr>
+        <p:blipFill>
+          <a:blip r:embed="rId2">
+            <a:extLst>
+              <a:ext uri="{28A0092B-C50C-407E-A947-70E740481C1C}">
+                <a14:useLocalDpi xmlns:a14="http://schemas.microsoft.com/office/drawing/2010/main" val="0"/>
+              </a:ext>
+            </a:extLst>
+          </a:blip>
+          <a:stretch>
+            <a:fillRect/>
+          </a:stretch>
+        </p:blipFill>
+        <p:spPr>
+          <a:xfrm>
+            <a:off x="2257425" y="2156619"/>
+            <a:ext cx="7591425" cy="3476625"/>
+          </a:xfrm>
+          <a:prstGeom prst="rect">
+            <a:avLst/>
+          </a:prstGeom>
+        </p:spPr>
+      </p:pic>
+      <p:pic>
+        <p:nvPicPr>
+          <p:cNvPr id="9" name="Picture 2" descr="https://dittmarconsulting.files.wordpress.com/2012/02/gridfs.png"/>
+          <p:cNvPicPr>
+            <a:picLocks noChangeAspect="1" noChangeArrowheads="1"/>
+          </p:cNvPicPr>
+          <p:nvPr/>
+        </p:nvPicPr>
+        <p:blipFill>
+          <a:blip r:embed="rId3">
+            <a:extLst>
+              <a:ext uri="{28A0092B-C50C-407E-A947-70E740481C1C}">
+                <a14:useLocalDpi xmlns:a14="http://schemas.microsoft.com/office/drawing/2010/main" val="0"/>
+              </a:ext>
+            </a:extLst>
+          </a:blip>
+          <a:srcRect/>
+          <a:stretch>
+            <a:fillRect/>
+          </a:stretch>
+        </p:blipFill>
+        <p:spPr bwMode="auto">
+          <a:xfrm>
+            <a:off x="6638925" y="0"/>
+            <a:ext cx="5553075" cy="1314451"/>
+          </a:xfrm>
+          <a:prstGeom prst="rect">
+            <a:avLst/>
+          </a:prstGeom>
+          <a:noFill/>
+          <a:extLst>
+            <a:ext uri="{909E8E84-426E-40DD-AFC4-6F175D3DCCD1}">
+              <a14:hiddenFill xmlns:a14="http://schemas.microsoft.com/office/drawing/2010/main">
+                <a:solidFill>
+                  <a:srgbClr val="FFFFFF"/>
+                </a:solidFill>
+              </a14:hiddenFill>
+            </a:ext>
+          </a:extLst>
+        </p:spPr>
+      </p:pic>
+      <p:sp>
+        <p:nvSpPr>
+          <p:cNvPr id="10" name="Rechteck 9"/>
+          <p:cNvSpPr/>
+          <p:nvPr/>
+        </p:nvSpPr>
+        <p:spPr>
+          <a:xfrm>
+            <a:off x="9848850" y="3486157"/>
+            <a:ext cx="969560" cy="1061829"/>
+          </a:xfrm>
+          <a:prstGeom prst="rect">
+            <a:avLst/>
+          </a:prstGeom>
+        </p:spPr>
+        <p:txBody>
+          <a:bodyPr wrap="square">
+            <a:spAutoFit/>
+          </a:bodyPr>
+          <a:lstStyle/>
+          <a:p>
+            <a:r>
+              <a:rPr lang="de-AT" sz="1050" dirty="0"/>
+              <a:t>http://s3.amazonaws.com/info-mongodb-com/_com_assets/blog/gridfs1.png</a:t>
+            </a:r>
           </a:p>
         </p:txBody>
       </p:sp>
     </p:spTree>
     <p:extLst>
       <p:ext uri="{BB962C8B-B14F-4D97-AF65-F5344CB8AC3E}">
-        <p14:creationId xmlns:p14="http://schemas.microsoft.com/office/powerpoint/2010/main" val="1623549874"/>
+        <p14:creationId xmlns:p14="http://schemas.microsoft.com/office/powerpoint/2010/main" val="1708243548"/>
       </p:ext>
     </p:extLst>
   </p:cSld>
   <p:clrMapOvr>
     <a:masterClrMapping/>
   </p:clrMapOvr>
+  <p:timing>
+    <p:tnLst>
+      <p:par>
+        <p:cTn id="1" dur="indefinite" restart="never" nodeType="tmRoot"/>
+      </p:par>
+    </p:tnLst>
+  </p:timing>
 </p:sld>
 </file>
 
@@ -6656,36 +4463,102 @@
             <a:spLocks noGrp="1"/>
           </p:cNvSpPr>
           <p:nvPr>
-            <p:ph type="ctrTitle"/>
-          </p:nvPr>
-        </p:nvSpPr>
-        <p:spPr/>
-        <p:txBody>
-          <a:bodyPr/>
-          <a:lstStyle/>
-          <a:p>
+            <p:ph type="title"/>
+          </p:nvPr>
+        </p:nvSpPr>
+        <p:spPr/>
+        <p:txBody>
+          <a:bodyPr/>
+          <a:lstStyle/>
+          <a:p>
+            <a:r>
+              <a:rPr lang="de-AT" dirty="0" smtClean="0"/>
+              <a:t>Was ist </a:t>
+            </a:r>
             <a:r>
               <a:rPr lang="de-AT" dirty="0" err="1" smtClean="0"/>
               <a:t>GridFS</a:t>
             </a:r>
+            <a:r>
+              <a:rPr lang="de-AT" dirty="0" smtClean="0"/>
+              <a:t>?</a:t>
+            </a:r>
             <a:endParaRPr lang="de-AT" dirty="0"/>
           </a:p>
         </p:txBody>
       </p:sp>
       <p:sp>
         <p:nvSpPr>
-          <p:cNvPr id="3" name="Untertitel 2"/>
-          <p:cNvSpPr>
-            <a:spLocks noGrp="1"/>
-          </p:cNvSpPr>
-          <p:nvPr>
-            <p:ph type="subTitle" idx="1"/>
-          </p:nvPr>
-        </p:nvSpPr>
-        <p:spPr/>
-        <p:txBody>
-          <a:bodyPr/>
-          <a:lstStyle/>
+          <p:cNvPr id="3" name="Inhaltsplatzhalter 2"/>
+          <p:cNvSpPr>
+            <a:spLocks noGrp="1"/>
+          </p:cNvSpPr>
+          <p:nvPr>
+            <p:ph idx="1"/>
+          </p:nvPr>
+        </p:nvSpPr>
+        <p:spPr/>
+        <p:txBody>
+          <a:bodyPr/>
+          <a:lstStyle/>
+          <a:p>
+            <a:r>
+              <a:rPr lang="de-AT" dirty="0" smtClean="0"/>
+              <a:t>Treiber Spezifikation!</a:t>
+            </a:r>
+          </a:p>
+          <a:p>
+            <a:r>
+              <a:rPr lang="de-AT" dirty="0" smtClean="0"/>
+              <a:t>FS … File System</a:t>
+            </a:r>
+          </a:p>
+          <a:p>
+            <a:r>
+              <a:rPr lang="de-AT" dirty="0" smtClean="0"/>
+              <a:t>2 Collections</a:t>
+            </a:r>
+          </a:p>
+          <a:p>
+            <a:pPr lvl="1"/>
+            <a:r>
+              <a:rPr lang="de-AT" dirty="0" smtClean="0"/>
+              <a:t>Files		(</a:t>
+            </a:r>
+            <a:r>
+              <a:rPr lang="de-AT" dirty="0" err="1" smtClean="0"/>
+              <a:t>metadata</a:t>
+            </a:r>
+            <a:r>
+              <a:rPr lang="de-AT" dirty="0" smtClean="0"/>
+              <a:t>)</a:t>
+            </a:r>
+          </a:p>
+          <a:p>
+            <a:pPr lvl="1"/>
+            <a:r>
+              <a:rPr lang="de-AT" dirty="0" err="1" smtClean="0"/>
+              <a:t>Chunks</a:t>
+            </a:r>
+            <a:r>
+              <a:rPr lang="de-AT" dirty="0" smtClean="0"/>
+              <a:t> 	(</a:t>
+            </a:r>
+            <a:r>
+              <a:rPr lang="de-AT" dirty="0" err="1" smtClean="0"/>
+              <a:t>max</a:t>
+            </a:r>
+            <a:r>
+              <a:rPr lang="de-AT" dirty="0" smtClean="0"/>
+              <a:t> 16 MB)</a:t>
+            </a:r>
+          </a:p>
+          <a:p>
+            <a:r>
+              <a:rPr lang="de-AT" dirty="0" smtClean="0"/>
+              <a:t>BSON-Format</a:t>
+            </a:r>
+          </a:p>
           <a:p>
             <a:endParaRPr lang="de-AT" dirty="0"/>
           </a:p>
@@ -6706,7 +4579,7 @@
           <a:bodyPr/>
           <a:lstStyle/>
           <a:p>
-            <a:fld id="{1B4E8D02-665B-4ECA-BC85-C597D4A7CBC9}" type="datetime1">
+            <a:fld id="{5B94F75C-14B8-4BA9-8D24-A8E3E65FAE1D}" type="datetime1">
               <a:rPr lang="de-AT" smtClean="0"/>
               <a:t>05.06.2016</a:t>
             </a:fld>
@@ -6760,16 +4633,64 @@
           </a:p>
         </p:txBody>
       </p:sp>
+      <p:pic>
+        <p:nvPicPr>
+          <p:cNvPr id="8" name="Picture 2" descr="https://dittmarconsulting.files.wordpress.com/2012/02/gridfs.png"/>
+          <p:cNvPicPr>
+            <a:picLocks noChangeAspect="1" noChangeArrowheads="1"/>
+          </p:cNvPicPr>
+          <p:nvPr/>
+        </p:nvPicPr>
+        <p:blipFill>
+          <a:blip r:embed="rId2">
+            <a:extLst>
+              <a:ext uri="{28A0092B-C50C-407E-A947-70E740481C1C}">
+                <a14:useLocalDpi xmlns:a14="http://schemas.microsoft.com/office/drawing/2010/main" val="0"/>
+              </a:ext>
+            </a:extLst>
+          </a:blip>
+          <a:srcRect/>
+          <a:stretch>
+            <a:fillRect/>
+          </a:stretch>
+        </p:blipFill>
+        <p:spPr bwMode="auto">
+          <a:xfrm>
+            <a:off x="6638925" y="0"/>
+            <a:ext cx="5553075" cy="1314451"/>
+          </a:xfrm>
+          <a:prstGeom prst="rect">
+            <a:avLst/>
+          </a:prstGeom>
+          <a:noFill/>
+          <a:extLst>
+            <a:ext uri="{909E8E84-426E-40DD-AFC4-6F175D3DCCD1}">
+              <a14:hiddenFill xmlns:a14="http://schemas.microsoft.com/office/drawing/2010/main">
+                <a:solidFill>
+                  <a:srgbClr val="FFFFFF"/>
+                </a:solidFill>
+              </a14:hiddenFill>
+            </a:ext>
+          </a:extLst>
+        </p:spPr>
+      </p:pic>
     </p:spTree>
     <p:extLst>
       <p:ext uri="{BB962C8B-B14F-4D97-AF65-F5344CB8AC3E}">
-        <p14:creationId xmlns:p14="http://schemas.microsoft.com/office/powerpoint/2010/main" val="3221139156"/>
+        <p14:creationId xmlns:p14="http://schemas.microsoft.com/office/powerpoint/2010/main" val="2012224654"/>
       </p:ext>
     </p:extLst>
   </p:cSld>
   <p:clrMapOvr>
     <a:masterClrMapping/>
   </p:clrMapOvr>
+  <p:timing>
+    <p:tnLst>
+      <p:par>
+        <p:cTn id="1" dur="indefinite" restart="never" nodeType="tmRoot"/>
+      </p:par>
+    </p:tnLst>
+  </p:timing>
 </p:sld>
 </file>
 
@@ -6797,7 +4718,30 @@
             <a:spLocks noGrp="1"/>
           </p:cNvSpPr>
           <p:nvPr>
-            <p:ph type="ctrTitle"/>
+            <p:ph type="title"/>
+          </p:nvPr>
+        </p:nvSpPr>
+        <p:spPr/>
+        <p:txBody>
+          <a:bodyPr/>
+          <a:lstStyle/>
+          <a:p>
+            <a:r>
+              <a:rPr lang="de-AT" dirty="0" smtClean="0"/>
+              <a:t>Collections</a:t>
+            </a:r>
+            <a:endParaRPr lang="de-AT" dirty="0"/>
+          </a:p>
+        </p:txBody>
+      </p:sp>
+      <p:sp>
+        <p:nvSpPr>
+          <p:cNvPr id="7" name="Textplatzhalter 6"/>
+          <p:cNvSpPr>
+            <a:spLocks noGrp="1"/>
+          </p:cNvSpPr>
+          <p:nvPr>
+            <p:ph type="body" idx="1"/>
           </p:nvPr>
         </p:nvSpPr>
         <p:spPr/>
@@ -6807,31 +4751,97 @@
           <a:p>
             <a:r>
               <a:rPr lang="de-AT" dirty="0" err="1" smtClean="0"/>
-              <a:t>GridFS</a:t>
+              <a:t>fs.files</a:t>
+            </a:r>
+            <a:r>
+              <a:rPr lang="de-AT" dirty="0" smtClean="0"/>
+              <a:t>	</a:t>
             </a:r>
             <a:endParaRPr lang="de-AT" dirty="0"/>
           </a:p>
         </p:txBody>
       </p:sp>
-      <p:sp>
-        <p:nvSpPr>
-          <p:cNvPr id="3" name="Untertitel 2"/>
-          <p:cNvSpPr>
-            <a:spLocks noGrp="1"/>
-          </p:cNvSpPr>
-          <p:nvPr>
-            <p:ph type="subTitle" idx="1"/>
-          </p:nvPr>
-        </p:nvSpPr>
-        <p:spPr/>
-        <p:txBody>
-          <a:bodyPr/>
-          <a:lstStyle/>
-          <a:p>
+      <p:pic>
+        <p:nvPicPr>
+          <p:cNvPr id="13" name="Inhaltsplatzhalter 12"/>
+          <p:cNvPicPr>
+            <a:picLocks noGrp="1" noChangeAspect="1"/>
+          </p:cNvPicPr>
+          <p:nvPr>
+            <p:ph sz="half" idx="2"/>
+          </p:nvPr>
+        </p:nvPicPr>
+        <p:blipFill>
+          <a:blip r:embed="rId2">
+            <a:extLst>
+              <a:ext uri="{28A0092B-C50C-407E-A947-70E740481C1C}">
+                <a14:useLocalDpi xmlns:a14="http://schemas.microsoft.com/office/drawing/2010/main" val="0"/>
+              </a:ext>
+            </a:extLst>
+          </a:blip>
+          <a:stretch>
+            <a:fillRect/>
+          </a:stretch>
+        </p:blipFill>
+        <p:spPr>
+          <a:xfrm>
+            <a:off x="1245941" y="2781080"/>
+            <a:ext cx="3524742" cy="3143689"/>
+          </a:xfrm>
+        </p:spPr>
+      </p:pic>
+      <p:sp>
+        <p:nvSpPr>
+          <p:cNvPr id="9" name="Textplatzhalter 8"/>
+          <p:cNvSpPr>
+            <a:spLocks noGrp="1"/>
+          </p:cNvSpPr>
+          <p:nvPr>
+            <p:ph type="body" sz="quarter" idx="3"/>
+          </p:nvPr>
+        </p:nvSpPr>
+        <p:spPr/>
+        <p:txBody>
+          <a:bodyPr/>
+          <a:lstStyle/>
+          <a:p>
+            <a:r>
+              <a:rPr lang="de-AT" dirty="0" err="1" smtClean="0"/>
+              <a:t>FS.CHunks</a:t>
+            </a:r>
             <a:endParaRPr lang="de-AT" dirty="0"/>
           </a:p>
         </p:txBody>
       </p:sp>
+      <p:pic>
+        <p:nvPicPr>
+          <p:cNvPr id="12" name="Inhaltsplatzhalter 11"/>
+          <p:cNvPicPr>
+            <a:picLocks noGrp="1" noChangeAspect="1"/>
+          </p:cNvPicPr>
+          <p:nvPr>
+            <p:ph sz="quarter" idx="4"/>
+          </p:nvPr>
+        </p:nvPicPr>
+        <p:blipFill>
+          <a:blip r:embed="rId3">
+            <a:extLst>
+              <a:ext uri="{28A0092B-C50C-407E-A947-70E740481C1C}">
+                <a14:useLocalDpi xmlns:a14="http://schemas.microsoft.com/office/drawing/2010/main" val="0"/>
+              </a:ext>
+            </a:extLst>
+          </a:blip>
+          <a:stretch>
+            <a:fillRect/>
+          </a:stretch>
+        </p:blipFill>
+        <p:spPr>
+          <a:xfrm>
+            <a:off x="6691082" y="3374889"/>
+            <a:ext cx="3296110" cy="1952898"/>
+          </a:xfrm>
+        </p:spPr>
+      </p:pic>
       <p:sp>
         <p:nvSpPr>
           <p:cNvPr id="4" name="Datumsplatzhalter 3"/>
@@ -6847,7 +4857,7 @@
           <a:bodyPr/>
           <a:lstStyle/>
           <a:p>
-            <a:fld id="{2692FE64-DE22-4793-A08A-44B7F839C65A}" type="datetime1">
+            <a:fld id="{5B94F75C-14B8-4BA9-8D24-A8E3E65FAE1D}" type="datetime1">
               <a:rPr lang="de-AT" smtClean="0"/>
               <a:t>05.06.2016</a:t>
             </a:fld>
@@ -6898,19 +4908,55 @@
               <a:t>5</a:t>
             </a:fld>
             <a:endParaRPr lang="de-AT"/>
+          </a:p>
+        </p:txBody>
+      </p:sp>
+      <p:sp>
+        <p:nvSpPr>
+          <p:cNvPr id="14" name="Rechteck 13"/>
+          <p:cNvSpPr/>
+          <p:nvPr/>
+        </p:nvSpPr>
+        <p:spPr>
+          <a:xfrm>
+            <a:off x="5252352" y="3906091"/>
+            <a:ext cx="755256" cy="900246"/>
+          </a:xfrm>
+          <a:prstGeom prst="rect">
+            <a:avLst/>
+          </a:prstGeom>
+        </p:spPr>
+        <p:txBody>
+          <a:bodyPr wrap="square">
+            <a:spAutoFit/>
+          </a:bodyPr>
+          <a:lstStyle/>
+          <a:p>
+            <a:r>
+              <a:rPr lang="de-AT" sz="1050" dirty="0"/>
+              <a:t>https://docs.mongodb.com/manual/core/gridfs/</a:t>
+            </a:r>
+            <a:endParaRPr lang="de-AT" sz="1050" dirty="0"/>
           </a:p>
         </p:txBody>
       </p:sp>
     </p:spTree>
     <p:extLst>
       <p:ext uri="{BB962C8B-B14F-4D97-AF65-F5344CB8AC3E}">
-        <p14:creationId xmlns:p14="http://schemas.microsoft.com/office/powerpoint/2010/main" val="4117874837"/>
+        <p14:creationId xmlns:p14="http://schemas.microsoft.com/office/powerpoint/2010/main" val="2727720800"/>
       </p:ext>
     </p:extLst>
   </p:cSld>
   <p:clrMapOvr>
     <a:masterClrMapping/>
   </p:clrMapOvr>
+  <p:timing>
+    <p:tnLst>
+      <p:par>
+        <p:cTn id="1" dur="indefinite" restart="never" nodeType="tmRoot"/>
+      </p:par>
+    </p:tnLst>
+  </p:timing>
 </p:sld>
 </file>
 
@@ -6933,48 +4979,6 @@
       </p:grpSpPr>
       <p:sp>
         <p:nvSpPr>
-          <p:cNvPr id="2" name="Titel 1"/>
-          <p:cNvSpPr>
-            <a:spLocks noGrp="1"/>
-          </p:cNvSpPr>
-          <p:nvPr>
-            <p:ph type="ctrTitle"/>
-          </p:nvPr>
-        </p:nvSpPr>
-        <p:spPr/>
-        <p:txBody>
-          <a:bodyPr/>
-          <a:lstStyle/>
-          <a:p>
-            <a:r>
-              <a:rPr lang="de-AT" dirty="0" err="1" smtClean="0"/>
-              <a:t>GridFS</a:t>
-            </a:r>
-            <a:endParaRPr lang="de-AT" dirty="0"/>
-          </a:p>
-        </p:txBody>
-      </p:sp>
-      <p:sp>
-        <p:nvSpPr>
-          <p:cNvPr id="3" name="Untertitel 2"/>
-          <p:cNvSpPr>
-            <a:spLocks noGrp="1"/>
-          </p:cNvSpPr>
-          <p:nvPr>
-            <p:ph type="subTitle" idx="1"/>
-          </p:nvPr>
-        </p:nvSpPr>
-        <p:spPr/>
-        <p:txBody>
-          <a:bodyPr/>
-          <a:lstStyle/>
-          <a:p>
-            <a:endParaRPr lang="de-AT" dirty="0"/>
-          </a:p>
-        </p:txBody>
-      </p:sp>
-      <p:sp>
-        <p:nvSpPr>
           <p:cNvPr id="4" name="Datumsplatzhalter 3"/>
           <p:cNvSpPr>
             <a:spLocks noGrp="1"/>
@@ -6988,7 +4992,7 @@
           <a:bodyPr/>
           <a:lstStyle/>
           <a:p>
-            <a:fld id="{934E3F5C-BAEA-4F09-B9AD-72E74EA0BFC1}" type="datetime1">
+            <a:fld id="{A03B2BE9-68B2-4DCF-9261-115EAEFC3679}" type="datetime1">
               <a:rPr lang="de-AT" smtClean="0"/>
               <a:t>05.06.2016</a:t>
             </a:fld>
@@ -7042,10 +5046,80 @@
           </a:p>
         </p:txBody>
       </p:sp>
+      <p:sp>
+        <p:nvSpPr>
+          <p:cNvPr id="2" name="Titel 1"/>
+          <p:cNvSpPr>
+            <a:spLocks noGrp="1"/>
+          </p:cNvSpPr>
+          <p:nvPr>
+            <p:ph type="ctrTitle" idx="4294967295"/>
+          </p:nvPr>
+        </p:nvSpPr>
+        <p:spPr>
+          <a:xfrm>
+            <a:off x="748143" y="1335200"/>
+            <a:ext cx="10782300" cy="3352800"/>
+          </a:xfrm>
+        </p:spPr>
+        <p:txBody>
+          <a:bodyPr/>
+          <a:lstStyle/>
+          <a:p>
+            <a:pPr algn="ctr"/>
+            <a:r>
+              <a:rPr lang="de-AT" sz="9600" dirty="0" smtClean="0"/>
+              <a:t>Demo</a:t>
+            </a:r>
+            <a:endParaRPr lang="de-AT" dirty="0"/>
+          </a:p>
+        </p:txBody>
+      </p:sp>
+      <p:pic>
+        <p:nvPicPr>
+          <p:cNvPr id="7" name="Picture 2" descr="https://dittmarconsulting.files.wordpress.com/2012/02/gridfs.png"/>
+          <p:cNvPicPr>
+            <a:picLocks noChangeAspect="1" noChangeArrowheads="1"/>
+          </p:cNvPicPr>
+          <p:nvPr/>
+        </p:nvPicPr>
+        <p:blipFill>
+          <a:blip r:embed="rId2">
+            <a:extLst>
+              <a:ext uri="{28A0092B-C50C-407E-A947-70E740481C1C}">
+                <a14:useLocalDpi xmlns:a14="http://schemas.microsoft.com/office/drawing/2010/main" val="0"/>
+              </a:ext>
+            </a:extLst>
+          </a:blip>
+          <a:srcRect/>
+          <a:stretch>
+            <a:fillRect/>
+          </a:stretch>
+        </p:blipFill>
+        <p:spPr bwMode="auto">
+          <a:xfrm>
+            <a:off x="3362755" y="3333975"/>
+            <a:ext cx="5553075" cy="1314451"/>
+          </a:xfrm>
+          <a:prstGeom prst="rect">
+            <a:avLst/>
+          </a:prstGeom>
+          <a:noFill/>
+          <a:extLst>
+            <a:ext uri="{909E8E84-426E-40DD-AFC4-6F175D3DCCD1}">
+              <a14:hiddenFill xmlns:a14="http://schemas.microsoft.com/office/drawing/2010/main">
+                <a:solidFill>
+                  <a:srgbClr val="FFFFFF"/>
+                </a:solidFill>
+              </a14:hiddenFill>
+            </a:ext>
+          </a:extLst>
+        </p:spPr>
+      </p:pic>
     </p:spTree>
     <p:extLst>
       <p:ext uri="{BB962C8B-B14F-4D97-AF65-F5344CB8AC3E}">
-        <p14:creationId xmlns:p14="http://schemas.microsoft.com/office/powerpoint/2010/main" val="163197974"/>
+        <p14:creationId xmlns:p14="http://schemas.microsoft.com/office/powerpoint/2010/main" val="157985216"/>
       </p:ext>
     </p:extLst>
   </p:cSld>
@@ -7079,38 +5153,34 @@
             <a:spLocks noGrp="1"/>
           </p:cNvSpPr>
           <p:nvPr>
-            <p:ph type="ctrTitle"/>
-          </p:nvPr>
-        </p:nvSpPr>
-        <p:spPr/>
-        <p:txBody>
-          <a:bodyPr/>
-          <a:lstStyle/>
-          <a:p>
-            <a:r>
-              <a:rPr lang="de-AT" dirty="0" err="1" smtClean="0"/>
-              <a:t>GridFS</a:t>
-            </a:r>
+            <p:ph type="title"/>
+          </p:nvPr>
+        </p:nvSpPr>
+        <p:spPr/>
+        <p:txBody>
+          <a:bodyPr/>
+          <a:lstStyle/>
+          <a:p>
             <a:endParaRPr lang="de-AT" dirty="0"/>
           </a:p>
         </p:txBody>
       </p:sp>
       <p:sp>
         <p:nvSpPr>
-          <p:cNvPr id="3" name="Untertitel 2"/>
-          <p:cNvSpPr>
-            <a:spLocks noGrp="1"/>
-          </p:cNvSpPr>
-          <p:nvPr>
-            <p:ph type="subTitle" idx="1"/>
-          </p:nvPr>
-        </p:nvSpPr>
-        <p:spPr/>
-        <p:txBody>
-          <a:bodyPr/>
-          <a:lstStyle/>
-          <a:p>
-            <a:endParaRPr lang="de-AT" dirty="0"/>
+          <p:cNvPr id="3" name="Inhaltsplatzhalter 2"/>
+          <p:cNvSpPr>
+            <a:spLocks noGrp="1"/>
+          </p:cNvSpPr>
+          <p:nvPr>
+            <p:ph idx="1"/>
+          </p:nvPr>
+        </p:nvSpPr>
+        <p:spPr/>
+        <p:txBody>
+          <a:bodyPr/>
+          <a:lstStyle/>
+          <a:p>
+            <a:endParaRPr lang="de-AT"/>
           </a:p>
         </p:txBody>
       </p:sp>
@@ -7129,7 +5199,7 @@
           <a:bodyPr/>
           <a:lstStyle/>
           <a:p>
-            <a:fld id="{89C9B3B2-60FA-4A68-A736-7882A2DACAC1}" type="datetime1">
+            <a:fld id="{5B94F75C-14B8-4BA9-8D24-A8E3E65FAE1D}" type="datetime1">
               <a:rPr lang="de-AT" smtClean="0"/>
               <a:t>05.06.2016</a:t>
             </a:fld>
@@ -7183,16 +5253,64 @@
           </a:p>
         </p:txBody>
       </p:sp>
+      <p:pic>
+        <p:nvPicPr>
+          <p:cNvPr id="8" name="Picture 2" descr="https://dittmarconsulting.files.wordpress.com/2012/02/gridfs.png"/>
+          <p:cNvPicPr>
+            <a:picLocks noChangeAspect="1" noChangeArrowheads="1"/>
+          </p:cNvPicPr>
+          <p:nvPr/>
+        </p:nvPicPr>
+        <p:blipFill>
+          <a:blip r:embed="rId2">
+            <a:extLst>
+              <a:ext uri="{28A0092B-C50C-407E-A947-70E740481C1C}">
+                <a14:useLocalDpi xmlns:a14="http://schemas.microsoft.com/office/drawing/2010/main" val="0"/>
+              </a:ext>
+            </a:extLst>
+          </a:blip>
+          <a:srcRect/>
+          <a:stretch>
+            <a:fillRect/>
+          </a:stretch>
+        </p:blipFill>
+        <p:spPr bwMode="auto">
+          <a:xfrm>
+            <a:off x="6638925" y="0"/>
+            <a:ext cx="5553075" cy="1314451"/>
+          </a:xfrm>
+          <a:prstGeom prst="rect">
+            <a:avLst/>
+          </a:prstGeom>
+          <a:noFill/>
+          <a:extLst>
+            <a:ext uri="{909E8E84-426E-40DD-AFC4-6F175D3DCCD1}">
+              <a14:hiddenFill xmlns:a14="http://schemas.microsoft.com/office/drawing/2010/main">
+                <a:solidFill>
+                  <a:srgbClr val="FFFFFF"/>
+                </a:solidFill>
+              </a14:hiddenFill>
+            </a:ext>
+          </a:extLst>
+        </p:spPr>
+      </p:pic>
     </p:spTree>
     <p:extLst>
       <p:ext uri="{BB962C8B-B14F-4D97-AF65-F5344CB8AC3E}">
-        <p14:creationId xmlns:p14="http://schemas.microsoft.com/office/powerpoint/2010/main" val="2259122247"/>
+        <p14:creationId xmlns:p14="http://schemas.microsoft.com/office/powerpoint/2010/main" val="4099480145"/>
       </p:ext>
     </p:extLst>
   </p:cSld>
   <p:clrMapOvr>
     <a:masterClrMapping/>
   </p:clrMapOvr>
+  <p:timing>
+    <p:tnLst>
+      <p:par>
+        <p:cTn id="1" dur="indefinite" restart="never" nodeType="tmRoot"/>
+      </p:par>
+    </p:tnLst>
+  </p:timing>
 </p:sld>
 </file>
 
@@ -7229,8 +5347,8 @@
           <a:lstStyle/>
           <a:p>
             <a:r>
-              <a:rPr lang="de-AT" dirty="0" err="1" smtClean="0"/>
-              <a:t>GridFS</a:t>
+              <a:rPr lang="de-AT" dirty="0" smtClean="0"/>
+              <a:t>Danke!</a:t>
             </a:r>
             <a:endParaRPr lang="de-AT" dirty="0"/>
           </a:p>
@@ -7270,7 +5388,7 @@
           <a:bodyPr/>
           <a:lstStyle/>
           <a:p>
-            <a:fld id="{03254EEF-05D2-4393-8A68-AB75F18EDD34}" type="datetime1">
+            <a:fld id="{3F3820A0-CF29-4B2D-9B4B-D5FEA8EE24AA}" type="datetime1">
               <a:rPr lang="de-AT" smtClean="0"/>
               <a:t>05.06.2016</a:t>
             </a:fld>
@@ -7327,13 +5445,20 @@
     </p:spTree>
     <p:extLst>
       <p:ext uri="{BB962C8B-B14F-4D97-AF65-F5344CB8AC3E}">
-        <p14:creationId xmlns:p14="http://schemas.microsoft.com/office/powerpoint/2010/main" val="98605333"/>
+        <p14:creationId xmlns:p14="http://schemas.microsoft.com/office/powerpoint/2010/main" val="1462818610"/>
       </p:ext>
     </p:extLst>
   </p:cSld>
   <p:clrMapOvr>
     <a:masterClrMapping/>
   </p:clrMapOvr>
+  <p:timing>
+    <p:tnLst>
+      <p:par>
+        <p:cTn id="1" dur="indefinite" restart="never" nodeType="tmRoot"/>
+      </p:par>
+    </p:tnLst>
+  </p:timing>
 </p:sld>
 </file>
 
@@ -7361,17 +5486,17 @@
             <a:spLocks noGrp="1"/>
           </p:cNvSpPr>
           <p:nvPr>
-            <p:ph type="ctrTitle"/>
-          </p:nvPr>
-        </p:nvSpPr>
-        <p:spPr/>
-        <p:txBody>
-          <a:bodyPr/>
-          <a:lstStyle/>
-          <a:p>
-            <a:r>
-              <a:rPr lang="de-AT" dirty="0" err="1" smtClean="0"/>
-              <a:t>GridFS</a:t>
+            <p:ph type="title"/>
+          </p:nvPr>
+        </p:nvSpPr>
+        <p:spPr/>
+        <p:txBody>
+          <a:bodyPr/>
+          <a:lstStyle/>
+          <a:p>
+            <a:r>
+              <a:rPr lang="de-AT" dirty="0" smtClean="0"/>
+              <a:t>Quellen</a:t>
             </a:r>
             <a:endParaRPr lang="de-AT" dirty="0"/>
           </a:p>
@@ -7379,20 +5504,23 @@
       </p:sp>
       <p:sp>
         <p:nvSpPr>
-          <p:cNvPr id="3" name="Untertitel 2"/>
-          <p:cNvSpPr>
-            <a:spLocks noGrp="1"/>
-          </p:cNvSpPr>
-          <p:nvPr>
-            <p:ph type="subTitle" idx="1"/>
-          </p:nvPr>
-        </p:nvSpPr>
-        <p:spPr/>
-        <p:txBody>
-          <a:bodyPr/>
-          <a:lstStyle/>
-          <a:p>
-            <a:endParaRPr lang="de-AT" dirty="0"/>
+          <p:cNvPr id="3" name="Inhaltsplatzhalter 2"/>
+          <p:cNvSpPr>
+            <a:spLocks noGrp="1"/>
+          </p:cNvSpPr>
+          <p:nvPr>
+            <p:ph idx="1"/>
+          </p:nvPr>
+        </p:nvSpPr>
+        <p:spPr/>
+        <p:txBody>
+          <a:bodyPr/>
+          <a:lstStyle/>
+          <a:p>
+            <a:r>
+              <a:rPr lang="de-AT" dirty="0"/>
+              <a:t>https://docs.mongodb.com/manual/core/gridfs/</a:t>
+            </a:r>
           </a:p>
         </p:txBody>
       </p:sp>
@@ -7411,7 +5539,7 @@
           <a:bodyPr/>
           <a:lstStyle/>
           <a:p>
-            <a:fld id="{05ADAC6C-B024-455D-9A17-4021EC465F43}" type="datetime1">
+            <a:fld id="{5B94F75C-14B8-4BA9-8D24-A8E3E65FAE1D}" type="datetime1">
               <a:rPr lang="de-AT" smtClean="0"/>
               <a:t>05.06.2016</a:t>
             </a:fld>
@@ -7468,7 +5596,7 @@
     </p:spTree>
     <p:extLst>
       <p:ext uri="{BB962C8B-B14F-4D97-AF65-F5344CB8AC3E}">
-        <p14:creationId xmlns:p14="http://schemas.microsoft.com/office/powerpoint/2010/main" val="3661167788"/>
+        <p14:creationId xmlns:p14="http://schemas.microsoft.com/office/powerpoint/2010/main" val="3424862104"/>
       </p:ext>
     </p:extLst>
   </p:cSld>
@@ -7479,9 +5607,9 @@
 </file>
 
 <file path=ppt/theme/theme1.xml><?xml version="1.0" encoding="utf-8"?>
-<a:theme xmlns:a="http://schemas.openxmlformats.org/drawingml/2006/main" name="Office">
+<a:theme xmlns:a="http://schemas.openxmlformats.org/drawingml/2006/main" name="Metropolitan">
   <a:themeElements>
-    <a:clrScheme name="Office">
+    <a:clrScheme name="Metropolitan">
       <a:dk1>
         <a:sysClr val="windowText" lastClr="000000"/>
       </a:dk1>
@@ -7489,44 +5617,44 @@
         <a:sysClr val="window" lastClr="FFFFFF"/>
       </a:lt1>
       <a:dk2>
-        <a:srgbClr val="44546A"/>
+        <a:srgbClr val="471101"/>
       </a:dk2>
       <a:lt2>
-        <a:srgbClr val="E7E6E6"/>
+        <a:srgbClr val="E7E8E2"/>
       </a:lt2>
       <a:accent1>
-        <a:srgbClr val="5B9BD5"/>
+        <a:srgbClr val="A6B727"/>
       </a:accent1>
       <a:accent2>
-        <a:srgbClr val="ED7D31"/>
+        <a:srgbClr val="F04304"/>
       </a:accent2>
       <a:accent3>
-        <a:srgbClr val="A5A5A5"/>
+        <a:srgbClr val="EF8606"/>
       </a:accent3>
       <a:accent4>
-        <a:srgbClr val="FFC000"/>
+        <a:srgbClr val="F2C100"/>
       </a:accent4>
       <a:accent5>
-        <a:srgbClr val="4472C4"/>
+        <a:srgbClr val="A65001"/>
       </a:accent5>
       <a:accent6>
-        <a:srgbClr val="70AD47"/>
+        <a:srgbClr val="BA9585"/>
       </a:accent6>
       <a:hlink>
-        <a:srgbClr val="0563C1"/>
+        <a:srgbClr val="00B0F0"/>
       </a:hlink>
       <a:folHlink>
-        <a:srgbClr val="954F72"/>
+        <a:srgbClr val="7F7F7F"/>
       </a:folHlink>
     </a:clrScheme>
-    <a:fontScheme name="Office">
+    <a:fontScheme name="Metropolitan">
       <a:majorFont>
         <a:latin typeface="Calibri Light" panose="020F0302020204030204"/>
         <a:ea typeface=""/>
         <a:cs typeface=""/>
-        <a:font script="Jpan" typeface="游ゴシック Light"/>
+        <a:font script="Jpan" typeface="ＭＳ Ｐゴシック"/>
         <a:font script="Hang" typeface="맑은 고딕"/>
-        <a:font script="Hans" typeface="等线 Light"/>
+        <a:font script="Hans" typeface="宋体"/>
         <a:font script="Hant" typeface="新細明體"/>
         <a:font script="Arab" typeface="Times New Roman"/>
         <a:font script="Hebr" typeface="Times New Roman"/>
@@ -7556,20 +5684,20 @@
         <a:font script="Geor" typeface="Sylfaen"/>
       </a:majorFont>
       <a:minorFont>
-        <a:latin typeface="Calibri" panose="020F0502020204030204"/>
+        <a:latin typeface="Calibri Light" panose="020F0302020204030204"/>
         <a:ea typeface=""/>
         <a:cs typeface=""/>
-        <a:font script="Jpan" typeface="游ゴシック"/>
+        <a:font script="Jpan" typeface="ＭＳ Ｐゴシック"/>
         <a:font script="Hang" typeface="맑은 고딕"/>
-        <a:font script="Hans" typeface="等线"/>
+        <a:font script="Hans" typeface="宋体"/>
         <a:font script="Hant" typeface="新細明體"/>
-        <a:font script="Arab" typeface="Arial"/>
-        <a:font script="Hebr" typeface="Arial"/>
-        <a:font script="Thai" typeface="Cordia New"/>
+        <a:font script="Arab" typeface="Times New Roman"/>
+        <a:font script="Hebr" typeface="Times New Roman"/>
+        <a:font script="Thai" typeface="Angsana New"/>
         <a:font script="Ethi" typeface="Nyala"/>
         <a:font script="Beng" typeface="Vrinda"/>
         <a:font script="Gujr" typeface="Shruti"/>
-        <a:font script="Khmr" typeface="DaunPenh"/>
+        <a:font script="Khmr" typeface="MoolBoran"/>
         <a:font script="Knda" typeface="Tunga"/>
         <a:font script="Guru" typeface="Raavi"/>
         <a:font script="Cans" typeface="Euphemia"/>
@@ -7586,12 +5714,12 @@
         <a:font script="Laoo" typeface="DokChampa"/>
         <a:font script="Sinh" typeface="Iskoola Pota"/>
         <a:font script="Mong" typeface="Mongolian Baiti"/>
-        <a:font script="Viet" typeface="Arial"/>
+        <a:font script="Viet" typeface="Times New Roman"/>
         <a:font script="Uigh" typeface="Microsoft Uighur"/>
         <a:font script="Geor" typeface="Sylfaen"/>
       </a:minorFont>
     </a:fontScheme>
-    <a:fmtScheme name="Office">
+    <a:fmtScheme name="Metropolitan">
       <a:fillStyleLst>
         <a:solidFill>
           <a:schemeClr val="phClr"/>
@@ -7600,76 +5728,73 @@
           <a:gsLst>
             <a:gs pos="0">
               <a:schemeClr val="phClr">
+                <a:tint val="70000"/>
+                <a:satMod val="100000"/>
                 <a:lumMod val="110000"/>
-                <a:satMod val="105000"/>
-                <a:tint val="67000"/>
               </a:schemeClr>
             </a:gs>
             <a:gs pos="50000">
               <a:schemeClr val="phClr">
+                <a:tint val="75000"/>
+                <a:satMod val="101000"/>
                 <a:lumMod val="105000"/>
-                <a:satMod val="103000"/>
-                <a:tint val="73000"/>
               </a:schemeClr>
             </a:gs>
             <a:gs pos="100000">
               <a:schemeClr val="phClr">
+                <a:tint val="82000"/>
+                <a:satMod val="104000"/>
                 <a:lumMod val="105000"/>
-                <a:satMod val="109000"/>
-                <a:tint val="81000"/>
               </a:schemeClr>
             </a:gs>
           </a:gsLst>
-          <a:lin ang="5400000" scaled="0"/>
+          <a:lin ang="2700000" scaled="0"/>
         </a:gradFill>
         <a:gradFill rotWithShape="1">
           <a:gsLst>
             <a:gs pos="0">
               <a:schemeClr val="phClr">
-                <a:satMod val="103000"/>
+                <a:tint val="97000"/>
+                <a:satMod val="100000"/>
                 <a:lumMod val="102000"/>
-                <a:tint val="94000"/>
               </a:schemeClr>
             </a:gs>
             <a:gs pos="50000">
               <a:schemeClr val="phClr">
-                <a:satMod val="110000"/>
+                <a:shade val="100000"/>
+                <a:satMod val="100000"/>
                 <a:lumMod val="100000"/>
-                <a:shade val="100000"/>
               </a:schemeClr>
             </a:gs>
             <a:gs pos="100000">
               <a:schemeClr val="phClr">
+                <a:shade val="80000"/>
+                <a:satMod val="100000"/>
                 <a:lumMod val="99000"/>
-                <a:satMod val="120000"/>
-                <a:shade val="78000"/>
               </a:schemeClr>
             </a:gs>
           </a:gsLst>
-          <a:lin ang="5400000" scaled="0"/>
+          <a:lin ang="2700000" scaled="0"/>
         </a:gradFill>
       </a:fillStyleLst>
       <a:lnStyleLst>
-        <a:ln w="6350" cap="flat" cmpd="sng" algn="ctr">
+        <a:ln w="9525" cap="flat" cmpd="sng" algn="ctr">
           <a:solidFill>
             <a:schemeClr val="phClr"/>
           </a:solidFill>
           <a:prstDash val="solid"/>
-          <a:miter lim="800000"/>
         </a:ln>
         <a:ln w="12700" cap="flat" cmpd="sng" algn="ctr">
           <a:solidFill>
             <a:schemeClr val="phClr"/>
           </a:solidFill>
           <a:prstDash val="solid"/>
-          <a:miter lim="800000"/>
         </a:ln>
         <a:ln w="19050" cap="flat" cmpd="sng" algn="ctr">
           <a:solidFill>
             <a:schemeClr val="phClr"/>
           </a:solidFill>
           <a:prstDash val="solid"/>
-          <a:miter lim="800000"/>
         </a:ln>
       </a:lnStyleLst>
       <a:effectStyleLst>
@@ -7699,33 +5824,12 @@
             <a:satMod val="170000"/>
           </a:schemeClr>
         </a:solidFill>
-        <a:gradFill rotWithShape="1">
-          <a:gsLst>
-            <a:gs pos="0">
-              <a:schemeClr val="phClr">
-                <a:tint val="93000"/>
-                <a:satMod val="150000"/>
-                <a:shade val="98000"/>
-                <a:lumMod val="102000"/>
-              </a:schemeClr>
-            </a:gs>
-            <a:gs pos="50000">
-              <a:schemeClr val="phClr">
-                <a:tint val="98000"/>
-                <a:satMod val="130000"/>
-                <a:shade val="90000"/>
-                <a:lumMod val="103000"/>
-              </a:schemeClr>
-            </a:gs>
-            <a:gs pos="100000">
-              <a:schemeClr val="phClr">
-                <a:shade val="63000"/>
-                <a:satMod val="120000"/>
-              </a:schemeClr>
-            </a:gs>
-          </a:gsLst>
-          <a:lin ang="5400000" scaled="0"/>
-        </a:gradFill>
+        <a:solidFill>
+          <a:schemeClr val="phClr">
+            <a:shade val="95000"/>
+            <a:satMod val="170000"/>
+          </a:schemeClr>
+        </a:solidFill>
       </a:bgFillStyleLst>
     </a:fmtScheme>
   </a:themeElements>
@@ -7733,7 +5837,7 @@
   <a:extraClrSchemeLst/>
   <a:extLst>
     <a:ext uri="{05A4C25C-085E-4340-85A3-A5531E510DB2}">
-      <thm15:themeFamily xmlns:thm15="http://schemas.microsoft.com/office/thememl/2012/main" name="Office Theme" id="{62F939B6-93AF-4DB8-9C6B-D6C7DFDC589F}" vid="{4A3C46E8-61CC-4603-A589-7422A47A8E4A}"/>
+      <thm15:themeFamily xmlns:thm15="http://schemas.microsoft.com/office/thememl/2012/main" name="Metropolitan" id="{4C5440D6-04D2-4954-96CF-F251137069B2}" vid="{3A8A2BB7-7C5E-4EB2-B1F1-CFFF0F57E773}"/>
     </a:ext>
   </a:extLst>
 </a:theme>

--- a/GridFS.pptx
+++ b/GridFS.pptx
@@ -5,18 +5,14 @@
     <p:sldMasterId id="2147483696" r:id="rId1"/>
   </p:sldMasterIdLst>
   <p:notesMasterIdLst>
-    <p:notesMasterId r:id="rId11"/>
+    <p:notesMasterId r:id="rId7"/>
   </p:notesMasterIdLst>
   <p:sldIdLst>
     <p:sldId id="256" r:id="rId2"/>
-    <p:sldId id="286" r:id="rId3"/>
-    <p:sldId id="287" r:id="rId4"/>
-    <p:sldId id="288" r:id="rId5"/>
-    <p:sldId id="290" r:id="rId6"/>
-    <p:sldId id="292" r:id="rId7"/>
-    <p:sldId id="289" r:id="rId8"/>
-    <p:sldId id="284" r:id="rId9"/>
-    <p:sldId id="291" r:id="rId10"/>
+    <p:sldId id="288" r:id="rId3"/>
+    <p:sldId id="292" r:id="rId4"/>
+    <p:sldId id="284" r:id="rId5"/>
+    <p:sldId id="291" r:id="rId6"/>
   </p:sldIdLst>
   <p:sldSz cx="12192000" cy="6858000"/>
   <p:notesSz cx="6858000" cy="9144000"/>
@@ -4016,63 +4012,91 @@
           <a:p>
             <a:r>
               <a:rPr lang="de-AT" dirty="0" smtClean="0"/>
-              <a:t>Inhalt</a:t>
-            </a:r>
-            <a:endParaRPr lang="de-AT" dirty="0"/>
-          </a:p>
-        </p:txBody>
-      </p:sp>
-      <p:sp>
-        <p:nvSpPr>
-          <p:cNvPr id="3" name="Inhaltsplatzhalter 2"/>
-          <p:cNvSpPr>
-            <a:spLocks noGrp="1"/>
-          </p:cNvSpPr>
-          <p:nvPr>
-            <p:ph idx="1"/>
-          </p:nvPr>
-        </p:nvSpPr>
-        <p:spPr/>
-        <p:txBody>
-          <a:bodyPr/>
-          <a:lstStyle/>
-          <a:p>
-            <a:r>
-              <a:rPr lang="de-AT" dirty="0" smtClean="0"/>
-              <a:t>Was ist hier los?</a:t>
-            </a:r>
-          </a:p>
-          <a:p>
-            <a:r>
-              <a:rPr lang="de-AT" dirty="0" smtClean="0"/>
-              <a:t>Wozu </a:t>
+              <a:t>Was ist </a:t>
             </a:r>
             <a:r>
               <a:rPr lang="de-AT" dirty="0" err="1" smtClean="0"/>
-              <a:t>digga</a:t>
+              <a:t>GridFS</a:t>
             </a:r>
             <a:r>
               <a:rPr lang="de-AT" dirty="0" smtClean="0"/>
               <a:t>?</a:t>
             </a:r>
-          </a:p>
+            <a:endParaRPr lang="de-AT" dirty="0"/>
+          </a:p>
+        </p:txBody>
+      </p:sp>
+      <p:sp>
+        <p:nvSpPr>
+          <p:cNvPr id="3" name="Inhaltsplatzhalter 2"/>
+          <p:cNvSpPr>
+            <a:spLocks noGrp="1"/>
+          </p:cNvSpPr>
+          <p:nvPr>
+            <p:ph idx="1"/>
+          </p:nvPr>
+        </p:nvSpPr>
+        <p:spPr/>
+        <p:txBody>
+          <a:bodyPr/>
+          <a:lstStyle/>
           <a:p>
             <a:r>
               <a:rPr lang="de-AT" dirty="0" smtClean="0"/>
-              <a:t>Wie funktioniert das?</a:t>
+              <a:t>Treiber Spezifikation!</a:t>
             </a:r>
           </a:p>
           <a:p>
             <a:r>
               <a:rPr lang="de-AT" dirty="0" smtClean="0"/>
-              <a:t>Zeig mal her!</a:t>
-            </a:r>
-          </a:p>
-          <a:p>
-            <a:endParaRPr lang="de-AT" dirty="0" smtClean="0"/>
-          </a:p>
-          <a:p>
-            <a:endParaRPr lang="de-AT" dirty="0" smtClean="0"/>
+              <a:t>FS … File System</a:t>
+            </a:r>
+          </a:p>
+          <a:p>
+            <a:r>
+              <a:rPr lang="de-AT" dirty="0" smtClean="0"/>
+              <a:t>2 Collections</a:t>
+            </a:r>
+          </a:p>
+          <a:p>
+            <a:pPr lvl="1"/>
+            <a:r>
+              <a:rPr lang="de-AT" dirty="0" smtClean="0"/>
+              <a:t>Files		(</a:t>
+            </a:r>
+            <a:r>
+              <a:rPr lang="de-AT" dirty="0" err="1" smtClean="0"/>
+              <a:t>metadata</a:t>
+            </a:r>
+            <a:r>
+              <a:rPr lang="de-AT" dirty="0" smtClean="0"/>
+              <a:t>)</a:t>
+            </a:r>
+          </a:p>
+          <a:p>
+            <a:pPr lvl="1"/>
+            <a:r>
+              <a:rPr lang="de-AT" dirty="0" err="1" smtClean="0"/>
+              <a:t>Chunks</a:t>
+            </a:r>
+            <a:r>
+              <a:rPr lang="de-AT" dirty="0" smtClean="0"/>
+              <a:t> 	(</a:t>
+            </a:r>
+            <a:r>
+              <a:rPr lang="de-AT" dirty="0" err="1" smtClean="0"/>
+              <a:t>max</a:t>
+            </a:r>
+            <a:r>
+              <a:rPr lang="de-AT" dirty="0" smtClean="0"/>
+              <a:t> 16 MB)</a:t>
+            </a:r>
+          </a:p>
+          <a:p>
+            <a:r>
+              <a:rPr lang="de-AT" dirty="0" smtClean="0"/>
+              <a:t>BSON-Format</a:t>
+            </a:r>
           </a:p>
           <a:p>
             <a:endParaRPr lang="de-AT" dirty="0"/>
@@ -4081,7 +4105,7 @@
       </p:sp>
       <p:sp>
         <p:nvSpPr>
-          <p:cNvPr id="5" name="Datumsplatzhalter 4"/>
+          <p:cNvPr id="4" name="Datumsplatzhalter 3"/>
           <p:cNvSpPr>
             <a:spLocks noGrp="1"/>
           </p:cNvSpPr>
@@ -4094,7 +4118,7 @@
           <a:bodyPr/>
           <a:lstStyle/>
           <a:p>
-            <a:fld id="{5C7DDACF-EFCC-437E-AD5E-2E10AF2282D0}" type="datetime1">
+            <a:fld id="{5B94F75C-14B8-4BA9-8D24-A8E3E65FAE1D}" type="datetime1">
               <a:rPr lang="de-AT" smtClean="0"/>
               <a:t>05.06.2016</a:t>
             </a:fld>
@@ -4104,7 +4128,7 @@
       </p:sp>
       <p:sp>
         <p:nvSpPr>
-          <p:cNvPr id="6" name="Fußzeilenplatzhalter 5"/>
+          <p:cNvPr id="5" name="Fußzeilenplatzhalter 4"/>
           <p:cNvSpPr>
             <a:spLocks noGrp="1"/>
           </p:cNvSpPr>
@@ -4127,7 +4151,7 @@
       </p:sp>
       <p:sp>
         <p:nvSpPr>
-          <p:cNvPr id="7" name="Foliennummernplatzhalter 6"/>
+          <p:cNvPr id="6" name="Foliennummernplatzhalter 5"/>
           <p:cNvSpPr>
             <a:spLocks noGrp="1"/>
           </p:cNvSpPr>
@@ -4150,7 +4174,7 @@
       </p:sp>
       <p:pic>
         <p:nvPicPr>
-          <p:cNvPr id="9" name="Picture 2" descr="https://dittmarconsulting.files.wordpress.com/2012/02/gridfs.png"/>
+          <p:cNvPr id="8" name="Picture 2" descr="https://dittmarconsulting.files.wordpress.com/2012/02/gridfs.png"/>
           <p:cNvPicPr>
             <a:picLocks noChangeAspect="1" noChangeArrowheads="1"/>
           </p:cNvPicPr>
@@ -4192,7 +4216,7 @@
     </p:spTree>
     <p:extLst>
       <p:ext uri="{BB962C8B-B14F-4D97-AF65-F5344CB8AC3E}">
-        <p14:creationId xmlns:p14="http://schemas.microsoft.com/office/powerpoint/2010/main" val="2072491755"/>
+        <p14:creationId xmlns:p14="http://schemas.microsoft.com/office/powerpoint/2010/main" val="2012224654"/>
       </p:ext>
     </p:extLst>
   </p:cSld>
@@ -4422,7 +4446,7 @@
     </p:spTree>
     <p:extLst>
       <p:ext uri="{BB962C8B-B14F-4D97-AF65-F5344CB8AC3E}">
-        <p14:creationId xmlns:p14="http://schemas.microsoft.com/office/powerpoint/2010/main" val="1708243548"/>
+        <p14:creationId xmlns:p14="http://schemas.microsoft.com/office/powerpoint/2010/main" val="749608691"/>
       </p:ext>
     </p:extLst>
   </p:cSld>
@@ -4463,7 +4487,7 @@
             <a:spLocks noGrp="1"/>
           </p:cNvSpPr>
           <p:nvPr>
-            <p:ph type="title"/>
+            <p:ph type="ctrTitle"/>
           </p:nvPr>
         </p:nvSpPr>
         <p:spPr/>
@@ -4473,15 +4497,7 @@
           <a:p>
             <a:r>
               <a:rPr lang="de-AT" dirty="0" smtClean="0"/>
-              <a:t>Was ist </a:t>
-            </a:r>
-            <a:r>
-              <a:rPr lang="de-AT" dirty="0" err="1" smtClean="0"/>
-              <a:t>GridFS</a:t>
-            </a:r>
-            <a:r>
-              <a:rPr lang="de-AT" dirty="0" smtClean="0"/>
-              <a:t>?</a:t>
+              <a:t>Danke!</a:t>
             </a:r>
             <a:endParaRPr lang="de-AT" dirty="0"/>
           </a:p>
@@ -4489,76 +4505,18 @@
       </p:sp>
       <p:sp>
         <p:nvSpPr>
-          <p:cNvPr id="3" name="Inhaltsplatzhalter 2"/>
-          <p:cNvSpPr>
-            <a:spLocks noGrp="1"/>
-          </p:cNvSpPr>
-          <p:nvPr>
-            <p:ph idx="1"/>
-          </p:nvPr>
-        </p:nvSpPr>
-        <p:spPr/>
-        <p:txBody>
-          <a:bodyPr/>
-          <a:lstStyle/>
-          <a:p>
-            <a:r>
-              <a:rPr lang="de-AT" dirty="0" smtClean="0"/>
-              <a:t>Treiber Spezifikation!</a:t>
-            </a:r>
-          </a:p>
-          <a:p>
-            <a:r>
-              <a:rPr lang="de-AT" dirty="0" smtClean="0"/>
-              <a:t>FS … File System</a:t>
-            </a:r>
-          </a:p>
-          <a:p>
-            <a:r>
-              <a:rPr lang="de-AT" dirty="0" smtClean="0"/>
-              <a:t>2 Collections</a:t>
-            </a:r>
-          </a:p>
-          <a:p>
-            <a:pPr lvl="1"/>
-            <a:r>
-              <a:rPr lang="de-AT" dirty="0" smtClean="0"/>
-              <a:t>Files		(</a:t>
-            </a:r>
-            <a:r>
-              <a:rPr lang="de-AT" dirty="0" err="1" smtClean="0"/>
-              <a:t>metadata</a:t>
-            </a:r>
-            <a:r>
-              <a:rPr lang="de-AT" dirty="0" smtClean="0"/>
-              <a:t>)</a:t>
-            </a:r>
-          </a:p>
-          <a:p>
-            <a:pPr lvl="1"/>
-            <a:r>
-              <a:rPr lang="de-AT" dirty="0" err="1" smtClean="0"/>
-              <a:t>Chunks</a:t>
-            </a:r>
-            <a:r>
-              <a:rPr lang="de-AT" dirty="0" smtClean="0"/>
-              <a:t> 	(</a:t>
-            </a:r>
-            <a:r>
-              <a:rPr lang="de-AT" dirty="0" err="1" smtClean="0"/>
-              <a:t>max</a:t>
-            </a:r>
-            <a:r>
-              <a:rPr lang="de-AT" dirty="0" smtClean="0"/>
-              <a:t> 16 MB)</a:t>
-            </a:r>
-          </a:p>
-          <a:p>
-            <a:r>
-              <a:rPr lang="de-AT" dirty="0" smtClean="0"/>
-              <a:t>BSON-Format</a:t>
-            </a:r>
-          </a:p>
+          <p:cNvPr id="3" name="Untertitel 2"/>
+          <p:cNvSpPr>
+            <a:spLocks noGrp="1"/>
+          </p:cNvSpPr>
+          <p:nvPr>
+            <p:ph type="subTitle" idx="1"/>
+          </p:nvPr>
+        </p:nvSpPr>
+        <p:spPr/>
+        <p:txBody>
+          <a:bodyPr/>
+          <a:lstStyle/>
           <a:p>
             <a:endParaRPr lang="de-AT" dirty="0"/>
           </a:p>
@@ -4579,7 +4537,7 @@
           <a:bodyPr/>
           <a:lstStyle/>
           <a:p>
-            <a:fld id="{5B94F75C-14B8-4BA9-8D24-A8E3E65FAE1D}" type="datetime1">
+            <a:fld id="{3F3820A0-CF29-4B2D-9B4B-D5FEA8EE24AA}" type="datetime1">
               <a:rPr lang="de-AT" smtClean="0"/>
               <a:t>05.06.2016</a:t>
             </a:fld>
@@ -4633,51 +4591,10 @@
           </a:p>
         </p:txBody>
       </p:sp>
-      <p:pic>
-        <p:nvPicPr>
-          <p:cNvPr id="8" name="Picture 2" descr="https://dittmarconsulting.files.wordpress.com/2012/02/gridfs.png"/>
-          <p:cNvPicPr>
-            <a:picLocks noChangeAspect="1" noChangeArrowheads="1"/>
-          </p:cNvPicPr>
-          <p:nvPr/>
-        </p:nvPicPr>
-        <p:blipFill>
-          <a:blip r:embed="rId2">
-            <a:extLst>
-              <a:ext uri="{28A0092B-C50C-407E-A947-70E740481C1C}">
-                <a14:useLocalDpi xmlns:a14="http://schemas.microsoft.com/office/drawing/2010/main" val="0"/>
-              </a:ext>
-            </a:extLst>
-          </a:blip>
-          <a:srcRect/>
-          <a:stretch>
-            <a:fillRect/>
-          </a:stretch>
-        </p:blipFill>
-        <p:spPr bwMode="auto">
-          <a:xfrm>
-            <a:off x="6638925" y="0"/>
-            <a:ext cx="5553075" cy="1314451"/>
-          </a:xfrm>
-          <a:prstGeom prst="rect">
-            <a:avLst/>
-          </a:prstGeom>
-          <a:noFill/>
-          <a:extLst>
-            <a:ext uri="{909E8E84-426E-40DD-AFC4-6F175D3DCCD1}">
-              <a14:hiddenFill xmlns:a14="http://schemas.microsoft.com/office/drawing/2010/main">
-                <a:solidFill>
-                  <a:srgbClr val="FFFFFF"/>
-                </a:solidFill>
-              </a14:hiddenFill>
-            </a:ext>
-          </a:extLst>
-        </p:spPr>
-      </p:pic>
     </p:spTree>
     <p:extLst>
       <p:ext uri="{BB962C8B-B14F-4D97-AF65-F5344CB8AC3E}">
-        <p14:creationId xmlns:p14="http://schemas.microsoft.com/office/powerpoint/2010/main" val="2012224654"/>
+        <p14:creationId xmlns:p14="http://schemas.microsoft.com/office/powerpoint/2010/main" val="1462818610"/>
       </p:ext>
     </p:extLst>
   </p:cSld>
@@ -4728,7 +4645,7 @@
           <a:p>
             <a:r>
               <a:rPr lang="de-AT" dirty="0" smtClean="0"/>
-              <a:t>Collections</a:t>
+              <a:t>Quellen</a:t>
             </a:r>
             <a:endParaRPr lang="de-AT" dirty="0"/>
           </a:p>
@@ -4736,112 +4653,26 @@
       </p:sp>
       <p:sp>
         <p:nvSpPr>
-          <p:cNvPr id="7" name="Textplatzhalter 6"/>
-          <p:cNvSpPr>
-            <a:spLocks noGrp="1"/>
-          </p:cNvSpPr>
-          <p:nvPr>
-            <p:ph type="body" idx="1"/>
-          </p:nvPr>
-        </p:nvSpPr>
-        <p:spPr/>
-        <p:txBody>
-          <a:bodyPr/>
-          <a:lstStyle/>
-          <a:p>
-            <a:r>
-              <a:rPr lang="de-AT" dirty="0" err="1" smtClean="0"/>
-              <a:t>fs.files</a:t>
-            </a:r>
-            <a:r>
-              <a:rPr lang="de-AT" dirty="0" smtClean="0"/>
-              <a:t>	</a:t>
-            </a:r>
-            <a:endParaRPr lang="de-AT" dirty="0"/>
-          </a:p>
-        </p:txBody>
-      </p:sp>
-      <p:pic>
-        <p:nvPicPr>
-          <p:cNvPr id="13" name="Inhaltsplatzhalter 12"/>
-          <p:cNvPicPr>
-            <a:picLocks noGrp="1" noChangeAspect="1"/>
-          </p:cNvPicPr>
-          <p:nvPr>
-            <p:ph sz="half" idx="2"/>
-          </p:nvPr>
-        </p:nvPicPr>
-        <p:blipFill>
-          <a:blip r:embed="rId2">
-            <a:extLst>
-              <a:ext uri="{28A0092B-C50C-407E-A947-70E740481C1C}">
-                <a14:useLocalDpi xmlns:a14="http://schemas.microsoft.com/office/drawing/2010/main" val="0"/>
-              </a:ext>
-            </a:extLst>
-          </a:blip>
-          <a:stretch>
-            <a:fillRect/>
-          </a:stretch>
-        </p:blipFill>
-        <p:spPr>
-          <a:xfrm>
-            <a:off x="1245941" y="2781080"/>
-            <a:ext cx="3524742" cy="3143689"/>
-          </a:xfrm>
-        </p:spPr>
-      </p:pic>
-      <p:sp>
-        <p:nvSpPr>
-          <p:cNvPr id="9" name="Textplatzhalter 8"/>
-          <p:cNvSpPr>
-            <a:spLocks noGrp="1"/>
-          </p:cNvSpPr>
-          <p:nvPr>
-            <p:ph type="body" sz="quarter" idx="3"/>
-          </p:nvPr>
-        </p:nvSpPr>
-        <p:spPr/>
-        <p:txBody>
-          <a:bodyPr/>
-          <a:lstStyle/>
-          <a:p>
-            <a:r>
-              <a:rPr lang="de-AT" dirty="0" err="1" smtClean="0"/>
-              <a:t>FS.CHunks</a:t>
-            </a:r>
-            <a:endParaRPr lang="de-AT" dirty="0"/>
-          </a:p>
-        </p:txBody>
-      </p:sp>
-      <p:pic>
-        <p:nvPicPr>
-          <p:cNvPr id="12" name="Inhaltsplatzhalter 11"/>
-          <p:cNvPicPr>
-            <a:picLocks noGrp="1" noChangeAspect="1"/>
-          </p:cNvPicPr>
-          <p:nvPr>
-            <p:ph sz="quarter" idx="4"/>
-          </p:nvPr>
-        </p:nvPicPr>
-        <p:blipFill>
-          <a:blip r:embed="rId3">
-            <a:extLst>
-              <a:ext uri="{28A0092B-C50C-407E-A947-70E740481C1C}">
-                <a14:useLocalDpi xmlns:a14="http://schemas.microsoft.com/office/drawing/2010/main" val="0"/>
-              </a:ext>
-            </a:extLst>
-          </a:blip>
-          <a:stretch>
-            <a:fillRect/>
-          </a:stretch>
-        </p:blipFill>
-        <p:spPr>
-          <a:xfrm>
-            <a:off x="6691082" y="3374889"/>
-            <a:ext cx="3296110" cy="1952898"/>
-          </a:xfrm>
-        </p:spPr>
-      </p:pic>
+          <p:cNvPr id="3" name="Inhaltsplatzhalter 2"/>
+          <p:cNvSpPr>
+            <a:spLocks noGrp="1"/>
+          </p:cNvSpPr>
+          <p:nvPr>
+            <p:ph idx="1"/>
+          </p:nvPr>
+        </p:nvSpPr>
+        <p:spPr/>
+        <p:txBody>
+          <a:bodyPr/>
+          <a:lstStyle/>
+          <a:p>
+            <a:r>
+              <a:rPr lang="de-AT" dirty="0"/>
+              <a:t>https://docs.mongodb.com/manual/core/gridfs/</a:t>
+            </a:r>
+          </a:p>
+        </p:txBody>
+      </p:sp>
       <p:sp>
         <p:nvSpPr>
           <p:cNvPr id="4" name="Datumsplatzhalter 3"/>
@@ -4906,688 +4737,6 @@
             <a:fld id="{CFC86BB5-914F-4D34-B08D-E32203D6C1E7}" type="slidenum">
               <a:rPr lang="de-AT" smtClean="0"/>
               <a:t>5</a:t>
-            </a:fld>
-            <a:endParaRPr lang="de-AT"/>
-          </a:p>
-        </p:txBody>
-      </p:sp>
-      <p:sp>
-        <p:nvSpPr>
-          <p:cNvPr id="14" name="Rechteck 13"/>
-          <p:cNvSpPr/>
-          <p:nvPr/>
-        </p:nvSpPr>
-        <p:spPr>
-          <a:xfrm>
-            <a:off x="5252352" y="3906091"/>
-            <a:ext cx="755256" cy="900246"/>
-          </a:xfrm>
-          <a:prstGeom prst="rect">
-            <a:avLst/>
-          </a:prstGeom>
-        </p:spPr>
-        <p:txBody>
-          <a:bodyPr wrap="square">
-            <a:spAutoFit/>
-          </a:bodyPr>
-          <a:lstStyle/>
-          <a:p>
-            <a:r>
-              <a:rPr lang="de-AT" sz="1050" dirty="0"/>
-              <a:t>https://docs.mongodb.com/manual/core/gridfs/</a:t>
-            </a:r>
-            <a:endParaRPr lang="de-AT" sz="1050" dirty="0"/>
-          </a:p>
-        </p:txBody>
-      </p:sp>
-    </p:spTree>
-    <p:extLst>
-      <p:ext uri="{BB962C8B-B14F-4D97-AF65-F5344CB8AC3E}">
-        <p14:creationId xmlns:p14="http://schemas.microsoft.com/office/powerpoint/2010/main" val="2727720800"/>
-      </p:ext>
-    </p:extLst>
-  </p:cSld>
-  <p:clrMapOvr>
-    <a:masterClrMapping/>
-  </p:clrMapOvr>
-  <p:timing>
-    <p:tnLst>
-      <p:par>
-        <p:cTn id="1" dur="indefinite" restart="never" nodeType="tmRoot"/>
-      </p:par>
-    </p:tnLst>
-  </p:timing>
-</p:sld>
-</file>
-
-<file path=ppt/slides/slide6.xml><?xml version="1.0" encoding="utf-8"?>
-<p:sld xmlns:a="http://schemas.openxmlformats.org/drawingml/2006/main" xmlns:r="http://schemas.openxmlformats.org/officeDocument/2006/relationships" xmlns:p="http://schemas.openxmlformats.org/presentationml/2006/main">
-  <p:cSld>
-    <p:spTree>
-      <p:nvGrpSpPr>
-        <p:cNvPr id="1" name=""/>
-        <p:cNvGrpSpPr/>
-        <p:nvPr/>
-      </p:nvGrpSpPr>
-      <p:grpSpPr>
-        <a:xfrm>
-          <a:off x="0" y="0"/>
-          <a:ext cx="0" cy="0"/>
-          <a:chOff x="0" y="0"/>
-          <a:chExt cx="0" cy="0"/>
-        </a:xfrm>
-      </p:grpSpPr>
-      <p:sp>
-        <p:nvSpPr>
-          <p:cNvPr id="4" name="Datumsplatzhalter 3"/>
-          <p:cNvSpPr>
-            <a:spLocks noGrp="1"/>
-          </p:cNvSpPr>
-          <p:nvPr>
-            <p:ph type="dt" sz="half" idx="10"/>
-          </p:nvPr>
-        </p:nvSpPr>
-        <p:spPr/>
-        <p:txBody>
-          <a:bodyPr/>
-          <a:lstStyle/>
-          <a:p>
-            <a:fld id="{A03B2BE9-68B2-4DCF-9261-115EAEFC3679}" type="datetime1">
-              <a:rPr lang="de-AT" smtClean="0"/>
-              <a:t>05.06.2016</a:t>
-            </a:fld>
-            <a:endParaRPr lang="de-AT"/>
-          </a:p>
-        </p:txBody>
-      </p:sp>
-      <p:sp>
-        <p:nvSpPr>
-          <p:cNvPr id="5" name="Fußzeilenplatzhalter 4"/>
-          <p:cNvSpPr>
-            <a:spLocks noGrp="1"/>
-          </p:cNvSpPr>
-          <p:nvPr>
-            <p:ph type="ftr" sz="quarter" idx="11"/>
-          </p:nvPr>
-        </p:nvSpPr>
-        <p:spPr/>
-        <p:txBody>
-          <a:bodyPr/>
-          <a:lstStyle/>
-          <a:p>
-            <a:r>
-              <a:rPr lang="de-AT" smtClean="0"/>
-              <a:t>gridfs/@ahmdNasr</a:t>
-            </a:r>
-            <a:endParaRPr lang="de-AT"/>
-          </a:p>
-        </p:txBody>
-      </p:sp>
-      <p:sp>
-        <p:nvSpPr>
-          <p:cNvPr id="6" name="Foliennummernplatzhalter 5"/>
-          <p:cNvSpPr>
-            <a:spLocks noGrp="1"/>
-          </p:cNvSpPr>
-          <p:nvPr>
-            <p:ph type="sldNum" sz="quarter" idx="12"/>
-          </p:nvPr>
-        </p:nvSpPr>
-        <p:spPr/>
-        <p:txBody>
-          <a:bodyPr/>
-          <a:lstStyle/>
-          <a:p>
-            <a:fld id="{CFC86BB5-914F-4D34-B08D-E32203D6C1E7}" type="slidenum">
-              <a:rPr lang="de-AT" smtClean="0"/>
-              <a:t>6</a:t>
-            </a:fld>
-            <a:endParaRPr lang="de-AT"/>
-          </a:p>
-        </p:txBody>
-      </p:sp>
-      <p:sp>
-        <p:nvSpPr>
-          <p:cNvPr id="2" name="Titel 1"/>
-          <p:cNvSpPr>
-            <a:spLocks noGrp="1"/>
-          </p:cNvSpPr>
-          <p:nvPr>
-            <p:ph type="ctrTitle" idx="4294967295"/>
-          </p:nvPr>
-        </p:nvSpPr>
-        <p:spPr>
-          <a:xfrm>
-            <a:off x="748143" y="1335200"/>
-            <a:ext cx="10782300" cy="3352800"/>
-          </a:xfrm>
-        </p:spPr>
-        <p:txBody>
-          <a:bodyPr/>
-          <a:lstStyle/>
-          <a:p>
-            <a:pPr algn="ctr"/>
-            <a:r>
-              <a:rPr lang="de-AT" sz="9600" dirty="0" smtClean="0"/>
-              <a:t>Demo</a:t>
-            </a:r>
-            <a:endParaRPr lang="de-AT" dirty="0"/>
-          </a:p>
-        </p:txBody>
-      </p:sp>
-      <p:pic>
-        <p:nvPicPr>
-          <p:cNvPr id="7" name="Picture 2" descr="https://dittmarconsulting.files.wordpress.com/2012/02/gridfs.png"/>
-          <p:cNvPicPr>
-            <a:picLocks noChangeAspect="1" noChangeArrowheads="1"/>
-          </p:cNvPicPr>
-          <p:nvPr/>
-        </p:nvPicPr>
-        <p:blipFill>
-          <a:blip r:embed="rId2">
-            <a:extLst>
-              <a:ext uri="{28A0092B-C50C-407E-A947-70E740481C1C}">
-                <a14:useLocalDpi xmlns:a14="http://schemas.microsoft.com/office/drawing/2010/main" val="0"/>
-              </a:ext>
-            </a:extLst>
-          </a:blip>
-          <a:srcRect/>
-          <a:stretch>
-            <a:fillRect/>
-          </a:stretch>
-        </p:blipFill>
-        <p:spPr bwMode="auto">
-          <a:xfrm>
-            <a:off x="3362755" y="3333975"/>
-            <a:ext cx="5553075" cy="1314451"/>
-          </a:xfrm>
-          <a:prstGeom prst="rect">
-            <a:avLst/>
-          </a:prstGeom>
-          <a:noFill/>
-          <a:extLst>
-            <a:ext uri="{909E8E84-426E-40DD-AFC4-6F175D3DCCD1}">
-              <a14:hiddenFill xmlns:a14="http://schemas.microsoft.com/office/drawing/2010/main">
-                <a:solidFill>
-                  <a:srgbClr val="FFFFFF"/>
-                </a:solidFill>
-              </a14:hiddenFill>
-            </a:ext>
-          </a:extLst>
-        </p:spPr>
-      </p:pic>
-    </p:spTree>
-    <p:extLst>
-      <p:ext uri="{BB962C8B-B14F-4D97-AF65-F5344CB8AC3E}">
-        <p14:creationId xmlns:p14="http://schemas.microsoft.com/office/powerpoint/2010/main" val="157985216"/>
-      </p:ext>
-    </p:extLst>
-  </p:cSld>
-  <p:clrMapOvr>
-    <a:masterClrMapping/>
-  </p:clrMapOvr>
-</p:sld>
-</file>
-
-<file path=ppt/slides/slide7.xml><?xml version="1.0" encoding="utf-8"?>
-<p:sld xmlns:a="http://schemas.openxmlformats.org/drawingml/2006/main" xmlns:r="http://schemas.openxmlformats.org/officeDocument/2006/relationships" xmlns:p="http://schemas.openxmlformats.org/presentationml/2006/main">
-  <p:cSld>
-    <p:spTree>
-      <p:nvGrpSpPr>
-        <p:cNvPr id="1" name=""/>
-        <p:cNvGrpSpPr/>
-        <p:nvPr/>
-      </p:nvGrpSpPr>
-      <p:grpSpPr>
-        <a:xfrm>
-          <a:off x="0" y="0"/>
-          <a:ext cx="0" cy="0"/>
-          <a:chOff x="0" y="0"/>
-          <a:chExt cx="0" cy="0"/>
-        </a:xfrm>
-      </p:grpSpPr>
-      <p:sp>
-        <p:nvSpPr>
-          <p:cNvPr id="2" name="Titel 1"/>
-          <p:cNvSpPr>
-            <a:spLocks noGrp="1"/>
-          </p:cNvSpPr>
-          <p:nvPr>
-            <p:ph type="title"/>
-          </p:nvPr>
-        </p:nvSpPr>
-        <p:spPr/>
-        <p:txBody>
-          <a:bodyPr/>
-          <a:lstStyle/>
-          <a:p>
-            <a:endParaRPr lang="de-AT" dirty="0"/>
-          </a:p>
-        </p:txBody>
-      </p:sp>
-      <p:sp>
-        <p:nvSpPr>
-          <p:cNvPr id="3" name="Inhaltsplatzhalter 2"/>
-          <p:cNvSpPr>
-            <a:spLocks noGrp="1"/>
-          </p:cNvSpPr>
-          <p:nvPr>
-            <p:ph idx="1"/>
-          </p:nvPr>
-        </p:nvSpPr>
-        <p:spPr/>
-        <p:txBody>
-          <a:bodyPr/>
-          <a:lstStyle/>
-          <a:p>
-            <a:endParaRPr lang="de-AT"/>
-          </a:p>
-        </p:txBody>
-      </p:sp>
-      <p:sp>
-        <p:nvSpPr>
-          <p:cNvPr id="4" name="Datumsplatzhalter 3"/>
-          <p:cNvSpPr>
-            <a:spLocks noGrp="1"/>
-          </p:cNvSpPr>
-          <p:nvPr>
-            <p:ph type="dt" sz="half" idx="10"/>
-          </p:nvPr>
-        </p:nvSpPr>
-        <p:spPr/>
-        <p:txBody>
-          <a:bodyPr/>
-          <a:lstStyle/>
-          <a:p>
-            <a:fld id="{5B94F75C-14B8-4BA9-8D24-A8E3E65FAE1D}" type="datetime1">
-              <a:rPr lang="de-AT" smtClean="0"/>
-              <a:t>05.06.2016</a:t>
-            </a:fld>
-            <a:endParaRPr lang="de-AT"/>
-          </a:p>
-        </p:txBody>
-      </p:sp>
-      <p:sp>
-        <p:nvSpPr>
-          <p:cNvPr id="5" name="Fußzeilenplatzhalter 4"/>
-          <p:cNvSpPr>
-            <a:spLocks noGrp="1"/>
-          </p:cNvSpPr>
-          <p:nvPr>
-            <p:ph type="ftr" sz="quarter" idx="11"/>
-          </p:nvPr>
-        </p:nvSpPr>
-        <p:spPr/>
-        <p:txBody>
-          <a:bodyPr/>
-          <a:lstStyle/>
-          <a:p>
-            <a:r>
-              <a:rPr lang="de-AT" smtClean="0"/>
-              <a:t>gridfs/@ahmdNasr</a:t>
-            </a:r>
-            <a:endParaRPr lang="de-AT"/>
-          </a:p>
-        </p:txBody>
-      </p:sp>
-      <p:sp>
-        <p:nvSpPr>
-          <p:cNvPr id="6" name="Foliennummernplatzhalter 5"/>
-          <p:cNvSpPr>
-            <a:spLocks noGrp="1"/>
-          </p:cNvSpPr>
-          <p:nvPr>
-            <p:ph type="sldNum" sz="quarter" idx="12"/>
-          </p:nvPr>
-        </p:nvSpPr>
-        <p:spPr/>
-        <p:txBody>
-          <a:bodyPr/>
-          <a:lstStyle/>
-          <a:p>
-            <a:fld id="{CFC86BB5-914F-4D34-B08D-E32203D6C1E7}" type="slidenum">
-              <a:rPr lang="de-AT" smtClean="0"/>
-              <a:t>7</a:t>
-            </a:fld>
-            <a:endParaRPr lang="de-AT"/>
-          </a:p>
-        </p:txBody>
-      </p:sp>
-      <p:pic>
-        <p:nvPicPr>
-          <p:cNvPr id="8" name="Picture 2" descr="https://dittmarconsulting.files.wordpress.com/2012/02/gridfs.png"/>
-          <p:cNvPicPr>
-            <a:picLocks noChangeAspect="1" noChangeArrowheads="1"/>
-          </p:cNvPicPr>
-          <p:nvPr/>
-        </p:nvPicPr>
-        <p:blipFill>
-          <a:blip r:embed="rId2">
-            <a:extLst>
-              <a:ext uri="{28A0092B-C50C-407E-A947-70E740481C1C}">
-                <a14:useLocalDpi xmlns:a14="http://schemas.microsoft.com/office/drawing/2010/main" val="0"/>
-              </a:ext>
-            </a:extLst>
-          </a:blip>
-          <a:srcRect/>
-          <a:stretch>
-            <a:fillRect/>
-          </a:stretch>
-        </p:blipFill>
-        <p:spPr bwMode="auto">
-          <a:xfrm>
-            <a:off x="6638925" y="0"/>
-            <a:ext cx="5553075" cy="1314451"/>
-          </a:xfrm>
-          <a:prstGeom prst="rect">
-            <a:avLst/>
-          </a:prstGeom>
-          <a:noFill/>
-          <a:extLst>
-            <a:ext uri="{909E8E84-426E-40DD-AFC4-6F175D3DCCD1}">
-              <a14:hiddenFill xmlns:a14="http://schemas.microsoft.com/office/drawing/2010/main">
-                <a:solidFill>
-                  <a:srgbClr val="FFFFFF"/>
-                </a:solidFill>
-              </a14:hiddenFill>
-            </a:ext>
-          </a:extLst>
-        </p:spPr>
-      </p:pic>
-    </p:spTree>
-    <p:extLst>
-      <p:ext uri="{BB962C8B-B14F-4D97-AF65-F5344CB8AC3E}">
-        <p14:creationId xmlns:p14="http://schemas.microsoft.com/office/powerpoint/2010/main" val="4099480145"/>
-      </p:ext>
-    </p:extLst>
-  </p:cSld>
-  <p:clrMapOvr>
-    <a:masterClrMapping/>
-  </p:clrMapOvr>
-  <p:timing>
-    <p:tnLst>
-      <p:par>
-        <p:cTn id="1" dur="indefinite" restart="never" nodeType="tmRoot"/>
-      </p:par>
-    </p:tnLst>
-  </p:timing>
-</p:sld>
-</file>
-
-<file path=ppt/slides/slide8.xml><?xml version="1.0" encoding="utf-8"?>
-<p:sld xmlns:a="http://schemas.openxmlformats.org/drawingml/2006/main" xmlns:r="http://schemas.openxmlformats.org/officeDocument/2006/relationships" xmlns:p="http://schemas.openxmlformats.org/presentationml/2006/main">
-  <p:cSld>
-    <p:spTree>
-      <p:nvGrpSpPr>
-        <p:cNvPr id="1" name=""/>
-        <p:cNvGrpSpPr/>
-        <p:nvPr/>
-      </p:nvGrpSpPr>
-      <p:grpSpPr>
-        <a:xfrm>
-          <a:off x="0" y="0"/>
-          <a:ext cx="0" cy="0"/>
-          <a:chOff x="0" y="0"/>
-          <a:chExt cx="0" cy="0"/>
-        </a:xfrm>
-      </p:grpSpPr>
-      <p:sp>
-        <p:nvSpPr>
-          <p:cNvPr id="2" name="Titel 1"/>
-          <p:cNvSpPr>
-            <a:spLocks noGrp="1"/>
-          </p:cNvSpPr>
-          <p:nvPr>
-            <p:ph type="ctrTitle"/>
-          </p:nvPr>
-        </p:nvSpPr>
-        <p:spPr/>
-        <p:txBody>
-          <a:bodyPr/>
-          <a:lstStyle/>
-          <a:p>
-            <a:r>
-              <a:rPr lang="de-AT" dirty="0" smtClean="0"/>
-              <a:t>Danke!</a:t>
-            </a:r>
-            <a:endParaRPr lang="de-AT" dirty="0"/>
-          </a:p>
-        </p:txBody>
-      </p:sp>
-      <p:sp>
-        <p:nvSpPr>
-          <p:cNvPr id="3" name="Untertitel 2"/>
-          <p:cNvSpPr>
-            <a:spLocks noGrp="1"/>
-          </p:cNvSpPr>
-          <p:nvPr>
-            <p:ph type="subTitle" idx="1"/>
-          </p:nvPr>
-        </p:nvSpPr>
-        <p:spPr/>
-        <p:txBody>
-          <a:bodyPr/>
-          <a:lstStyle/>
-          <a:p>
-            <a:endParaRPr lang="de-AT" dirty="0"/>
-          </a:p>
-        </p:txBody>
-      </p:sp>
-      <p:sp>
-        <p:nvSpPr>
-          <p:cNvPr id="4" name="Datumsplatzhalter 3"/>
-          <p:cNvSpPr>
-            <a:spLocks noGrp="1"/>
-          </p:cNvSpPr>
-          <p:nvPr>
-            <p:ph type="dt" sz="half" idx="10"/>
-          </p:nvPr>
-        </p:nvSpPr>
-        <p:spPr/>
-        <p:txBody>
-          <a:bodyPr/>
-          <a:lstStyle/>
-          <a:p>
-            <a:fld id="{3F3820A0-CF29-4B2D-9B4B-D5FEA8EE24AA}" type="datetime1">
-              <a:rPr lang="de-AT" smtClean="0"/>
-              <a:t>05.06.2016</a:t>
-            </a:fld>
-            <a:endParaRPr lang="de-AT"/>
-          </a:p>
-        </p:txBody>
-      </p:sp>
-      <p:sp>
-        <p:nvSpPr>
-          <p:cNvPr id="5" name="Fußzeilenplatzhalter 4"/>
-          <p:cNvSpPr>
-            <a:spLocks noGrp="1"/>
-          </p:cNvSpPr>
-          <p:nvPr>
-            <p:ph type="ftr" sz="quarter" idx="11"/>
-          </p:nvPr>
-        </p:nvSpPr>
-        <p:spPr/>
-        <p:txBody>
-          <a:bodyPr/>
-          <a:lstStyle/>
-          <a:p>
-            <a:r>
-              <a:rPr lang="de-AT" smtClean="0"/>
-              <a:t>gridfs/@ahmdNasr</a:t>
-            </a:r>
-            <a:endParaRPr lang="de-AT"/>
-          </a:p>
-        </p:txBody>
-      </p:sp>
-      <p:sp>
-        <p:nvSpPr>
-          <p:cNvPr id="6" name="Foliennummernplatzhalter 5"/>
-          <p:cNvSpPr>
-            <a:spLocks noGrp="1"/>
-          </p:cNvSpPr>
-          <p:nvPr>
-            <p:ph type="sldNum" sz="quarter" idx="12"/>
-          </p:nvPr>
-        </p:nvSpPr>
-        <p:spPr/>
-        <p:txBody>
-          <a:bodyPr/>
-          <a:lstStyle/>
-          <a:p>
-            <a:fld id="{CFC86BB5-914F-4D34-B08D-E32203D6C1E7}" type="slidenum">
-              <a:rPr lang="de-AT" smtClean="0"/>
-              <a:t>8</a:t>
-            </a:fld>
-            <a:endParaRPr lang="de-AT"/>
-          </a:p>
-        </p:txBody>
-      </p:sp>
-    </p:spTree>
-    <p:extLst>
-      <p:ext uri="{BB962C8B-B14F-4D97-AF65-F5344CB8AC3E}">
-        <p14:creationId xmlns:p14="http://schemas.microsoft.com/office/powerpoint/2010/main" val="1462818610"/>
-      </p:ext>
-    </p:extLst>
-  </p:cSld>
-  <p:clrMapOvr>
-    <a:masterClrMapping/>
-  </p:clrMapOvr>
-  <p:timing>
-    <p:tnLst>
-      <p:par>
-        <p:cTn id="1" dur="indefinite" restart="never" nodeType="tmRoot"/>
-      </p:par>
-    </p:tnLst>
-  </p:timing>
-</p:sld>
-</file>
-
-<file path=ppt/slides/slide9.xml><?xml version="1.0" encoding="utf-8"?>
-<p:sld xmlns:a="http://schemas.openxmlformats.org/drawingml/2006/main" xmlns:r="http://schemas.openxmlformats.org/officeDocument/2006/relationships" xmlns:p="http://schemas.openxmlformats.org/presentationml/2006/main">
-  <p:cSld>
-    <p:spTree>
-      <p:nvGrpSpPr>
-        <p:cNvPr id="1" name=""/>
-        <p:cNvGrpSpPr/>
-        <p:nvPr/>
-      </p:nvGrpSpPr>
-      <p:grpSpPr>
-        <a:xfrm>
-          <a:off x="0" y="0"/>
-          <a:ext cx="0" cy="0"/>
-          <a:chOff x="0" y="0"/>
-          <a:chExt cx="0" cy="0"/>
-        </a:xfrm>
-      </p:grpSpPr>
-      <p:sp>
-        <p:nvSpPr>
-          <p:cNvPr id="2" name="Titel 1"/>
-          <p:cNvSpPr>
-            <a:spLocks noGrp="1"/>
-          </p:cNvSpPr>
-          <p:nvPr>
-            <p:ph type="title"/>
-          </p:nvPr>
-        </p:nvSpPr>
-        <p:spPr/>
-        <p:txBody>
-          <a:bodyPr/>
-          <a:lstStyle/>
-          <a:p>
-            <a:r>
-              <a:rPr lang="de-AT" dirty="0" smtClean="0"/>
-              <a:t>Quellen</a:t>
-            </a:r>
-            <a:endParaRPr lang="de-AT" dirty="0"/>
-          </a:p>
-        </p:txBody>
-      </p:sp>
-      <p:sp>
-        <p:nvSpPr>
-          <p:cNvPr id="3" name="Inhaltsplatzhalter 2"/>
-          <p:cNvSpPr>
-            <a:spLocks noGrp="1"/>
-          </p:cNvSpPr>
-          <p:nvPr>
-            <p:ph idx="1"/>
-          </p:nvPr>
-        </p:nvSpPr>
-        <p:spPr/>
-        <p:txBody>
-          <a:bodyPr/>
-          <a:lstStyle/>
-          <a:p>
-            <a:r>
-              <a:rPr lang="de-AT" dirty="0"/>
-              <a:t>https://docs.mongodb.com/manual/core/gridfs/</a:t>
-            </a:r>
-          </a:p>
-        </p:txBody>
-      </p:sp>
-      <p:sp>
-        <p:nvSpPr>
-          <p:cNvPr id="4" name="Datumsplatzhalter 3"/>
-          <p:cNvSpPr>
-            <a:spLocks noGrp="1"/>
-          </p:cNvSpPr>
-          <p:nvPr>
-            <p:ph type="dt" sz="half" idx="10"/>
-          </p:nvPr>
-        </p:nvSpPr>
-        <p:spPr/>
-        <p:txBody>
-          <a:bodyPr/>
-          <a:lstStyle/>
-          <a:p>
-            <a:fld id="{5B94F75C-14B8-4BA9-8D24-A8E3E65FAE1D}" type="datetime1">
-              <a:rPr lang="de-AT" smtClean="0"/>
-              <a:t>05.06.2016</a:t>
-            </a:fld>
-            <a:endParaRPr lang="de-AT"/>
-          </a:p>
-        </p:txBody>
-      </p:sp>
-      <p:sp>
-        <p:nvSpPr>
-          <p:cNvPr id="5" name="Fußzeilenplatzhalter 4"/>
-          <p:cNvSpPr>
-            <a:spLocks noGrp="1"/>
-          </p:cNvSpPr>
-          <p:nvPr>
-            <p:ph type="ftr" sz="quarter" idx="11"/>
-          </p:nvPr>
-        </p:nvSpPr>
-        <p:spPr/>
-        <p:txBody>
-          <a:bodyPr/>
-          <a:lstStyle/>
-          <a:p>
-            <a:r>
-              <a:rPr lang="de-AT" smtClean="0"/>
-              <a:t>gridfs/@ahmdNasr</a:t>
-            </a:r>
-            <a:endParaRPr lang="de-AT"/>
-          </a:p>
-        </p:txBody>
-      </p:sp>
-      <p:sp>
-        <p:nvSpPr>
-          <p:cNvPr id="6" name="Foliennummernplatzhalter 5"/>
-          <p:cNvSpPr>
-            <a:spLocks noGrp="1"/>
-          </p:cNvSpPr>
-          <p:nvPr>
-            <p:ph type="sldNum" sz="quarter" idx="12"/>
-          </p:nvPr>
-        </p:nvSpPr>
-        <p:spPr/>
-        <p:txBody>
-          <a:bodyPr/>
-          <a:lstStyle/>
-          <a:p>
-            <a:fld id="{CFC86BB5-914F-4D34-B08D-E32203D6C1E7}" type="slidenum">
-              <a:rPr lang="de-AT" smtClean="0"/>
-              <a:t>9</a:t>
             </a:fld>
             <a:endParaRPr lang="de-AT"/>
           </a:p>

--- a/GridFS.pptx
+++ b/GridFS.pptx
@@ -5,14 +5,15 @@
     <p:sldMasterId id="2147483696" r:id="rId1"/>
   </p:sldMasterIdLst>
   <p:notesMasterIdLst>
-    <p:notesMasterId r:id="rId7"/>
+    <p:notesMasterId r:id="rId8"/>
   </p:notesMasterIdLst>
   <p:sldIdLst>
     <p:sldId id="256" r:id="rId2"/>
     <p:sldId id="288" r:id="rId3"/>
-    <p:sldId id="292" r:id="rId4"/>
-    <p:sldId id="284" r:id="rId5"/>
-    <p:sldId id="291" r:id="rId6"/>
+    <p:sldId id="293" r:id="rId4"/>
+    <p:sldId id="292" r:id="rId5"/>
+    <p:sldId id="284" r:id="rId6"/>
+    <p:sldId id="291" r:id="rId7"/>
   </p:sldIdLst>
   <p:sldSz cx="12192000" cy="6858000"/>
   <p:notesSz cx="6858000" cy="9144000"/>
@@ -4267,12 +4268,120 @@
           <a:p>
             <a:r>
               <a:rPr lang="de-AT" dirty="0" smtClean="0"/>
-              <a:t>Architektur</a:t>
+              <a:t>Collections</a:t>
             </a:r>
             <a:endParaRPr lang="de-AT" dirty="0"/>
           </a:p>
         </p:txBody>
       </p:sp>
+      <p:sp>
+        <p:nvSpPr>
+          <p:cNvPr id="7" name="Textplatzhalter 6"/>
+          <p:cNvSpPr>
+            <a:spLocks noGrp="1"/>
+          </p:cNvSpPr>
+          <p:nvPr>
+            <p:ph type="body" idx="1"/>
+          </p:nvPr>
+        </p:nvSpPr>
+        <p:spPr/>
+        <p:txBody>
+          <a:bodyPr/>
+          <a:lstStyle/>
+          <a:p>
+            <a:r>
+              <a:rPr lang="de-AT" dirty="0" err="1" smtClean="0"/>
+              <a:t>fs.files</a:t>
+            </a:r>
+            <a:r>
+              <a:rPr lang="de-AT" dirty="0" smtClean="0"/>
+              <a:t>	</a:t>
+            </a:r>
+            <a:endParaRPr lang="de-AT" dirty="0"/>
+          </a:p>
+        </p:txBody>
+      </p:sp>
+      <p:pic>
+        <p:nvPicPr>
+          <p:cNvPr id="13" name="Inhaltsplatzhalter 12"/>
+          <p:cNvPicPr>
+            <a:picLocks noGrp="1" noChangeAspect="1"/>
+          </p:cNvPicPr>
+          <p:nvPr>
+            <p:ph sz="half" idx="2"/>
+          </p:nvPr>
+        </p:nvPicPr>
+        <p:blipFill>
+          <a:blip r:embed="rId2">
+            <a:extLst>
+              <a:ext uri="{28A0092B-C50C-407E-A947-70E740481C1C}">
+                <a14:useLocalDpi xmlns:a14="http://schemas.microsoft.com/office/drawing/2010/main" val="0"/>
+              </a:ext>
+            </a:extLst>
+          </a:blip>
+          <a:stretch>
+            <a:fillRect/>
+          </a:stretch>
+        </p:blipFill>
+        <p:spPr>
+          <a:xfrm>
+            <a:off x="1245941" y="2781080"/>
+            <a:ext cx="3524742" cy="3143689"/>
+          </a:xfrm>
+        </p:spPr>
+      </p:pic>
+      <p:sp>
+        <p:nvSpPr>
+          <p:cNvPr id="9" name="Textplatzhalter 8"/>
+          <p:cNvSpPr>
+            <a:spLocks noGrp="1"/>
+          </p:cNvSpPr>
+          <p:nvPr>
+            <p:ph type="body" sz="quarter" idx="3"/>
+          </p:nvPr>
+        </p:nvSpPr>
+        <p:spPr/>
+        <p:txBody>
+          <a:bodyPr/>
+          <a:lstStyle/>
+          <a:p>
+            <a:r>
+              <a:rPr lang="de-AT" dirty="0" err="1" smtClean="0"/>
+              <a:t>FS.CHunks</a:t>
+            </a:r>
+            <a:endParaRPr lang="de-AT" dirty="0"/>
+          </a:p>
+        </p:txBody>
+      </p:sp>
+      <p:pic>
+        <p:nvPicPr>
+          <p:cNvPr id="12" name="Inhaltsplatzhalter 11"/>
+          <p:cNvPicPr>
+            <a:picLocks noGrp="1" noChangeAspect="1"/>
+          </p:cNvPicPr>
+          <p:nvPr>
+            <p:ph sz="quarter" idx="4"/>
+          </p:nvPr>
+        </p:nvPicPr>
+        <p:blipFill>
+          <a:blip r:embed="rId3">
+            <a:extLst>
+              <a:ext uri="{28A0092B-C50C-407E-A947-70E740481C1C}">
+                <a14:useLocalDpi xmlns:a14="http://schemas.microsoft.com/office/drawing/2010/main" val="0"/>
+              </a:ext>
+            </a:extLst>
+          </a:blip>
+          <a:stretch>
+            <a:fillRect/>
+          </a:stretch>
+        </p:blipFill>
+        <p:spPr>
+          <a:xfrm>
+            <a:off x="6691082" y="3374889"/>
+            <a:ext cx="3296110" cy="1952898"/>
+          </a:xfrm>
+        </p:spPr>
+      </p:pic>
       <p:sp>
         <p:nvSpPr>
           <p:cNvPr id="4" name="Datumsplatzhalter 3"/>
@@ -4337,6 +4446,164 @@
             <a:fld id="{CFC86BB5-914F-4D34-B08D-E32203D6C1E7}" type="slidenum">
               <a:rPr lang="de-AT" smtClean="0"/>
               <a:t>3</a:t>
+            </a:fld>
+            <a:endParaRPr lang="de-AT"/>
+          </a:p>
+        </p:txBody>
+      </p:sp>
+      <p:sp>
+        <p:nvSpPr>
+          <p:cNvPr id="14" name="Rechteck 13"/>
+          <p:cNvSpPr/>
+          <p:nvPr/>
+        </p:nvSpPr>
+        <p:spPr>
+          <a:xfrm>
+            <a:off x="5252351" y="3906091"/>
+            <a:ext cx="865815" cy="738664"/>
+          </a:xfrm>
+          <a:prstGeom prst="rect">
+            <a:avLst/>
+          </a:prstGeom>
+        </p:spPr>
+        <p:txBody>
+          <a:bodyPr wrap="square">
+            <a:spAutoFit/>
+          </a:bodyPr>
+          <a:lstStyle/>
+          <a:p>
+            <a:r>
+              <a:rPr lang="de-AT" sz="1050" dirty="0"/>
+              <a:t>https://docs.mongodb.com/manual/core/gridfs/</a:t>
+            </a:r>
+            <a:endParaRPr lang="de-AT" sz="1050" dirty="0"/>
+          </a:p>
+        </p:txBody>
+      </p:sp>
+    </p:spTree>
+    <p:extLst>
+      <p:ext uri="{BB962C8B-B14F-4D97-AF65-F5344CB8AC3E}">
+        <p14:creationId xmlns:p14="http://schemas.microsoft.com/office/powerpoint/2010/main" val="4065007996"/>
+      </p:ext>
+    </p:extLst>
+  </p:cSld>
+  <p:clrMapOvr>
+    <a:masterClrMapping/>
+  </p:clrMapOvr>
+  <p:timing>
+    <p:tnLst>
+      <p:par>
+        <p:cTn id="1" dur="indefinite" restart="never" nodeType="tmRoot"/>
+      </p:par>
+    </p:tnLst>
+  </p:timing>
+</p:sld>
+</file>
+
+<file path=ppt/slides/slide4.xml><?xml version="1.0" encoding="utf-8"?>
+<p:sld xmlns:a="http://schemas.openxmlformats.org/drawingml/2006/main" xmlns:r="http://schemas.openxmlformats.org/officeDocument/2006/relationships" xmlns:p="http://schemas.openxmlformats.org/presentationml/2006/main">
+  <p:cSld>
+    <p:spTree>
+      <p:nvGrpSpPr>
+        <p:cNvPr id="1" name=""/>
+        <p:cNvGrpSpPr/>
+        <p:nvPr/>
+      </p:nvGrpSpPr>
+      <p:grpSpPr>
+        <a:xfrm>
+          <a:off x="0" y="0"/>
+          <a:ext cx="0" cy="0"/>
+          <a:chOff x="0" y="0"/>
+          <a:chExt cx="0" cy="0"/>
+        </a:xfrm>
+      </p:grpSpPr>
+      <p:sp>
+        <p:nvSpPr>
+          <p:cNvPr id="2" name="Titel 1"/>
+          <p:cNvSpPr>
+            <a:spLocks noGrp="1"/>
+          </p:cNvSpPr>
+          <p:nvPr>
+            <p:ph type="title"/>
+          </p:nvPr>
+        </p:nvSpPr>
+        <p:spPr/>
+        <p:txBody>
+          <a:bodyPr/>
+          <a:lstStyle/>
+          <a:p>
+            <a:r>
+              <a:rPr lang="de-AT" dirty="0" smtClean="0"/>
+              <a:t>Architektur</a:t>
+            </a:r>
+            <a:endParaRPr lang="de-AT" dirty="0"/>
+          </a:p>
+        </p:txBody>
+      </p:sp>
+      <p:sp>
+        <p:nvSpPr>
+          <p:cNvPr id="4" name="Datumsplatzhalter 3"/>
+          <p:cNvSpPr>
+            <a:spLocks noGrp="1"/>
+          </p:cNvSpPr>
+          <p:nvPr>
+            <p:ph type="dt" sz="half" idx="10"/>
+          </p:nvPr>
+        </p:nvSpPr>
+        <p:spPr/>
+        <p:txBody>
+          <a:bodyPr/>
+          <a:lstStyle/>
+          <a:p>
+            <a:fld id="{5B94F75C-14B8-4BA9-8D24-A8E3E65FAE1D}" type="datetime1">
+              <a:rPr lang="de-AT" smtClean="0"/>
+              <a:t>05.06.2016</a:t>
+            </a:fld>
+            <a:endParaRPr lang="de-AT"/>
+          </a:p>
+        </p:txBody>
+      </p:sp>
+      <p:sp>
+        <p:nvSpPr>
+          <p:cNvPr id="5" name="Fußzeilenplatzhalter 4"/>
+          <p:cNvSpPr>
+            <a:spLocks noGrp="1"/>
+          </p:cNvSpPr>
+          <p:nvPr>
+            <p:ph type="ftr" sz="quarter" idx="11"/>
+          </p:nvPr>
+        </p:nvSpPr>
+        <p:spPr/>
+        <p:txBody>
+          <a:bodyPr/>
+          <a:lstStyle/>
+          <a:p>
+            <a:r>
+              <a:rPr lang="de-AT" smtClean="0"/>
+              <a:t>gridfs/@ahmdNasr</a:t>
+            </a:r>
+            <a:endParaRPr lang="de-AT"/>
+          </a:p>
+        </p:txBody>
+      </p:sp>
+      <p:sp>
+        <p:nvSpPr>
+          <p:cNvPr id="6" name="Foliennummernplatzhalter 5"/>
+          <p:cNvSpPr>
+            <a:spLocks noGrp="1"/>
+          </p:cNvSpPr>
+          <p:nvPr>
+            <p:ph type="sldNum" sz="quarter" idx="12"/>
+          </p:nvPr>
+        </p:nvSpPr>
+        <p:spPr/>
+        <p:txBody>
+          <a:bodyPr/>
+          <a:lstStyle/>
+          <a:p>
+            <a:fld id="{CFC86BB5-914F-4D34-B08D-E32203D6C1E7}" type="slidenum">
+              <a:rPr lang="de-AT" smtClean="0"/>
+              <a:t>4</a:t>
             </a:fld>
             <a:endParaRPr lang="de-AT"/>
           </a:p>
@@ -4463,7 +4730,7 @@
 </p:sld>
 </file>
 
-<file path=ppt/slides/slide4.xml><?xml version="1.0" encoding="utf-8"?>
+<file path=ppt/slides/slide5.xml><?xml version="1.0" encoding="utf-8"?>
 <p:sld xmlns:a="http://schemas.openxmlformats.org/drawingml/2006/main" xmlns:r="http://schemas.openxmlformats.org/officeDocument/2006/relationships" xmlns:p="http://schemas.openxmlformats.org/presentationml/2006/main">
   <p:cSld>
     <p:spTree>
@@ -4585,7 +4852,7 @@
           <a:p>
             <a:fld id="{CFC86BB5-914F-4D34-B08D-E32203D6C1E7}" type="slidenum">
               <a:rPr lang="de-AT" smtClean="0"/>
-              <a:t>4</a:t>
+              <a:t>5</a:t>
             </a:fld>
             <a:endParaRPr lang="de-AT"/>
           </a:p>
@@ -4611,7 +4878,7 @@
 </p:sld>
 </file>
 
-<file path=ppt/slides/slide5.xml><?xml version="1.0" encoding="utf-8"?>
+<file path=ppt/slides/slide6.xml><?xml version="1.0" encoding="utf-8"?>
 <p:sld xmlns:a="http://schemas.openxmlformats.org/drawingml/2006/main" xmlns:r="http://schemas.openxmlformats.org/officeDocument/2006/relationships" xmlns:p="http://schemas.openxmlformats.org/presentationml/2006/main">
   <p:cSld>
     <p:spTree>
@@ -4736,7 +5003,7 @@
           <a:p>
             <a:fld id="{CFC86BB5-914F-4D34-B08D-E32203D6C1E7}" type="slidenum">
               <a:rPr lang="de-AT" smtClean="0"/>
-              <a:t>5</a:t>
+              <a:t>6</a:t>
             </a:fld>
             <a:endParaRPr lang="de-AT"/>
           </a:p>

--- a/GridFS.pptx
+++ b/GridFS.pptx
@@ -5,15 +5,16 @@
     <p:sldMasterId id="2147483696" r:id="rId1"/>
   </p:sldMasterIdLst>
   <p:notesMasterIdLst>
-    <p:notesMasterId r:id="rId8"/>
+    <p:notesMasterId r:id="rId9"/>
   </p:notesMasterIdLst>
   <p:sldIdLst>
     <p:sldId id="256" r:id="rId2"/>
     <p:sldId id="288" r:id="rId3"/>
     <p:sldId id="293" r:id="rId4"/>
     <p:sldId id="292" r:id="rId5"/>
-    <p:sldId id="284" r:id="rId6"/>
-    <p:sldId id="291" r:id="rId7"/>
+    <p:sldId id="294" r:id="rId6"/>
+    <p:sldId id="284" r:id="rId7"/>
+    <p:sldId id="291" r:id="rId8"/>
   </p:sldIdLst>
   <p:sldSz cx="12192000" cy="6858000"/>
   <p:notesSz cx="6858000" cy="9144000"/>
@@ -4749,6 +4750,175 @@
       </p:grpSpPr>
       <p:sp>
         <p:nvSpPr>
+          <p:cNvPr id="4" name="Datumsplatzhalter 3"/>
+          <p:cNvSpPr>
+            <a:spLocks noGrp="1"/>
+          </p:cNvSpPr>
+          <p:nvPr>
+            <p:ph type="dt" sz="half" idx="10"/>
+          </p:nvPr>
+        </p:nvSpPr>
+        <p:spPr/>
+        <p:txBody>
+          <a:bodyPr/>
+          <a:lstStyle/>
+          <a:p>
+            <a:fld id="{A03B2BE9-68B2-4DCF-9261-115EAEFC3679}" type="datetime1">
+              <a:rPr lang="de-AT" smtClean="0"/>
+              <a:t>05.06.2016</a:t>
+            </a:fld>
+            <a:endParaRPr lang="de-AT"/>
+          </a:p>
+        </p:txBody>
+      </p:sp>
+      <p:sp>
+        <p:nvSpPr>
+          <p:cNvPr id="5" name="Fußzeilenplatzhalter 4"/>
+          <p:cNvSpPr>
+            <a:spLocks noGrp="1"/>
+          </p:cNvSpPr>
+          <p:nvPr>
+            <p:ph type="ftr" sz="quarter" idx="11"/>
+          </p:nvPr>
+        </p:nvSpPr>
+        <p:spPr/>
+        <p:txBody>
+          <a:bodyPr/>
+          <a:lstStyle/>
+          <a:p>
+            <a:r>
+              <a:rPr lang="de-AT" smtClean="0"/>
+              <a:t>gridfs/@ahmdNasr</a:t>
+            </a:r>
+            <a:endParaRPr lang="de-AT"/>
+          </a:p>
+        </p:txBody>
+      </p:sp>
+      <p:sp>
+        <p:nvSpPr>
+          <p:cNvPr id="6" name="Foliennummernplatzhalter 5"/>
+          <p:cNvSpPr>
+            <a:spLocks noGrp="1"/>
+          </p:cNvSpPr>
+          <p:nvPr>
+            <p:ph type="sldNum" sz="quarter" idx="12"/>
+          </p:nvPr>
+        </p:nvSpPr>
+        <p:spPr/>
+        <p:txBody>
+          <a:bodyPr/>
+          <a:lstStyle/>
+          <a:p>
+            <a:fld id="{CFC86BB5-914F-4D34-B08D-E32203D6C1E7}" type="slidenum">
+              <a:rPr lang="de-AT" smtClean="0"/>
+              <a:t>5</a:t>
+            </a:fld>
+            <a:endParaRPr lang="de-AT"/>
+          </a:p>
+        </p:txBody>
+      </p:sp>
+      <p:sp>
+        <p:nvSpPr>
+          <p:cNvPr id="2" name="Titel 1"/>
+          <p:cNvSpPr>
+            <a:spLocks noGrp="1"/>
+          </p:cNvSpPr>
+          <p:nvPr>
+            <p:ph type="ctrTitle" idx="4294967295"/>
+          </p:nvPr>
+        </p:nvSpPr>
+        <p:spPr>
+          <a:xfrm>
+            <a:off x="748143" y="1335200"/>
+            <a:ext cx="10782300" cy="3352800"/>
+          </a:xfrm>
+        </p:spPr>
+        <p:txBody>
+          <a:bodyPr/>
+          <a:lstStyle/>
+          <a:p>
+            <a:pPr algn="ctr"/>
+            <a:r>
+              <a:rPr lang="de-AT" sz="9600" dirty="0" smtClean="0"/>
+              <a:t>Demo</a:t>
+            </a:r>
+            <a:endParaRPr lang="de-AT" dirty="0"/>
+          </a:p>
+        </p:txBody>
+      </p:sp>
+      <p:pic>
+        <p:nvPicPr>
+          <p:cNvPr id="7" name="Picture 2" descr="https://dittmarconsulting.files.wordpress.com/2012/02/gridfs.png"/>
+          <p:cNvPicPr>
+            <a:picLocks noChangeAspect="1" noChangeArrowheads="1"/>
+          </p:cNvPicPr>
+          <p:nvPr/>
+        </p:nvPicPr>
+        <p:blipFill>
+          <a:blip r:embed="rId2">
+            <a:extLst>
+              <a:ext uri="{28A0092B-C50C-407E-A947-70E740481C1C}">
+                <a14:useLocalDpi xmlns:a14="http://schemas.microsoft.com/office/drawing/2010/main" val="0"/>
+              </a:ext>
+            </a:extLst>
+          </a:blip>
+          <a:srcRect/>
+          <a:stretch>
+            <a:fillRect/>
+          </a:stretch>
+        </p:blipFill>
+        <p:spPr bwMode="auto">
+          <a:xfrm>
+            <a:off x="3362755" y="3333975"/>
+            <a:ext cx="5553075" cy="1314451"/>
+          </a:xfrm>
+          <a:prstGeom prst="rect">
+            <a:avLst/>
+          </a:prstGeom>
+          <a:noFill/>
+          <a:extLst>
+            <a:ext uri="{909E8E84-426E-40DD-AFC4-6F175D3DCCD1}">
+              <a14:hiddenFill xmlns:a14="http://schemas.microsoft.com/office/drawing/2010/main">
+                <a:solidFill>
+                  <a:srgbClr val="FFFFFF"/>
+                </a:solidFill>
+              </a14:hiddenFill>
+            </a:ext>
+          </a:extLst>
+        </p:spPr>
+      </p:pic>
+    </p:spTree>
+    <p:extLst>
+      <p:ext uri="{BB962C8B-B14F-4D97-AF65-F5344CB8AC3E}">
+        <p14:creationId xmlns:p14="http://schemas.microsoft.com/office/powerpoint/2010/main" val="1718641207"/>
+      </p:ext>
+    </p:extLst>
+  </p:cSld>
+  <p:clrMapOvr>
+    <a:masterClrMapping/>
+  </p:clrMapOvr>
+</p:sld>
+</file>
+
+<file path=ppt/slides/slide6.xml><?xml version="1.0" encoding="utf-8"?>
+<p:sld xmlns:a="http://schemas.openxmlformats.org/drawingml/2006/main" xmlns:r="http://schemas.openxmlformats.org/officeDocument/2006/relationships" xmlns:p="http://schemas.openxmlformats.org/presentationml/2006/main">
+  <p:cSld>
+    <p:spTree>
+      <p:nvGrpSpPr>
+        <p:cNvPr id="1" name=""/>
+        <p:cNvGrpSpPr/>
+        <p:nvPr/>
+      </p:nvGrpSpPr>
+      <p:grpSpPr>
+        <a:xfrm>
+          <a:off x="0" y="0"/>
+          <a:ext cx="0" cy="0"/>
+          <a:chOff x="0" y="0"/>
+          <a:chExt cx="0" cy="0"/>
+        </a:xfrm>
+      </p:grpSpPr>
+      <p:sp>
+        <p:nvSpPr>
           <p:cNvPr id="2" name="Titel 1"/>
           <p:cNvSpPr>
             <a:spLocks noGrp="1"/>
@@ -4852,7 +5022,7 @@
           <a:p>
             <a:fld id="{CFC86BB5-914F-4D34-B08D-E32203D6C1E7}" type="slidenum">
               <a:rPr lang="de-AT" smtClean="0"/>
-              <a:t>5</a:t>
+              <a:t>6</a:t>
             </a:fld>
             <a:endParaRPr lang="de-AT"/>
           </a:p>
@@ -4878,7 +5048,7 @@
 </p:sld>
 </file>
 
-<file path=ppt/slides/slide6.xml><?xml version="1.0" encoding="utf-8"?>
+<file path=ppt/slides/slide7.xml><?xml version="1.0" encoding="utf-8"?>
 <p:sld xmlns:a="http://schemas.openxmlformats.org/drawingml/2006/main" xmlns:r="http://schemas.openxmlformats.org/officeDocument/2006/relationships" xmlns:p="http://schemas.openxmlformats.org/presentationml/2006/main">
   <p:cSld>
     <p:spTree>
@@ -5003,7 +5173,7 @@
           <a:p>
             <a:fld id="{CFC86BB5-914F-4D34-B08D-E32203D6C1E7}" type="slidenum">
               <a:rPr lang="de-AT" smtClean="0"/>
-              <a:t>6</a:t>
+              <a:t>7</a:t>
             </a:fld>
             <a:endParaRPr lang="de-AT"/>
           </a:p>

--- a/GridFS.pptx
+++ b/GridFS.pptx
@@ -4955,6 +4955,14 @@
           <a:bodyPr/>
           <a:lstStyle/>
           <a:p>
+            <a:r>
+              <a:rPr lang="de-AT" dirty="0" smtClean="0"/>
+              <a:t>@</a:t>
+            </a:r>
+            <a:r>
+              <a:rPr lang="de-AT" smtClean="0"/>
+              <a:t>ahmdNasr</a:t>
+            </a:r>
             <a:endParaRPr lang="de-AT" dirty="0"/>
           </a:p>
         </p:txBody>

--- a/GridFS.pptx
+++ b/GridFS.pptx
@@ -4955,14 +4955,6 @@
           <a:bodyPr/>
           <a:lstStyle/>
           <a:p>
-            <a:r>
-              <a:rPr lang="de-AT" dirty="0" smtClean="0"/>
-              <a:t>@</a:t>
-            </a:r>
-            <a:r>
-              <a:rPr lang="de-AT" smtClean="0"/>
-              <a:t>ahmdNasr</a:t>
-            </a:r>
             <a:endParaRPr lang="de-AT" dirty="0"/>
           </a:p>
         </p:txBody>
